--- a/AWP PPT - TypeScript.pptx
+++ b/AWP PPT - TypeScript.pptx
@@ -270,7 +270,7 @@
             <a:fld id="{A7B1724D-A50F-4C38-8BDE-920DAD4008EA}" type="datetimeFigureOut">
               <a:rPr lang="en-US" smtClean="0"/>
               <a:pPr/>
-              <a:t>7/7/2018</a:t>
+              <a:t>7/9/2018</a:t>
             </a:fld>
             <a:endParaRPr lang="en-US"/>
           </a:p>
@@ -5896,7 +5896,7 @@
         </p:nvCxnSpPr>
         <p:spPr>
           <a:xfrm>
-            <a:off x="0" y="1600200"/>
+            <a:off x="0" y="1524000"/>
             <a:ext cx="9144000" cy="1588"/>
           </a:xfrm>
           <a:prstGeom prst="line">
@@ -6019,7 +6019,7 @@
         </p:nvSpPr>
         <p:spPr>
           <a:xfrm>
-            <a:off x="114300" y="1752600"/>
+            <a:off x="114300" y="1676400"/>
             <a:ext cx="8915400" cy="646331"/>
           </a:xfrm>
           <a:prstGeom prst="rect">
@@ -6076,15 +6076,15 @@
         </p:nvSpPr>
         <p:spPr>
           <a:xfrm>
-            <a:off x="139700" y="2706974"/>
-            <a:ext cx="4572000" cy="1107996"/>
+            <a:off x="139700" y="2287250"/>
+            <a:ext cx="8775700" cy="1446550"/>
           </a:xfrm>
           <a:prstGeom prst="rect">
             <a:avLst/>
           </a:prstGeom>
         </p:spPr>
         <p:txBody>
-          <a:bodyPr>
+          <a:bodyPr wrap="square">
             <a:spAutoFit/>
           </a:bodyPr>
           <a:lstStyle/>
@@ -6114,7 +6114,7 @@
                 </a:solidFill>
                 <a:latin typeface="Consolas" panose="020B0609020204030204" pitchFamily="49" charset="0"/>
               </a:rPr>
-              <a:t>x</a:t>
+              <a:t>id</a:t>
             </a:r>
             <a:r>
               <a:rPr lang="en-IN" sz="2200" dirty="0" smtClean="0">
@@ -6161,7 +6161,7 @@
                 </a:solidFill>
                 <a:latin typeface="Consolas" panose="020B0609020204030204" pitchFamily="49" charset="0"/>
               </a:rPr>
-              <a:t>x</a:t>
+              <a:t>firstName</a:t>
             </a:r>
             <a:r>
               <a:rPr lang="en-IN" sz="2200" dirty="0" smtClean="0">
@@ -6179,12 +6179,21 @@
                 </a:solidFill>
                 <a:latin typeface="Consolas" panose="020B0609020204030204" pitchFamily="49" charset="0"/>
               </a:rPr>
-              <a:t>string[] = [];</a:t>
-            </a:r>
-          </a:p>
-          <a:p>
-            <a:r>
-              <a:rPr lang="en-IN" sz="2200" dirty="0">
+              <a:t>string[] = </a:t>
+            </a:r>
+            <a:r>
+              <a:rPr lang="en-IN" sz="2200" dirty="0" smtClean="0">
+                <a:solidFill>
+                  <a:srgbClr val="D3AF86"/>
+                </a:solidFill>
+                <a:latin typeface="Consolas" panose="020B0609020204030204" pitchFamily="49" charset="0"/>
+              </a:rPr>
+              <a:t>[];</a:t>
+            </a:r>
+          </a:p>
+          <a:p>
+            <a:r>
+              <a:rPr lang="en-IN" sz="2200" dirty="0" smtClean="0">
                 <a:solidFill>
                   <a:srgbClr val="98676A"/>
                 </a:solidFill>
@@ -6199,7 +6208,7 @@
                 </a:solidFill>
                 <a:latin typeface="Consolas" panose="020B0609020204030204" pitchFamily="49" charset="0"/>
               </a:rPr>
-              <a:t>x</a:t>
+              <a:t>canVote</a:t>
             </a:r>
             <a:r>
               <a:rPr lang="en-IN" sz="2200" dirty="0" smtClean="0">
@@ -6217,13 +6226,77 @@
                 </a:solidFill>
                 <a:latin typeface="Consolas" panose="020B0609020204030204" pitchFamily="49" charset="0"/>
               </a:rPr>
-              <a:t>boolean[] = [];</a:t>
-            </a:r>
-            <a:endParaRPr lang="en-IN" sz="2200" b="0" dirty="0">
+              <a:t>boolean[] = </a:t>
+            </a:r>
+            <a:r>
+              <a:rPr lang="en-IN" sz="2200" dirty="0" smtClean="0">
+                <a:solidFill>
+                  <a:srgbClr val="D3AF86"/>
+                </a:solidFill>
+                <a:latin typeface="Consolas" panose="020B0609020204030204" pitchFamily="49" charset="0"/>
+              </a:rPr>
+              <a:t>[];</a:t>
+            </a:r>
+          </a:p>
+          <a:p>
+            <a:r>
+              <a:rPr lang="en-IN" sz="2200" dirty="0">
+                <a:solidFill>
+                  <a:srgbClr val="98676A"/>
+                </a:solidFill>
+                <a:latin typeface="Consolas" panose="020B0609020204030204" pitchFamily="49" charset="0"/>
+              </a:rPr>
+              <a:t>const</a:t>
+            </a:r>
+            <a:r>
+              <a:rPr lang="en-IN" sz="2200" dirty="0">
+                <a:solidFill>
+                  <a:srgbClr val="D3AF86"/>
+                </a:solidFill>
+                <a:latin typeface="Consolas" panose="020B0609020204030204" pitchFamily="49" charset="0"/>
+              </a:rPr>
+              <a:t> </a:t>
+            </a:r>
+            <a:r>
+              <a:rPr lang="en-IN" sz="2200" dirty="0" smtClean="0">
+                <a:solidFill>
+                  <a:srgbClr val="DC3958"/>
+                </a:solidFill>
+                <a:latin typeface="Consolas" panose="020B0609020204030204" pitchFamily="49" charset="0"/>
+              </a:rPr>
+              <a:t>book</a:t>
+            </a:r>
+            <a:r>
+              <a:rPr lang="en-IN" sz="2200" dirty="0" smtClean="0">
+                <a:solidFill>
+                  <a:srgbClr val="D3AF86"/>
+                </a:solidFill>
+                <a:latin typeface="Consolas" panose="020B0609020204030204" pitchFamily="49" charset="0"/>
+              </a:rPr>
+              <a:t> </a:t>
+            </a:r>
+            <a:r>
+              <a:rPr lang="en-IN" sz="2200" dirty="0">
+                <a:solidFill>
+                  <a:srgbClr val="D3AF86"/>
+                </a:solidFill>
+                <a:latin typeface="Consolas" panose="020B0609020204030204" pitchFamily="49" charset="0"/>
+              </a:rPr>
+              <a:t>: any[] = </a:t>
+            </a:r>
+            <a:r>
+              <a:rPr lang="en-IN" sz="2200" dirty="0" smtClean="0">
+                <a:solidFill>
+                  <a:srgbClr val="D3AF86"/>
+                </a:solidFill>
+                <a:latin typeface="Consolas" panose="020B0609020204030204" pitchFamily="49" charset="0"/>
+              </a:rPr>
+              <a:t>[]</a:t>
+            </a:r>
+            <a:endParaRPr lang="en-IN" sz="2200" dirty="0">
               <a:solidFill>
                 <a:srgbClr val="D3AF86"/>
               </a:solidFill>
-              <a:effectLst/>
               <a:latin typeface="Consolas" panose="020B0609020204030204" pitchFamily="49" charset="0"/>
             </a:endParaRPr>
           </a:p>
@@ -6237,8 +6310,8 @@
         </p:nvSpPr>
         <p:spPr>
           <a:xfrm>
-            <a:off x="139700" y="4016274"/>
-            <a:ext cx="8890000" cy="1107996"/>
+            <a:off x="76200" y="3886200"/>
+            <a:ext cx="9004300" cy="1446550"/>
           </a:xfrm>
           <a:prstGeom prst="rect">
             <a:avLst/>
@@ -6266,7 +6339,7 @@
                 </a:solidFill>
                 <a:latin typeface="Consolas" panose="020B0609020204030204" pitchFamily="49" charset="0"/>
               </a:rPr>
-              <a:t>x</a:t>
+              <a:t>id</a:t>
             </a:r>
             <a:r>
               <a:rPr lang="en-IN" sz="2200" dirty="0" smtClean="0">
@@ -6376,7 +6449,7 @@
                 </a:solidFill>
                 <a:latin typeface="Consolas" panose="020B0609020204030204" pitchFamily="49" charset="0"/>
               </a:rPr>
-              <a:t>x</a:t>
+              <a:t>fruits</a:t>
             </a:r>
             <a:r>
               <a:rPr lang="en-IN" sz="2200" dirty="0" smtClean="0">
@@ -6385,6 +6458,107 @@
                 </a:solidFill>
                 <a:latin typeface="Consolas" panose="020B0609020204030204" pitchFamily="49" charset="0"/>
               </a:rPr>
+              <a:t>: string</a:t>
+            </a:r>
+            <a:r>
+              <a:rPr lang="en-IN" sz="2200" dirty="0">
+                <a:solidFill>
+                  <a:srgbClr val="D3AF86"/>
+                </a:solidFill>
+                <a:latin typeface="Consolas" panose="020B0609020204030204" pitchFamily="49" charset="0"/>
+              </a:rPr>
+              <a:t>[] = ["</a:t>
+            </a:r>
+            <a:r>
+              <a:rPr lang="en-IN" sz="2200" dirty="0">
+                <a:solidFill>
+                  <a:srgbClr val="889B4A"/>
+                </a:solidFill>
+                <a:latin typeface="Consolas" panose="020B0609020204030204" pitchFamily="49" charset="0"/>
+              </a:rPr>
+              <a:t>Banana</a:t>
+            </a:r>
+            <a:r>
+              <a:rPr lang="en-IN" sz="2200" dirty="0">
+                <a:solidFill>
+                  <a:srgbClr val="D3AF86"/>
+                </a:solidFill>
+                <a:latin typeface="Consolas" panose="020B0609020204030204" pitchFamily="49" charset="0"/>
+              </a:rPr>
+              <a:t>", "</a:t>
+            </a:r>
+            <a:r>
+              <a:rPr lang="en-IN" sz="2200" dirty="0">
+                <a:solidFill>
+                  <a:srgbClr val="889B4A"/>
+                </a:solidFill>
+                <a:latin typeface="Consolas" panose="020B0609020204030204" pitchFamily="49" charset="0"/>
+              </a:rPr>
+              <a:t>Orange</a:t>
+            </a:r>
+            <a:r>
+              <a:rPr lang="en-IN" sz="2200" dirty="0">
+                <a:solidFill>
+                  <a:srgbClr val="D3AF86"/>
+                </a:solidFill>
+                <a:latin typeface="Consolas" panose="020B0609020204030204" pitchFamily="49" charset="0"/>
+              </a:rPr>
+              <a:t>", "</a:t>
+            </a:r>
+            <a:r>
+              <a:rPr lang="en-IN" sz="2200" dirty="0" smtClean="0">
+                <a:solidFill>
+                  <a:srgbClr val="889B4A"/>
+                </a:solidFill>
+                <a:latin typeface="Consolas" panose="020B0609020204030204" pitchFamily="49" charset="0"/>
+              </a:rPr>
+              <a:t>Apple</a:t>
+            </a:r>
+            <a:r>
+              <a:rPr lang="en-IN" sz="2200" dirty="0" smtClean="0">
+                <a:solidFill>
+                  <a:srgbClr val="D3AF86"/>
+                </a:solidFill>
+                <a:latin typeface="Consolas" panose="020B0609020204030204" pitchFamily="49" charset="0"/>
+              </a:rPr>
+              <a:t>" </a:t>
+            </a:r>
+            <a:r>
+              <a:rPr lang="en-IN" sz="2200" dirty="0" smtClean="0">
+                <a:solidFill>
+                  <a:srgbClr val="D3AF86"/>
+                </a:solidFill>
+                <a:latin typeface="Consolas" panose="020B0609020204030204" pitchFamily="49" charset="0"/>
+              </a:rPr>
+              <a:t>];</a:t>
+            </a:r>
+          </a:p>
+          <a:p>
+            <a:r>
+              <a:rPr lang="en-IN" sz="2200" dirty="0" smtClean="0">
+                <a:solidFill>
+                  <a:srgbClr val="98676A"/>
+                </a:solidFill>
+                <a:latin typeface="Consolas" panose="020B0609020204030204" pitchFamily="49" charset="0"/>
+              </a:rPr>
+              <a:t>const </a:t>
+            </a:r>
+            <a:r>
+              <a:rPr lang="en-IN" sz="2200" dirty="0" smtClean="0">
+                <a:solidFill>
+                  <a:srgbClr val="DC3958"/>
+                </a:solidFill>
+                <a:latin typeface="Consolas" panose="020B0609020204030204" pitchFamily="49" charset="0"/>
+              </a:rPr>
+              <a:t>seasonal</a:t>
+            </a:r>
+            <a:r>
+              <a:rPr lang="en-IN" sz="2200" dirty="0" smtClean="0">
+                <a:solidFill>
+                  <a:srgbClr val="D3AF86"/>
+                </a:solidFill>
+                <a:latin typeface="Consolas" panose="020B0609020204030204" pitchFamily="49" charset="0"/>
+              </a:rPr>
               <a:t>: </a:t>
             </a:r>
             <a:r>
@@ -6394,52 +6568,135 @@
                 </a:solidFill>
                 <a:latin typeface="Consolas" panose="020B0609020204030204" pitchFamily="49" charset="0"/>
               </a:rPr>
-              <a:t>string[] = ["</a:t>
-            </a:r>
-            <a:r>
-              <a:rPr lang="en-IN" sz="2200" dirty="0">
+              <a:t>boolean[] = [</a:t>
+            </a:r>
+            <a:r>
+              <a:rPr lang="en-IN" sz="2200" dirty="0">
+                <a:solidFill>
+                  <a:srgbClr val="F79A32"/>
+                </a:solidFill>
+                <a:latin typeface="Consolas" panose="020B0609020204030204" pitchFamily="49" charset="0"/>
+              </a:rPr>
+              <a:t>true</a:t>
+            </a:r>
+            <a:r>
+              <a:rPr lang="en-IN" sz="2200" dirty="0">
+                <a:solidFill>
+                  <a:srgbClr val="D3AF86"/>
+                </a:solidFill>
+                <a:latin typeface="Consolas" panose="020B0609020204030204" pitchFamily="49" charset="0"/>
+              </a:rPr>
+              <a:t>, </a:t>
+            </a:r>
+            <a:r>
+              <a:rPr lang="en-IN" sz="2200" dirty="0">
+                <a:solidFill>
+                  <a:srgbClr val="F79A32"/>
+                </a:solidFill>
+                <a:latin typeface="Consolas" panose="020B0609020204030204" pitchFamily="49" charset="0"/>
+              </a:rPr>
+              <a:t>false</a:t>
+            </a:r>
+            <a:r>
+              <a:rPr lang="en-IN" sz="2200" dirty="0" smtClean="0">
+                <a:solidFill>
+                  <a:srgbClr val="D3AF86"/>
+                </a:solidFill>
+                <a:latin typeface="Consolas" panose="020B0609020204030204" pitchFamily="49" charset="0"/>
+              </a:rPr>
+              <a:t>];</a:t>
+            </a:r>
+          </a:p>
+          <a:p>
+            <a:r>
+              <a:rPr lang="en-IN" sz="2200" dirty="0">
+                <a:solidFill>
+                  <a:srgbClr val="98676A"/>
+                </a:solidFill>
+                <a:latin typeface="Consolas" panose="020B0609020204030204" pitchFamily="49" charset="0"/>
+              </a:rPr>
+              <a:t>const</a:t>
+            </a:r>
+            <a:r>
+              <a:rPr lang="en-IN" sz="2200" dirty="0">
+                <a:solidFill>
+                  <a:srgbClr val="D3AF86"/>
+                </a:solidFill>
+                <a:latin typeface="Consolas" panose="020B0609020204030204" pitchFamily="49" charset="0"/>
+              </a:rPr>
+              <a:t> </a:t>
+            </a:r>
+            <a:r>
+              <a:rPr lang="en-IN" sz="2200" dirty="0">
+                <a:solidFill>
+                  <a:srgbClr val="DC3958"/>
+                </a:solidFill>
+                <a:latin typeface="Consolas" panose="020B0609020204030204" pitchFamily="49" charset="0"/>
+              </a:rPr>
+              <a:t>fruitType</a:t>
+            </a:r>
+            <a:r>
+              <a:rPr lang="en-IN" sz="2200" dirty="0" smtClean="0">
+                <a:solidFill>
+                  <a:srgbClr val="D3AF86"/>
+                </a:solidFill>
+                <a:latin typeface="Consolas" panose="020B0609020204030204" pitchFamily="49" charset="0"/>
+              </a:rPr>
+              <a:t> </a:t>
+            </a:r>
+            <a:r>
+              <a:rPr lang="en-IN" sz="2200" dirty="0">
+                <a:solidFill>
+                  <a:srgbClr val="D3AF86"/>
+                </a:solidFill>
+                <a:latin typeface="Consolas" panose="020B0609020204030204" pitchFamily="49" charset="0"/>
+              </a:rPr>
+              <a:t>: any[] = [</a:t>
+            </a:r>
+            <a:r>
+              <a:rPr lang="en-IN" sz="2200" dirty="0">
+                <a:solidFill>
+                  <a:srgbClr val="F79A32"/>
+                </a:solidFill>
+                <a:latin typeface="Consolas" panose="020B0609020204030204" pitchFamily="49" charset="0"/>
+              </a:rPr>
+              <a:t>1</a:t>
+            </a:r>
+            <a:r>
+              <a:rPr lang="en-IN" sz="2200" dirty="0" smtClean="0">
+                <a:solidFill>
+                  <a:srgbClr val="D3AF86"/>
+                </a:solidFill>
+                <a:latin typeface="Consolas" panose="020B0609020204030204" pitchFamily="49" charset="0"/>
+              </a:rPr>
+              <a:t>, '</a:t>
+            </a:r>
+            <a:r>
+              <a:rPr lang="en-IN" sz="2200" dirty="0" smtClean="0">
                 <a:solidFill>
                   <a:srgbClr val="889B4A"/>
                 </a:solidFill>
                 <a:latin typeface="Consolas" panose="020B0609020204030204" pitchFamily="49" charset="0"/>
               </a:rPr>
-              <a:t>Banana</a:t>
-            </a:r>
-            <a:r>
-              <a:rPr lang="en-IN" sz="2200" dirty="0">
-                <a:solidFill>
-                  <a:srgbClr val="D3AF86"/>
-                </a:solidFill>
-                <a:latin typeface="Consolas" panose="020B0609020204030204" pitchFamily="49" charset="0"/>
-              </a:rPr>
-              <a:t>", "</a:t>
-            </a:r>
-            <a:r>
-              <a:rPr lang="en-IN" sz="2200" dirty="0">
-                <a:solidFill>
-                  <a:srgbClr val="889B4A"/>
-                </a:solidFill>
-                <a:latin typeface="Consolas" panose="020B0609020204030204" pitchFamily="49" charset="0"/>
-              </a:rPr>
-              <a:t>Orange</a:t>
-            </a:r>
-            <a:r>
-              <a:rPr lang="en-IN" sz="2200" dirty="0">
-                <a:solidFill>
-                  <a:srgbClr val="D3AF86"/>
-                </a:solidFill>
-                <a:latin typeface="Consolas" panose="020B0609020204030204" pitchFamily="49" charset="0"/>
-              </a:rPr>
-              <a:t>", "</a:t>
+              <a:t>Apple</a:t>
             </a:r>
             <a:r>
               <a:rPr lang="en-IN" sz="2200" dirty="0" smtClean="0">
                 <a:solidFill>
-                  <a:srgbClr val="889B4A"/>
-                </a:solidFill>
-                <a:latin typeface="Consolas" panose="020B0609020204030204" pitchFamily="49" charset="0"/>
-              </a:rPr>
-              <a:t>Apple</a:t>
+                  <a:srgbClr val="D3AF86"/>
+                </a:solidFill>
+                <a:latin typeface="Consolas" panose="020B0609020204030204" pitchFamily="49" charset="0"/>
+              </a:rPr>
+              <a:t>', </a:t>
+            </a:r>
+            <a:r>
+              <a:rPr lang="en-IN" sz="2200" dirty="0">
+                <a:solidFill>
+                  <a:srgbClr val="F79A32"/>
+                </a:solidFill>
+                <a:latin typeface="Consolas" panose="020B0609020204030204" pitchFamily="49" charset="0"/>
+              </a:rPr>
+              <a:t>true</a:t>
             </a:r>
             <a:r>
               <a:rPr lang="en-IN" sz="2200" dirty="0" smtClean="0">
@@ -6448,84 +6705,12 @@
                 </a:solidFill>
                 <a:latin typeface="Consolas" panose="020B0609020204030204" pitchFamily="49" charset="0"/>
               </a:rPr>
-              <a:t>" ];</a:t>
+              <a:t>];</a:t>
             </a:r>
             <a:endParaRPr lang="en-IN" sz="2200" dirty="0">
               <a:solidFill>
                 <a:srgbClr val="D3AF86"/>
               </a:solidFill>
-              <a:latin typeface="Consolas" panose="020B0609020204030204" pitchFamily="49" charset="0"/>
-            </a:endParaRPr>
-          </a:p>
-          <a:p>
-            <a:r>
-              <a:rPr lang="en-IN" sz="2200" dirty="0">
-                <a:solidFill>
-                  <a:srgbClr val="98676A"/>
-                </a:solidFill>
-                <a:latin typeface="Consolas" panose="020B0609020204030204" pitchFamily="49" charset="0"/>
-              </a:rPr>
-              <a:t>const </a:t>
-            </a:r>
-            <a:r>
-              <a:rPr lang="en-IN" sz="2200" dirty="0" smtClean="0">
-                <a:solidFill>
-                  <a:srgbClr val="DC3958"/>
-                </a:solidFill>
-                <a:latin typeface="Consolas" panose="020B0609020204030204" pitchFamily="49" charset="0"/>
-              </a:rPr>
-              <a:t>x</a:t>
-            </a:r>
-            <a:r>
-              <a:rPr lang="en-IN" sz="2200" dirty="0">
-                <a:solidFill>
-                  <a:srgbClr val="D3AF86"/>
-                </a:solidFill>
-                <a:latin typeface="Consolas" panose="020B0609020204030204" pitchFamily="49" charset="0"/>
-              </a:rPr>
-              <a:t>: boolean[] = [</a:t>
-            </a:r>
-            <a:r>
-              <a:rPr lang="en-IN" sz="2200" dirty="0">
-                <a:solidFill>
-                  <a:srgbClr val="F79A32"/>
-                </a:solidFill>
-                <a:latin typeface="Consolas" panose="020B0609020204030204" pitchFamily="49" charset="0"/>
-              </a:rPr>
-              <a:t>true</a:t>
-            </a:r>
-            <a:r>
-              <a:rPr lang="en-IN" sz="2200" dirty="0">
-                <a:solidFill>
-                  <a:srgbClr val="D3AF86"/>
-                </a:solidFill>
-                <a:latin typeface="Consolas" panose="020B0609020204030204" pitchFamily="49" charset="0"/>
-              </a:rPr>
-              <a:t>, </a:t>
-            </a:r>
-            <a:r>
-              <a:rPr lang="en-IN" sz="2200" dirty="0">
-                <a:solidFill>
-                  <a:srgbClr val="F79A32"/>
-                </a:solidFill>
-                <a:latin typeface="Consolas" panose="020B0609020204030204" pitchFamily="49" charset="0"/>
-              </a:rPr>
-              <a:t>false</a:t>
-            </a:r>
-            <a:r>
-              <a:rPr lang="en-IN" sz="2200" dirty="0">
-                <a:solidFill>
-                  <a:srgbClr val="D3AF86"/>
-                </a:solidFill>
-                <a:latin typeface="Consolas" panose="020B0609020204030204" pitchFamily="49" charset="0"/>
-              </a:rPr>
-              <a:t>];</a:t>
-            </a:r>
-            <a:endParaRPr lang="en-IN" sz="2200" b="0" dirty="0">
-              <a:solidFill>
-                <a:srgbClr val="D3AF86"/>
-              </a:solidFill>
-              <a:effectLst/>
               <a:latin typeface="Consolas" panose="020B0609020204030204" pitchFamily="49" charset="0"/>
             </a:endParaRPr>
           </a:p>
@@ -6576,7 +6761,7 @@
         </p:nvCxnSpPr>
         <p:spPr>
           <a:xfrm>
-            <a:off x="0" y="1600200"/>
+            <a:off x="0" y="1524000"/>
             <a:ext cx="9144000" cy="1588"/>
           </a:xfrm>
           <a:prstGeom prst="line">
@@ -6763,8 +6948,8 @@
         </p:nvSpPr>
         <p:spPr>
           <a:xfrm>
-            <a:off x="225136" y="2287250"/>
-            <a:ext cx="8686800" cy="1446550"/>
+            <a:off x="0" y="2287250"/>
+            <a:ext cx="9144000" cy="1446550"/>
           </a:xfrm>
           <a:prstGeom prst="rect">
             <a:avLst/>
@@ -6792,7 +6977,7 @@
                 </a:solidFill>
                 <a:latin typeface="Consolas" panose="020B0609020204030204" pitchFamily="49" charset="0"/>
               </a:rPr>
-              <a:t>x</a:t>
+              <a:t>id</a:t>
             </a:r>
             <a:r>
               <a:rPr lang="en-IN" sz="2200" dirty="0" smtClean="0">
@@ -6839,7 +7024,7 @@
                 </a:solidFill>
                 <a:latin typeface="Consolas" panose="020B0609020204030204" pitchFamily="49" charset="0"/>
               </a:rPr>
-              <a:t>x</a:t>
+              <a:t>firstName</a:t>
             </a:r>
             <a:r>
               <a:rPr lang="en-IN" sz="2200" dirty="0" smtClean="0">
@@ -6886,7 +7071,7 @@
                 </a:solidFill>
                 <a:latin typeface="Consolas" panose="020B0609020204030204" pitchFamily="49" charset="0"/>
               </a:rPr>
-              <a:t>x</a:t>
+              <a:t>canVote</a:t>
             </a:r>
             <a:r>
               <a:rPr lang="en-IN" sz="2200" dirty="0" smtClean="0">
@@ -6933,7 +7118,7 @@
                 </a:solidFill>
                 <a:latin typeface="Consolas" panose="020B0609020204030204" pitchFamily="49" charset="0"/>
               </a:rPr>
-              <a:t>x</a:t>
+              <a:t>books</a:t>
             </a:r>
             <a:r>
               <a:rPr lang="en-IN" sz="2200" dirty="0" smtClean="0">
@@ -6980,8 +7165,8 @@
         </p:nvSpPr>
         <p:spPr>
           <a:xfrm>
-            <a:off x="228600" y="3899118"/>
-            <a:ext cx="8683336" cy="1446550"/>
+            <a:off x="0" y="3899118"/>
+            <a:ext cx="9144000" cy="1446550"/>
           </a:xfrm>
           <a:prstGeom prst="rect">
             <a:avLst/>
@@ -7009,7 +7194,7 @@
                 </a:solidFill>
                 <a:latin typeface="Consolas" panose="020B0609020204030204" pitchFamily="49" charset="0"/>
               </a:rPr>
-              <a:t>x</a:t>
+              <a:t>id</a:t>
             </a:r>
             <a:r>
               <a:rPr lang="en-IN" sz="2200" dirty="0" smtClean="0">
@@ -7146,7 +7331,7 @@
                 </a:solidFill>
                 <a:latin typeface="Consolas" panose="020B0609020204030204" pitchFamily="49" charset="0"/>
               </a:rPr>
-              <a:t>x</a:t>
+              <a:t>fruits</a:t>
             </a:r>
             <a:r>
               <a:rPr lang="en-IN" sz="2200" dirty="0" smtClean="0">
@@ -7182,16 +7367,25 @@
                 </a:solidFill>
                 <a:latin typeface="Consolas" panose="020B0609020204030204" pitchFamily="49" charset="0"/>
               </a:rPr>
-              <a:t>&gt; = ["</a:t>
-            </a:r>
-            <a:r>
-              <a:rPr lang="en-IN" sz="2200" dirty="0">
+              <a:t>&gt; </a:t>
+            </a:r>
+            <a:r>
+              <a:rPr lang="en-IN" sz="2200" dirty="0">
+                <a:solidFill>
+                  <a:srgbClr val="D3AF86"/>
+                </a:solidFill>
+                <a:latin typeface="Consolas" panose="020B0609020204030204" pitchFamily="49" charset="0"/>
+              </a:rPr>
+              <a:t>= ["</a:t>
+            </a:r>
+            <a:r>
+              <a:rPr lang="en-IN" sz="2200" dirty="0" smtClean="0">
                 <a:solidFill>
                   <a:srgbClr val="889B4A"/>
                 </a:solidFill>
                 <a:latin typeface="Consolas" panose="020B0609020204030204" pitchFamily="49" charset="0"/>
               </a:rPr>
-              <a:t>Banana</a:t>
+              <a:t>Lemon</a:t>
             </a:r>
             <a:r>
               <a:rPr lang="en-IN" sz="2200" dirty="0" smtClean="0">
@@ -7200,25 +7394,43 @@
                 </a:solidFill>
                 <a:latin typeface="Consolas" panose="020B0609020204030204" pitchFamily="49" charset="0"/>
               </a:rPr>
-              <a:t>", "</a:t>
-            </a:r>
-            <a:r>
-              <a:rPr lang="en-IN" sz="2200" dirty="0">
+              <a:t>", </a:t>
+            </a:r>
+            <a:r>
+              <a:rPr lang="en-IN" sz="2200" dirty="0">
+                <a:solidFill>
+                  <a:srgbClr val="D3AF86"/>
+                </a:solidFill>
+                <a:latin typeface="Consolas" panose="020B0609020204030204" pitchFamily="49" charset="0"/>
+              </a:rPr>
+              <a:t>"</a:t>
+            </a:r>
+            <a:r>
+              <a:rPr lang="en-IN" sz="2200" dirty="0" smtClean="0">
                 <a:solidFill>
                   <a:srgbClr val="889B4A"/>
                 </a:solidFill>
                 <a:latin typeface="Consolas" panose="020B0609020204030204" pitchFamily="49" charset="0"/>
               </a:rPr>
-              <a:t>Orange</a:t>
-            </a:r>
-            <a:r>
-              <a:rPr lang="en-IN" sz="2200" dirty="0">
-                <a:solidFill>
-                  <a:srgbClr val="D3AF86"/>
-                </a:solidFill>
-                <a:latin typeface="Consolas" panose="020B0609020204030204" pitchFamily="49" charset="0"/>
-              </a:rPr>
-              <a:t>", "</a:t>
+              <a:t>Mango</a:t>
+            </a:r>
+            <a:r>
+              <a:rPr lang="en-IN" sz="2200" dirty="0" smtClean="0">
+                <a:solidFill>
+                  <a:srgbClr val="D3AF86"/>
+                </a:solidFill>
+                <a:latin typeface="Consolas" panose="020B0609020204030204" pitchFamily="49" charset="0"/>
+              </a:rPr>
+              <a:t>", </a:t>
+            </a:r>
+            <a:r>
+              <a:rPr lang="en-IN" sz="2200" dirty="0">
+                <a:solidFill>
+                  <a:srgbClr val="D3AF86"/>
+                </a:solidFill>
+                <a:latin typeface="Consolas" panose="020B0609020204030204" pitchFamily="49" charset="0"/>
+              </a:rPr>
+              <a:t>"</a:t>
             </a:r>
             <a:r>
               <a:rPr lang="en-IN" sz="2200" dirty="0">
@@ -7256,7 +7468,7 @@
                 </a:solidFill>
                 <a:latin typeface="Consolas" panose="020B0609020204030204" pitchFamily="49" charset="0"/>
               </a:rPr>
-              <a:t>x</a:t>
+              <a:t>seasonal</a:t>
             </a:r>
             <a:r>
               <a:rPr lang="en-IN" sz="2200" dirty="0" smtClean="0">
@@ -7339,7 +7551,7 @@
                 </a:solidFill>
                 <a:latin typeface="Consolas" panose="020B0609020204030204" pitchFamily="49" charset="0"/>
               </a:rPr>
-              <a:t>x</a:t>
+              <a:t>fruitType</a:t>
             </a:r>
             <a:r>
               <a:rPr lang="en-IN" sz="2200" dirty="0" smtClean="0">
@@ -7477,7 +7689,7 @@
         </p:nvCxnSpPr>
         <p:spPr>
           <a:xfrm>
-            <a:off x="0" y="1600200"/>
+            <a:off x="0" y="1524000"/>
             <a:ext cx="9144000" cy="1588"/>
           </a:xfrm>
           <a:prstGeom prst="line">
@@ -7662,7 +7874,7 @@
         <p:spPr>
           <a:xfrm>
             <a:off x="148936" y="2133005"/>
-            <a:ext cx="8766464" cy="461665"/>
+            <a:ext cx="8766464" cy="430887"/>
           </a:xfrm>
           <a:prstGeom prst="rect">
             <a:avLst/>
@@ -7675,7 +7887,7 @@
           <a:lstStyle/>
           <a:p>
             <a:r>
-              <a:rPr lang="en-IN" dirty="0">
+              <a:rPr lang="en-IN" sz="2200" dirty="0">
                 <a:solidFill>
                   <a:srgbClr val="98676A"/>
                 </a:solidFill>
@@ -7684,7 +7896,7 @@
               <a:t>const</a:t>
             </a:r>
             <a:r>
-              <a:rPr lang="en-IN" dirty="0">
+              <a:rPr lang="en-IN" sz="2200" dirty="0">
                 <a:solidFill>
                   <a:srgbClr val="D3AF86"/>
                 </a:solidFill>
@@ -7693,7 +7905,7 @@
               <a:t> </a:t>
             </a:r>
             <a:r>
-              <a:rPr lang="en-IN" dirty="0">
+              <a:rPr lang="en-IN" sz="2200" dirty="0">
                 <a:solidFill>
                   <a:srgbClr val="DC3958"/>
                 </a:solidFill>
@@ -7702,7 +7914,7 @@
               <a:t>aList</a:t>
             </a:r>
             <a:r>
-              <a:rPr lang="en-IN" dirty="0">
+              <a:rPr lang="en-IN" sz="2200" dirty="0">
                 <a:solidFill>
                   <a:srgbClr val="D3AF86"/>
                 </a:solidFill>
@@ -7711,7 +7923,7 @@
               <a:t> : </a:t>
             </a:r>
             <a:r>
-              <a:rPr lang="en-IN" dirty="0">
+              <a:rPr lang="en-IN" sz="2200" dirty="0">
                 <a:solidFill>
                   <a:srgbClr val="F06431"/>
                 </a:solidFill>
@@ -7720,7 +7932,7 @@
               <a:t>Array</a:t>
             </a:r>
             <a:r>
-              <a:rPr lang="en-IN" dirty="0">
+              <a:rPr lang="en-IN" sz="2200" dirty="0">
                 <a:solidFill>
                   <a:srgbClr val="D3AF86"/>
                 </a:solidFill>
@@ -7728,7 +7940,7 @@
               </a:rPr>
               <a:t>&lt;any&gt; = [];</a:t>
             </a:r>
-            <a:endParaRPr lang="en-IN" b="0" dirty="0">
+            <a:endParaRPr lang="en-IN" sz="2200" b="0" dirty="0">
               <a:solidFill>
                 <a:srgbClr val="D3AF86"/>
               </a:solidFill>
@@ -9454,7 +9666,7 @@
         </p:nvCxnSpPr>
         <p:spPr>
           <a:xfrm>
-            <a:off x="0" y="1600200"/>
+            <a:off x="0" y="1524000"/>
             <a:ext cx="9144000" cy="1588"/>
           </a:xfrm>
           <a:prstGeom prst="line">
@@ -9994,7 +10206,7 @@
         </p:nvCxnSpPr>
         <p:spPr>
           <a:xfrm>
-            <a:off x="0" y="1600200"/>
+            <a:off x="0" y="1524000"/>
             <a:ext cx="9144000" cy="1588"/>
           </a:xfrm>
           <a:prstGeom prst="line">
@@ -10569,7 +10781,7 @@
         </p:nvCxnSpPr>
         <p:spPr>
           <a:xfrm>
-            <a:off x="-9181" y="1841653"/>
+            <a:off x="-9181" y="1752600"/>
             <a:ext cx="9144000" cy="1588"/>
           </a:xfrm>
           <a:prstGeom prst="line">
@@ -11912,7 +12124,7 @@
         </p:nvCxnSpPr>
         <p:spPr>
           <a:xfrm>
-            <a:off x="0" y="1600200"/>
+            <a:off x="0" y="1524000"/>
             <a:ext cx="9144000" cy="1588"/>
           </a:xfrm>
           <a:prstGeom prst="line">
@@ -12658,7 +12870,7 @@
         </p:nvCxnSpPr>
         <p:spPr>
           <a:xfrm>
-            <a:off x="0" y="1600200"/>
+            <a:off x="0" y="1524000"/>
             <a:ext cx="9144000" cy="1588"/>
           </a:xfrm>
           <a:prstGeom prst="line">
@@ -13371,7 +13583,7 @@
         </p:nvCxnSpPr>
         <p:spPr>
           <a:xfrm>
-            <a:off x="0" y="1600200"/>
+            <a:off x="0" y="1524000"/>
             <a:ext cx="9144000" cy="1588"/>
           </a:xfrm>
           <a:prstGeom prst="line">
@@ -14051,7 +14263,7 @@
         </p:nvCxnSpPr>
         <p:spPr>
           <a:xfrm>
-            <a:off x="0" y="1600200"/>
+            <a:off x="0" y="1524000"/>
             <a:ext cx="9144000" cy="1588"/>
           </a:xfrm>
           <a:prstGeom prst="line">
@@ -14769,7 +14981,7 @@
         </p:nvCxnSpPr>
         <p:spPr>
           <a:xfrm>
-            <a:off x="0" y="1600200"/>
+            <a:off x="0" y="1524000"/>
             <a:ext cx="9144000" cy="1588"/>
           </a:xfrm>
           <a:prstGeom prst="line">
@@ -15523,7 +15735,7 @@
         </p:nvCxnSpPr>
         <p:spPr>
           <a:xfrm>
-            <a:off x="0" y="1600200"/>
+            <a:off x="0" y="1524000"/>
             <a:ext cx="9144000" cy="1588"/>
           </a:xfrm>
           <a:prstGeom prst="line">
@@ -15946,7 +16158,7 @@
         </p:nvCxnSpPr>
         <p:spPr>
           <a:xfrm>
-            <a:off x="0" y="1600200"/>
+            <a:off x="0" y="1524000"/>
             <a:ext cx="9144000" cy="1588"/>
           </a:xfrm>
           <a:prstGeom prst="line">
@@ -16214,7 +16426,7 @@
         </p:nvCxnSpPr>
         <p:spPr>
           <a:xfrm>
-            <a:off x="0" y="1600200"/>
+            <a:off x="0" y="1524000"/>
             <a:ext cx="9144000" cy="1588"/>
           </a:xfrm>
           <a:prstGeom prst="line">
@@ -16327,6 +16539,7 @@
           <a:prstGeom prst="rect">
             <a:avLst/>
           </a:prstGeom>
+          <a:noFill/>
         </p:spPr>
         <p:txBody>
           <a:bodyPr wrap="square">
@@ -16982,7 +17195,7 @@
         </p:nvCxnSpPr>
         <p:spPr>
           <a:xfrm>
-            <a:off x="0" y="1600200"/>
+            <a:off x="0" y="1524000"/>
             <a:ext cx="9144000" cy="1588"/>
           </a:xfrm>
           <a:prstGeom prst="line">
@@ -17260,7 +17473,7 @@
         </p:nvCxnSpPr>
         <p:spPr>
           <a:xfrm>
-            <a:off x="0" y="1600200"/>
+            <a:off x="0" y="1524000"/>
             <a:ext cx="9144000" cy="1588"/>
           </a:xfrm>
           <a:prstGeom prst="line">
@@ -18218,7 +18431,7 @@
         </p:nvCxnSpPr>
         <p:spPr>
           <a:xfrm>
-            <a:off x="0" y="1600200"/>
+            <a:off x="0" y="1524000"/>
             <a:ext cx="9144000" cy="1588"/>
           </a:xfrm>
           <a:prstGeom prst="line">
@@ -19175,7 +19388,7 @@
         </p:nvCxnSpPr>
         <p:spPr>
           <a:xfrm>
-            <a:off x="0" y="1600200"/>
+            <a:off x="0" y="1524000"/>
             <a:ext cx="9144000" cy="1588"/>
           </a:xfrm>
           <a:prstGeom prst="line">
@@ -21846,7 +22059,7 @@
         </p:nvSpPr>
         <p:spPr>
           <a:xfrm>
-            <a:off x="127000" y="2993885"/>
+            <a:off x="127000" y="2895600"/>
             <a:ext cx="8902700" cy="1107996"/>
           </a:xfrm>
           <a:prstGeom prst="rect">

--- a/AWP PPT - TypeScript.pptx
+++ b/AWP PPT - TypeScript.pptx
@@ -270,7 +270,7 @@
             <a:fld id="{A7B1724D-A50F-4C38-8BDE-920DAD4008EA}" type="datetimeFigureOut">
               <a:rPr lang="en-US" smtClean="0"/>
               <a:pPr/>
-              <a:t>7/9/2018</a:t>
+              <a:t>7/16/2018</a:t>
             </a:fld>
             <a:endParaRPr lang="en-US"/>
           </a:p>
@@ -6521,16 +6521,7 @@
                 </a:solidFill>
                 <a:latin typeface="Consolas" panose="020B0609020204030204" pitchFamily="49" charset="0"/>
               </a:rPr>
-              <a:t>" </a:t>
-            </a:r>
-            <a:r>
-              <a:rPr lang="en-IN" sz="2200" dirty="0" smtClean="0">
-                <a:solidFill>
-                  <a:srgbClr val="D3AF86"/>
-                </a:solidFill>
-                <a:latin typeface="Consolas" panose="020B0609020204030204" pitchFamily="49" charset="0"/>
-              </a:rPr>
-              <a:t>];</a:t>
+              <a:t>" ];</a:t>
             </a:r>
           </a:p>
           <a:p>
@@ -20669,16 +20660,25 @@
               <a:t>p2</a:t>
             </a:r>
             <a:r>
-              <a:rPr lang="en-IN" sz="2200" dirty="0">
-                <a:solidFill>
-                  <a:srgbClr val="D3AF86"/>
-                </a:solidFill>
-                <a:latin typeface="Consolas" panose="020B0609020204030204" pitchFamily="49" charset="0"/>
-              </a:rPr>
-              <a:t>: number=</a:t>
-            </a:r>
-            <a:r>
-              <a:rPr lang="en-IN" sz="2200" dirty="0">
+              <a:rPr lang="en-IN" sz="2200">
+                <a:solidFill>
+                  <a:srgbClr val="D3AF86"/>
+                </a:solidFill>
+                <a:latin typeface="Consolas" panose="020B0609020204030204" pitchFamily="49" charset="0"/>
+              </a:rPr>
+              <a:t>: </a:t>
+            </a:r>
+            <a:r>
+              <a:rPr lang="en-IN" sz="2200" smtClean="0">
+                <a:solidFill>
+                  <a:srgbClr val="D3AF86"/>
+                </a:solidFill>
+                <a:latin typeface="Consolas" panose="020B0609020204030204" pitchFamily="49" charset="0"/>
+              </a:rPr>
+              <a:t>number = </a:t>
+            </a:r>
+            <a:r>
+              <a:rPr lang="en-IN" sz="2200" smtClean="0">
                 <a:solidFill>
                   <a:srgbClr val="F79A32"/>
                 </a:solidFill>
@@ -20687,7 +20687,7 @@
               <a:t>1</a:t>
             </a:r>
             <a:r>
-              <a:rPr lang="en-IN" sz="2200" dirty="0">
+              <a:rPr lang="en-IN" sz="2200">
                 <a:solidFill>
                   <a:srgbClr val="D3AF86"/>
                 </a:solidFill>
@@ -20696,7 +20696,7 @@
               <a:t>, </a:t>
             </a:r>
             <a:r>
-              <a:rPr lang="en-IN" sz="2200" dirty="0">
+              <a:rPr lang="en-IN" sz="2200" smtClean="0">
                 <a:solidFill>
                   <a:srgbClr val="DC3958"/>
                 </a:solidFill>
@@ -20705,16 +20705,16 @@
               <a:t>p3</a:t>
             </a:r>
             <a:r>
-              <a:rPr lang="en-IN" sz="2200" dirty="0">
-                <a:solidFill>
-                  <a:srgbClr val="D3AF86"/>
-                </a:solidFill>
-                <a:latin typeface="Consolas" panose="020B0609020204030204" pitchFamily="49" charset="0"/>
-              </a:rPr>
-              <a:t>:number=</a:t>
-            </a:r>
-            <a:r>
-              <a:rPr lang="en-IN" sz="2200" dirty="0">
+              <a:rPr lang="en-IN" sz="2200" smtClean="0">
+                <a:solidFill>
+                  <a:srgbClr val="D3AF86"/>
+                </a:solidFill>
+                <a:latin typeface="Consolas" panose="020B0609020204030204" pitchFamily="49" charset="0"/>
+              </a:rPr>
+              <a:t>:number = </a:t>
+            </a:r>
+            <a:r>
+              <a:rPr lang="en-IN" sz="2200" smtClean="0">
                 <a:solidFill>
                   <a:srgbClr val="F79A32"/>
                 </a:solidFill>
@@ -20723,13 +20723,22 @@
               <a:t>2</a:t>
             </a:r>
             <a:r>
-              <a:rPr lang="en-IN" sz="2200" dirty="0">
-                <a:solidFill>
-                  <a:srgbClr val="D3AF86"/>
-                </a:solidFill>
-                <a:latin typeface="Consolas" panose="020B0609020204030204" pitchFamily="49" charset="0"/>
-              </a:rPr>
-              <a:t>): void {</a:t>
+              <a:rPr lang="en-IN" sz="2200" smtClean="0">
+                <a:solidFill>
+                  <a:srgbClr val="D3AF86"/>
+                </a:solidFill>
+                <a:latin typeface="Consolas" panose="020B0609020204030204" pitchFamily="49" charset="0"/>
+              </a:rPr>
+              <a:t>):void </a:t>
+            </a:r>
+            <a:r>
+              <a:rPr lang="en-IN" sz="2200" dirty="0">
+                <a:solidFill>
+                  <a:srgbClr val="D3AF86"/>
+                </a:solidFill>
+                <a:latin typeface="Consolas" panose="020B0609020204030204" pitchFamily="49" charset="0"/>
+              </a:rPr>
+              <a:t>{</a:t>
             </a:r>
           </a:p>
           <a:p>

--- a/AWP PPT - TypeScript.pptx
+++ b/AWP PPT - TypeScript.pptx
@@ -270,7 +270,7 @@
             <a:fld id="{A7B1724D-A50F-4C38-8BDE-920DAD4008EA}" type="datetimeFigureOut">
               <a:rPr lang="en-US" smtClean="0"/>
               <a:pPr/>
-              <a:t>7/16/2018</a:t>
+              <a:t>12/23/2018</a:t>
             </a:fld>
             <a:endParaRPr lang="en-US"/>
           </a:p>
@@ -5851,6 +5851,34 @@
           </a:p>
         </p:txBody>
       </p:sp>
+      <p:sp>
+        <p:nvSpPr>
+          <p:cNvPr id="4" name="Rectangle 3"/>
+          <p:cNvSpPr/>
+          <p:nvPr/>
+        </p:nvSpPr>
+        <p:spPr>
+          <a:xfrm>
+            <a:off x="304800" y="1803193"/>
+            <a:ext cx="4572000" cy="830997"/>
+          </a:xfrm>
+          <a:prstGeom prst="rect">
+            <a:avLst/>
+          </a:prstGeom>
+        </p:spPr>
+        <p:txBody>
+          <a:bodyPr>
+            <a:spAutoFit/>
+          </a:bodyPr>
+          <a:lstStyle/>
+          <a:p>
+            <a:r>
+              <a:rPr lang="en-IN" dirty="0"/>
+              <a:t>http://www.tutorialsteacher.com/typescript/typescript-variable</a:t>
+            </a:r>
+          </a:p>
+        </p:txBody>
+      </p:sp>
     </p:spTree>
     <p:extLst>
       <p:ext uri="{BB962C8B-B14F-4D97-AF65-F5344CB8AC3E}">
@@ -6077,7 +6105,7 @@
         <p:spPr>
           <a:xfrm>
             <a:off x="139700" y="2287250"/>
-            <a:ext cx="8775700" cy="1446550"/>
+            <a:ext cx="8775700" cy="1323439"/>
           </a:xfrm>
           <a:prstGeom prst="rect">
             <a:avLst/>
@@ -6090,7 +6118,7 @@
           <a:lstStyle/>
           <a:p>
             <a:r>
-              <a:rPr lang="en-IN" sz="2200" dirty="0">
+              <a:rPr lang="en-IN" sz="2000" dirty="0">
                 <a:solidFill>
                   <a:srgbClr val="98676A"/>
                 </a:solidFill>
@@ -6099,7 +6127,7 @@
               <a:t>const</a:t>
             </a:r>
             <a:r>
-              <a:rPr lang="en-IN" sz="2200" dirty="0" smtClean="0">
+              <a:rPr lang="en-IN" sz="2000" dirty="0" smtClean="0">
                 <a:solidFill>
                   <a:srgbClr val="D3AF86"/>
                 </a:solidFill>
@@ -6108,7 +6136,7 @@
               <a:t> </a:t>
             </a:r>
             <a:r>
-              <a:rPr lang="en-IN" sz="2200" dirty="0" smtClean="0">
+              <a:rPr lang="en-IN" sz="2000" dirty="0" smtClean="0">
                 <a:solidFill>
                   <a:srgbClr val="DC3958"/>
                 </a:solidFill>
@@ -6117,7 +6145,7 @@
               <a:t>id</a:t>
             </a:r>
             <a:r>
-              <a:rPr lang="en-IN" sz="2200" dirty="0" smtClean="0">
+              <a:rPr lang="en-IN" sz="2000" dirty="0" smtClean="0">
                 <a:solidFill>
                   <a:srgbClr val="D3AF86"/>
                 </a:solidFill>
@@ -6126,7 +6154,7 @@
               <a:t>: </a:t>
             </a:r>
             <a:r>
-              <a:rPr lang="en-IN" sz="2200" dirty="0">
+              <a:rPr lang="en-IN" sz="2000" dirty="0">
                 <a:solidFill>
                   <a:srgbClr val="D3AF86"/>
                 </a:solidFill>
@@ -6137,7 +6165,7 @@
           </a:p>
           <a:p>
             <a:r>
-              <a:rPr lang="en-IN" sz="2200" dirty="0">
+              <a:rPr lang="en-IN" sz="2000" dirty="0">
                 <a:solidFill>
                   <a:srgbClr val="98676A"/>
                 </a:solidFill>
@@ -6146,7 +6174,7 @@
               <a:t>const</a:t>
             </a:r>
             <a:r>
-              <a:rPr lang="en-IN" sz="2200" dirty="0" smtClean="0">
+              <a:rPr lang="en-IN" sz="2000" dirty="0" smtClean="0">
                 <a:solidFill>
                   <a:srgbClr val="D3AF86"/>
                 </a:solidFill>
@@ -6155,7 +6183,7 @@
               <a:t> </a:t>
             </a:r>
             <a:r>
-              <a:rPr lang="en-IN" sz="2200" dirty="0" smtClean="0">
+              <a:rPr lang="en-IN" sz="2000" dirty="0" smtClean="0">
                 <a:solidFill>
                   <a:srgbClr val="DC3958"/>
                 </a:solidFill>
@@ -6164,7 +6192,7 @@
               <a:t>firstName</a:t>
             </a:r>
             <a:r>
-              <a:rPr lang="en-IN" sz="2200" dirty="0" smtClean="0">
+              <a:rPr lang="en-IN" sz="2000" dirty="0" smtClean="0">
                 <a:solidFill>
                   <a:srgbClr val="D3AF86"/>
                 </a:solidFill>
@@ -6173,7 +6201,7 @@
               <a:t>: </a:t>
             </a:r>
             <a:r>
-              <a:rPr lang="en-IN" sz="2200" dirty="0">
+              <a:rPr lang="en-IN" sz="2000" dirty="0">
                 <a:solidFill>
                   <a:srgbClr val="D3AF86"/>
                 </a:solidFill>
@@ -6182,7 +6210,7 @@
               <a:t>string[] = </a:t>
             </a:r>
             <a:r>
-              <a:rPr lang="en-IN" sz="2200" dirty="0" smtClean="0">
+              <a:rPr lang="en-IN" sz="2000" dirty="0" smtClean="0">
                 <a:solidFill>
                   <a:srgbClr val="D3AF86"/>
                 </a:solidFill>
@@ -6193,7 +6221,7 @@
           </a:p>
           <a:p>
             <a:r>
-              <a:rPr lang="en-IN" sz="2200" dirty="0" smtClean="0">
+              <a:rPr lang="en-IN" sz="2000" dirty="0" smtClean="0">
                 <a:solidFill>
                   <a:srgbClr val="98676A"/>
                 </a:solidFill>
@@ -6202,7 +6230,7 @@
               <a:t>const </a:t>
             </a:r>
             <a:r>
-              <a:rPr lang="en-IN" sz="2200" dirty="0" smtClean="0">
+              <a:rPr lang="en-IN" sz="2000" dirty="0" smtClean="0">
                 <a:solidFill>
                   <a:srgbClr val="DC3958"/>
                 </a:solidFill>
@@ -6211,7 +6239,7 @@
               <a:t>canVote</a:t>
             </a:r>
             <a:r>
-              <a:rPr lang="en-IN" sz="2200" dirty="0" smtClean="0">
+              <a:rPr lang="en-IN" sz="2000" dirty="0" smtClean="0">
                 <a:solidFill>
                   <a:srgbClr val="D3AF86"/>
                 </a:solidFill>
@@ -6220,7 +6248,7 @@
               <a:t>: </a:t>
             </a:r>
             <a:r>
-              <a:rPr lang="en-IN" sz="2200" dirty="0">
+              <a:rPr lang="en-IN" sz="2000" dirty="0">
                 <a:solidFill>
                   <a:srgbClr val="D3AF86"/>
                 </a:solidFill>
@@ -6229,7 +6257,7 @@
               <a:t>boolean[] = </a:t>
             </a:r>
             <a:r>
-              <a:rPr lang="en-IN" sz="2200" dirty="0" smtClean="0">
+              <a:rPr lang="en-IN" sz="2000" dirty="0" smtClean="0">
                 <a:solidFill>
                   <a:srgbClr val="D3AF86"/>
                 </a:solidFill>
@@ -6240,7 +6268,7 @@
           </a:p>
           <a:p>
             <a:r>
-              <a:rPr lang="en-IN" sz="2200" dirty="0">
+              <a:rPr lang="en-IN" sz="2000" dirty="0">
                 <a:solidFill>
                   <a:srgbClr val="98676A"/>
                 </a:solidFill>
@@ -6249,7 +6277,7 @@
               <a:t>const</a:t>
             </a:r>
             <a:r>
-              <a:rPr lang="en-IN" sz="2200" dirty="0">
+              <a:rPr lang="en-IN" sz="2000" dirty="0">
                 <a:solidFill>
                   <a:srgbClr val="D3AF86"/>
                 </a:solidFill>
@@ -6258,7 +6286,7 @@
               <a:t> </a:t>
             </a:r>
             <a:r>
-              <a:rPr lang="en-IN" sz="2200" dirty="0" smtClean="0">
+              <a:rPr lang="en-IN" sz="2000" dirty="0" smtClean="0">
                 <a:solidFill>
                   <a:srgbClr val="DC3958"/>
                 </a:solidFill>
@@ -6267,7 +6295,7 @@
               <a:t>book</a:t>
             </a:r>
             <a:r>
-              <a:rPr lang="en-IN" sz="2200" dirty="0" smtClean="0">
+              <a:rPr lang="en-IN" sz="2000" dirty="0" smtClean="0">
                 <a:solidFill>
                   <a:srgbClr val="D3AF86"/>
                 </a:solidFill>
@@ -6276,7 +6304,7 @@
               <a:t> </a:t>
             </a:r>
             <a:r>
-              <a:rPr lang="en-IN" sz="2200" dirty="0">
+              <a:rPr lang="en-IN" sz="2000" dirty="0">
                 <a:solidFill>
                   <a:srgbClr val="D3AF86"/>
                 </a:solidFill>
@@ -6285,7 +6313,7 @@
               <a:t>: any[] = </a:t>
             </a:r>
             <a:r>
-              <a:rPr lang="en-IN" sz="2200" dirty="0" smtClean="0">
+              <a:rPr lang="en-IN" sz="2000" dirty="0" smtClean="0">
                 <a:solidFill>
                   <a:srgbClr val="D3AF86"/>
                 </a:solidFill>
@@ -6293,7 +6321,7 @@
               </a:rPr>
               <a:t>[]</a:t>
             </a:r>
-            <a:endParaRPr lang="en-IN" sz="2200" dirty="0">
+            <a:endParaRPr lang="en-IN" sz="2000" dirty="0">
               <a:solidFill>
                 <a:srgbClr val="D3AF86"/>
               </a:solidFill>
@@ -6311,7 +6339,7 @@
         <p:spPr>
           <a:xfrm>
             <a:off x="76200" y="3886200"/>
-            <a:ext cx="9004300" cy="1446550"/>
+            <a:ext cx="9004300" cy="1323439"/>
           </a:xfrm>
           <a:prstGeom prst="rect">
             <a:avLst/>
@@ -6324,7 +6352,7 @@
           <a:lstStyle/>
           <a:p>
             <a:r>
-              <a:rPr lang="en-IN" sz="2200" dirty="0">
+              <a:rPr lang="en-IN" sz="2000" dirty="0">
                 <a:solidFill>
                   <a:srgbClr val="98676A"/>
                 </a:solidFill>
@@ -6333,7 +6361,7 @@
               <a:t>const </a:t>
             </a:r>
             <a:r>
-              <a:rPr lang="en-IN" sz="2200" dirty="0" smtClean="0">
+              <a:rPr lang="en-IN" sz="2000" dirty="0" smtClean="0">
                 <a:solidFill>
                   <a:srgbClr val="DC3958"/>
                 </a:solidFill>
@@ -6342,7 +6370,7 @@
               <a:t>id</a:t>
             </a:r>
             <a:r>
-              <a:rPr lang="en-IN" sz="2200" dirty="0" smtClean="0">
+              <a:rPr lang="en-IN" sz="2000" dirty="0" smtClean="0">
                 <a:solidFill>
                   <a:srgbClr val="D3AF86"/>
                 </a:solidFill>
@@ -6351,7 +6379,7 @@
               <a:t>: </a:t>
             </a:r>
             <a:r>
-              <a:rPr lang="en-IN" sz="2200" dirty="0">
+              <a:rPr lang="en-IN" sz="2000" dirty="0">
                 <a:solidFill>
                   <a:srgbClr val="D3AF86"/>
                 </a:solidFill>
@@ -6360,7 +6388,7 @@
               <a:t>number[] = [</a:t>
             </a:r>
             <a:r>
-              <a:rPr lang="en-IN" sz="2200" dirty="0">
+              <a:rPr lang="en-IN" sz="2000" dirty="0">
                 <a:solidFill>
                   <a:srgbClr val="F79A32"/>
                 </a:solidFill>
@@ -6369,7 +6397,7 @@
               <a:t>1001</a:t>
             </a:r>
             <a:r>
-              <a:rPr lang="en-IN" sz="2200" dirty="0">
+              <a:rPr lang="en-IN" sz="2000" dirty="0">
                 <a:solidFill>
                   <a:srgbClr val="D3AF86"/>
                 </a:solidFill>
@@ -6378,7 +6406,7 @@
               <a:t>, </a:t>
             </a:r>
             <a:r>
-              <a:rPr lang="en-IN" sz="2200" dirty="0">
+              <a:rPr lang="en-IN" sz="2000" dirty="0">
                 <a:solidFill>
                   <a:srgbClr val="F79A32"/>
                 </a:solidFill>
@@ -6387,7 +6415,7 @@
               <a:t>1002</a:t>
             </a:r>
             <a:r>
-              <a:rPr lang="en-IN" sz="2200" dirty="0">
+              <a:rPr lang="en-IN" sz="2000" dirty="0">
                 <a:solidFill>
                   <a:srgbClr val="D3AF86"/>
                 </a:solidFill>
@@ -6396,7 +6424,7 @@
               <a:t>, </a:t>
             </a:r>
             <a:r>
-              <a:rPr lang="en-IN" sz="2200" dirty="0">
+              <a:rPr lang="en-IN" sz="2000" dirty="0">
                 <a:solidFill>
                   <a:srgbClr val="F79A32"/>
                 </a:solidFill>
@@ -6405,7 +6433,7 @@
               <a:t>1003</a:t>
             </a:r>
             <a:r>
-              <a:rPr lang="en-IN" sz="2200" dirty="0">
+              <a:rPr lang="en-IN" sz="2000" dirty="0">
                 <a:solidFill>
                   <a:srgbClr val="D3AF86"/>
                 </a:solidFill>
@@ -6414,7 +6442,7 @@
               <a:t>, </a:t>
             </a:r>
             <a:r>
-              <a:rPr lang="en-IN" sz="2200" dirty="0">
+              <a:rPr lang="en-IN" sz="2000" dirty="0">
                 <a:solidFill>
                   <a:srgbClr val="F79A32"/>
                 </a:solidFill>
@@ -6423,7 +6451,7 @@
               <a:t>1004</a:t>
             </a:r>
             <a:r>
-              <a:rPr lang="en-IN" sz="2200" dirty="0">
+              <a:rPr lang="en-IN" sz="2000" dirty="0">
                 <a:solidFill>
                   <a:srgbClr val="D3AF86"/>
                 </a:solidFill>
@@ -6434,7 +6462,7 @@
           </a:p>
           <a:p>
             <a:r>
-              <a:rPr lang="en-IN" sz="2200" dirty="0">
+              <a:rPr lang="en-IN" sz="2000" dirty="0">
                 <a:solidFill>
                   <a:srgbClr val="98676A"/>
                 </a:solidFill>
@@ -6443,7 +6471,7 @@
               <a:t>const </a:t>
             </a:r>
             <a:r>
-              <a:rPr lang="en-IN" sz="2200" dirty="0" smtClean="0">
+              <a:rPr lang="en-IN" sz="2000" dirty="0" smtClean="0">
                 <a:solidFill>
                   <a:srgbClr val="DC3958"/>
                 </a:solidFill>
@@ -6452,7 +6480,7 @@
               <a:t>fruits</a:t>
             </a:r>
             <a:r>
-              <a:rPr lang="en-IN" sz="2200" dirty="0" smtClean="0">
+              <a:rPr lang="en-IN" sz="2000" dirty="0" smtClean="0">
                 <a:solidFill>
                   <a:srgbClr val="D3AF86"/>
                 </a:solidFill>
@@ -6461,7 +6489,7 @@
               <a:t>: string</a:t>
             </a:r>
             <a:r>
-              <a:rPr lang="en-IN" sz="2200" dirty="0">
+              <a:rPr lang="en-IN" sz="2000" dirty="0">
                 <a:solidFill>
                   <a:srgbClr val="D3AF86"/>
                 </a:solidFill>
@@ -6470,7 +6498,7 @@
               <a:t>[] = ["</a:t>
             </a:r>
             <a:r>
-              <a:rPr lang="en-IN" sz="2200" dirty="0">
+              <a:rPr lang="en-IN" sz="2000" dirty="0">
                 <a:solidFill>
                   <a:srgbClr val="889B4A"/>
                 </a:solidFill>
@@ -6479,7 +6507,7 @@
               <a:t>Banana</a:t>
             </a:r>
             <a:r>
-              <a:rPr lang="en-IN" sz="2200" dirty="0">
+              <a:rPr lang="en-IN" sz="2000" dirty="0">
                 <a:solidFill>
                   <a:srgbClr val="D3AF86"/>
                 </a:solidFill>
@@ -6488,7 +6516,7 @@
               <a:t>", "</a:t>
             </a:r>
             <a:r>
-              <a:rPr lang="en-IN" sz="2200" dirty="0">
+              <a:rPr lang="en-IN" sz="2000" dirty="0">
                 <a:solidFill>
                   <a:srgbClr val="889B4A"/>
                 </a:solidFill>
@@ -6497,7 +6525,7 @@
               <a:t>Orange</a:t>
             </a:r>
             <a:r>
-              <a:rPr lang="en-IN" sz="2200" dirty="0">
+              <a:rPr lang="en-IN" sz="2000" dirty="0">
                 <a:solidFill>
                   <a:srgbClr val="D3AF86"/>
                 </a:solidFill>
@@ -6506,7 +6534,7 @@
               <a:t>", "</a:t>
             </a:r>
             <a:r>
-              <a:rPr lang="en-IN" sz="2200" dirty="0" smtClean="0">
+              <a:rPr lang="en-IN" sz="2000" dirty="0" smtClean="0">
                 <a:solidFill>
                   <a:srgbClr val="889B4A"/>
                 </a:solidFill>
@@ -6515,7 +6543,7 @@
               <a:t>Apple</a:t>
             </a:r>
             <a:r>
-              <a:rPr lang="en-IN" sz="2200" dirty="0" smtClean="0">
+              <a:rPr lang="en-IN" sz="2000" dirty="0" smtClean="0">
                 <a:solidFill>
                   <a:srgbClr val="D3AF86"/>
                 </a:solidFill>
@@ -6526,7 +6554,7 @@
           </a:p>
           <a:p>
             <a:r>
-              <a:rPr lang="en-IN" sz="2200" dirty="0" smtClean="0">
+              <a:rPr lang="en-IN" sz="2000" dirty="0" smtClean="0">
                 <a:solidFill>
                   <a:srgbClr val="98676A"/>
                 </a:solidFill>
@@ -6535,7 +6563,7 @@
               <a:t>const </a:t>
             </a:r>
             <a:r>
-              <a:rPr lang="en-IN" sz="2200" dirty="0" smtClean="0">
+              <a:rPr lang="en-IN" sz="2000" dirty="0" smtClean="0">
                 <a:solidFill>
                   <a:srgbClr val="DC3958"/>
                 </a:solidFill>
@@ -6544,7 +6572,7 @@
               <a:t>seasonal</a:t>
             </a:r>
             <a:r>
-              <a:rPr lang="en-IN" sz="2200" dirty="0" smtClean="0">
+              <a:rPr lang="en-IN" sz="2000" dirty="0" smtClean="0">
                 <a:solidFill>
                   <a:srgbClr val="D3AF86"/>
                 </a:solidFill>
@@ -6553,7 +6581,7 @@
               <a:t>: </a:t>
             </a:r>
             <a:r>
-              <a:rPr lang="en-IN" sz="2200" dirty="0">
+              <a:rPr lang="en-IN" sz="2000" dirty="0">
                 <a:solidFill>
                   <a:srgbClr val="D3AF86"/>
                 </a:solidFill>
@@ -6562,7 +6590,7 @@
               <a:t>boolean[] = [</a:t>
             </a:r>
             <a:r>
-              <a:rPr lang="en-IN" sz="2200" dirty="0">
+              <a:rPr lang="en-IN" sz="2000" dirty="0">
                 <a:solidFill>
                   <a:srgbClr val="F79A32"/>
                 </a:solidFill>
@@ -6571,7 +6599,7 @@
               <a:t>true</a:t>
             </a:r>
             <a:r>
-              <a:rPr lang="en-IN" sz="2200" dirty="0">
+              <a:rPr lang="en-IN" sz="2000" dirty="0">
                 <a:solidFill>
                   <a:srgbClr val="D3AF86"/>
                 </a:solidFill>
@@ -6580,7 +6608,7 @@
               <a:t>, </a:t>
             </a:r>
             <a:r>
-              <a:rPr lang="en-IN" sz="2200" dirty="0">
+              <a:rPr lang="en-IN" sz="2000" dirty="0">
                 <a:solidFill>
                   <a:srgbClr val="F79A32"/>
                 </a:solidFill>
@@ -6589,7 +6617,7 @@
               <a:t>false</a:t>
             </a:r>
             <a:r>
-              <a:rPr lang="en-IN" sz="2200" dirty="0" smtClean="0">
+              <a:rPr lang="en-IN" sz="2000" dirty="0" smtClean="0">
                 <a:solidFill>
                   <a:srgbClr val="D3AF86"/>
                 </a:solidFill>
@@ -6600,7 +6628,7 @@
           </a:p>
           <a:p>
             <a:r>
-              <a:rPr lang="en-IN" sz="2200" dirty="0">
+              <a:rPr lang="en-IN" sz="2000" dirty="0">
                 <a:solidFill>
                   <a:srgbClr val="98676A"/>
                 </a:solidFill>
@@ -6609,7 +6637,7 @@
               <a:t>const</a:t>
             </a:r>
             <a:r>
-              <a:rPr lang="en-IN" sz="2200" dirty="0">
+              <a:rPr lang="en-IN" sz="2000" dirty="0">
                 <a:solidFill>
                   <a:srgbClr val="D3AF86"/>
                 </a:solidFill>
@@ -6618,7 +6646,7 @@
               <a:t> </a:t>
             </a:r>
             <a:r>
-              <a:rPr lang="en-IN" sz="2200" dirty="0">
+              <a:rPr lang="en-IN" sz="2000" dirty="0">
                 <a:solidFill>
                   <a:srgbClr val="DC3958"/>
                 </a:solidFill>
@@ -6627,7 +6655,7 @@
               <a:t>fruitType</a:t>
             </a:r>
             <a:r>
-              <a:rPr lang="en-IN" sz="2200" dirty="0" smtClean="0">
+              <a:rPr lang="en-IN" sz="2000" dirty="0" smtClean="0">
                 <a:solidFill>
                   <a:srgbClr val="D3AF86"/>
                 </a:solidFill>
@@ -6636,7 +6664,7 @@
               <a:t> </a:t>
             </a:r>
             <a:r>
-              <a:rPr lang="en-IN" sz="2200" dirty="0">
+              <a:rPr lang="en-IN" sz="2000" dirty="0">
                 <a:solidFill>
                   <a:srgbClr val="D3AF86"/>
                 </a:solidFill>
@@ -6645,7 +6673,7 @@
               <a:t>: any[] = [</a:t>
             </a:r>
             <a:r>
-              <a:rPr lang="en-IN" sz="2200" dirty="0">
+              <a:rPr lang="en-IN" sz="2000" dirty="0">
                 <a:solidFill>
                   <a:srgbClr val="F79A32"/>
                 </a:solidFill>
@@ -6654,7 +6682,7 @@
               <a:t>1</a:t>
             </a:r>
             <a:r>
-              <a:rPr lang="en-IN" sz="2200" dirty="0" smtClean="0">
+              <a:rPr lang="en-IN" sz="2000" dirty="0" smtClean="0">
                 <a:solidFill>
                   <a:srgbClr val="D3AF86"/>
                 </a:solidFill>
@@ -6663,7 +6691,7 @@
               <a:t>, '</a:t>
             </a:r>
             <a:r>
-              <a:rPr lang="en-IN" sz="2200" dirty="0" smtClean="0">
+              <a:rPr lang="en-IN" sz="2000" dirty="0" smtClean="0">
                 <a:solidFill>
                   <a:srgbClr val="889B4A"/>
                 </a:solidFill>
@@ -6672,7 +6700,7 @@
               <a:t>Apple</a:t>
             </a:r>
             <a:r>
-              <a:rPr lang="en-IN" sz="2200" dirty="0" smtClean="0">
+              <a:rPr lang="en-IN" sz="2000" dirty="0" smtClean="0">
                 <a:solidFill>
                   <a:srgbClr val="D3AF86"/>
                 </a:solidFill>
@@ -6681,7 +6709,7 @@
               <a:t>', </a:t>
             </a:r>
             <a:r>
-              <a:rPr lang="en-IN" sz="2200" dirty="0">
+              <a:rPr lang="en-IN" sz="2000" dirty="0">
                 <a:solidFill>
                   <a:srgbClr val="F79A32"/>
                 </a:solidFill>
@@ -6690,7 +6718,7 @@
               <a:t>true</a:t>
             </a:r>
             <a:r>
-              <a:rPr lang="en-IN" sz="2200" dirty="0" smtClean="0">
+              <a:rPr lang="en-IN" sz="2000" dirty="0" smtClean="0">
                 <a:solidFill>
                   <a:srgbClr val="D3AF86"/>
                 </a:solidFill>
@@ -6698,7 +6726,7 @@
               </a:rPr>
               <a:t>];</a:t>
             </a:r>
-            <a:endParaRPr lang="en-IN" sz="2200" dirty="0">
+            <a:endParaRPr lang="en-IN" sz="2000" dirty="0">
               <a:solidFill>
                 <a:srgbClr val="D3AF86"/>
               </a:solidFill>
@@ -6940,7 +6968,7 @@
         <p:spPr>
           <a:xfrm>
             <a:off x="0" y="2287250"/>
-            <a:ext cx="9144000" cy="1446550"/>
+            <a:ext cx="9144000" cy="1323439"/>
           </a:xfrm>
           <a:prstGeom prst="rect">
             <a:avLst/>
@@ -6953,7 +6981,7 @@
           <a:lstStyle/>
           <a:p>
             <a:r>
-              <a:rPr lang="en-IN" sz="2200" dirty="0">
+              <a:rPr lang="en-IN" sz="2000" dirty="0">
                 <a:solidFill>
                   <a:srgbClr val="98676A"/>
                 </a:solidFill>
@@ -6962,7 +6990,7 @@
               <a:t>const </a:t>
             </a:r>
             <a:r>
-              <a:rPr lang="en-IN" sz="2200" dirty="0" smtClean="0">
+              <a:rPr lang="en-IN" sz="2000" dirty="0" smtClean="0">
                 <a:solidFill>
                   <a:srgbClr val="DC3958"/>
                 </a:solidFill>
@@ -6971,7 +6999,7 @@
               <a:t>id</a:t>
             </a:r>
             <a:r>
-              <a:rPr lang="en-IN" sz="2200" dirty="0" smtClean="0">
+              <a:rPr lang="en-IN" sz="2000" dirty="0" smtClean="0">
                 <a:solidFill>
                   <a:srgbClr val="D3AF86"/>
                 </a:solidFill>
@@ -6980,7 +7008,7 @@
               <a:t>: </a:t>
             </a:r>
             <a:r>
-              <a:rPr lang="en-IN" sz="2200" dirty="0">
+              <a:rPr lang="en-IN" sz="2000" dirty="0">
                 <a:solidFill>
                   <a:srgbClr val="F06431"/>
                 </a:solidFill>
@@ -6989,7 +7017,7 @@
               <a:t>Array</a:t>
             </a:r>
             <a:r>
-              <a:rPr lang="en-IN" sz="2200" dirty="0">
+              <a:rPr lang="en-IN" sz="2000" dirty="0">
                 <a:solidFill>
                   <a:srgbClr val="D3AF86"/>
                 </a:solidFill>
@@ -7000,7 +7028,7 @@
           </a:p>
           <a:p>
             <a:r>
-              <a:rPr lang="en-IN" sz="2200" dirty="0">
+              <a:rPr lang="en-IN" sz="2000" dirty="0">
                 <a:solidFill>
                   <a:srgbClr val="98676A"/>
                 </a:solidFill>
@@ -7009,7 +7037,7 @@
               <a:t>const </a:t>
             </a:r>
             <a:r>
-              <a:rPr lang="en-IN" sz="2200" dirty="0" smtClean="0">
+              <a:rPr lang="en-IN" sz="2000" dirty="0" smtClean="0">
                 <a:solidFill>
                   <a:srgbClr val="DC3958"/>
                 </a:solidFill>
@@ -7018,7 +7046,7 @@
               <a:t>firstName</a:t>
             </a:r>
             <a:r>
-              <a:rPr lang="en-IN" sz="2200" dirty="0" smtClean="0">
+              <a:rPr lang="en-IN" sz="2000" dirty="0" smtClean="0">
                 <a:solidFill>
                   <a:srgbClr val="D3AF86"/>
                 </a:solidFill>
@@ -7027,7 +7055,7 @@
               <a:t>: </a:t>
             </a:r>
             <a:r>
-              <a:rPr lang="en-IN" sz="2200" dirty="0">
+              <a:rPr lang="en-IN" sz="2000" dirty="0">
                 <a:solidFill>
                   <a:srgbClr val="F06431"/>
                 </a:solidFill>
@@ -7036,7 +7064,7 @@
               <a:t>Array</a:t>
             </a:r>
             <a:r>
-              <a:rPr lang="en-IN" sz="2200" dirty="0">
+              <a:rPr lang="en-IN" sz="2000" dirty="0">
                 <a:solidFill>
                   <a:srgbClr val="D3AF86"/>
                 </a:solidFill>
@@ -7047,7 +7075,7 @@
           </a:p>
           <a:p>
             <a:r>
-              <a:rPr lang="en-IN" sz="2200" dirty="0">
+              <a:rPr lang="en-IN" sz="2000" dirty="0">
                 <a:solidFill>
                   <a:srgbClr val="98676A"/>
                 </a:solidFill>
@@ -7056,7 +7084,7 @@
               <a:t>const </a:t>
             </a:r>
             <a:r>
-              <a:rPr lang="en-IN" sz="2200" dirty="0" smtClean="0">
+              <a:rPr lang="en-IN" sz="2000" dirty="0" smtClean="0">
                 <a:solidFill>
                   <a:srgbClr val="DC3958"/>
                 </a:solidFill>
@@ -7065,7 +7093,7 @@
               <a:t>canVote</a:t>
             </a:r>
             <a:r>
-              <a:rPr lang="en-IN" sz="2200" dirty="0" smtClean="0">
+              <a:rPr lang="en-IN" sz="2000" dirty="0" smtClean="0">
                 <a:solidFill>
                   <a:srgbClr val="D3AF86"/>
                 </a:solidFill>
@@ -7074,7 +7102,7 @@
               <a:t>: </a:t>
             </a:r>
             <a:r>
-              <a:rPr lang="en-IN" sz="2200" dirty="0">
+              <a:rPr lang="en-IN" sz="2000" dirty="0">
                 <a:solidFill>
                   <a:srgbClr val="F06431"/>
                 </a:solidFill>
@@ -7083,7 +7111,7 @@
               <a:t>Array</a:t>
             </a:r>
             <a:r>
-              <a:rPr lang="en-IN" sz="2200" dirty="0">
+              <a:rPr lang="en-IN" sz="2000" dirty="0">
                 <a:solidFill>
                   <a:srgbClr val="D3AF86"/>
                 </a:solidFill>
@@ -7094,7 +7122,7 @@
           </a:p>
           <a:p>
             <a:r>
-              <a:rPr lang="en-IN" sz="2200" dirty="0">
+              <a:rPr lang="en-IN" sz="2000" dirty="0">
                 <a:solidFill>
                   <a:srgbClr val="98676A"/>
                 </a:solidFill>
@@ -7103,7 +7131,7 @@
               <a:t>const </a:t>
             </a:r>
             <a:r>
-              <a:rPr lang="en-IN" sz="2200" dirty="0" smtClean="0">
+              <a:rPr lang="en-IN" sz="2000" dirty="0" smtClean="0">
                 <a:solidFill>
                   <a:srgbClr val="DC3958"/>
                 </a:solidFill>
@@ -7112,7 +7140,7 @@
               <a:t>books</a:t>
             </a:r>
             <a:r>
-              <a:rPr lang="en-IN" sz="2200" dirty="0" smtClean="0">
+              <a:rPr lang="en-IN" sz="2000" dirty="0" smtClean="0">
                 <a:solidFill>
                   <a:srgbClr val="D3AF86"/>
                 </a:solidFill>
@@ -7121,7 +7149,7 @@
               <a:t>: </a:t>
             </a:r>
             <a:r>
-              <a:rPr lang="en-IN" sz="2200" dirty="0">
+              <a:rPr lang="en-IN" sz="2000" dirty="0">
                 <a:solidFill>
                   <a:srgbClr val="F06431"/>
                 </a:solidFill>
@@ -7130,7 +7158,7 @@
               <a:t>Array</a:t>
             </a:r>
             <a:r>
-              <a:rPr lang="en-IN" sz="2200" dirty="0">
+              <a:rPr lang="en-IN" sz="2000" dirty="0">
                 <a:solidFill>
                   <a:srgbClr val="D3AF86"/>
                 </a:solidFill>
@@ -7138,7 +7166,7 @@
               </a:rPr>
               <a:t>&lt;any&gt; = [];</a:t>
             </a:r>
-            <a:endParaRPr lang="en-IN" sz="2200" b="0" dirty="0">
+            <a:endParaRPr lang="en-IN" sz="2000" b="0" dirty="0">
               <a:solidFill>
                 <a:srgbClr val="D3AF86"/>
               </a:solidFill>
@@ -7157,7 +7185,7 @@
         <p:spPr>
           <a:xfrm>
             <a:off x="0" y="3899118"/>
-            <a:ext cx="9144000" cy="1446550"/>
+            <a:ext cx="9144000" cy="1323439"/>
           </a:xfrm>
           <a:prstGeom prst="rect">
             <a:avLst/>
@@ -7170,7 +7198,7 @@
           <a:lstStyle/>
           <a:p>
             <a:r>
-              <a:rPr lang="en-IN" sz="2200" dirty="0">
+              <a:rPr lang="en-IN" sz="2000" dirty="0">
                 <a:solidFill>
                   <a:srgbClr val="98676A"/>
                 </a:solidFill>
@@ -7179,7 +7207,7 @@
               <a:t>const </a:t>
             </a:r>
             <a:r>
-              <a:rPr lang="en-IN" sz="2200" dirty="0" smtClean="0">
+              <a:rPr lang="en-IN" sz="2000" dirty="0" smtClean="0">
                 <a:solidFill>
                   <a:srgbClr val="DC3958"/>
                 </a:solidFill>
@@ -7188,7 +7216,7 @@
               <a:t>id</a:t>
             </a:r>
             <a:r>
-              <a:rPr lang="en-IN" sz="2200" dirty="0" smtClean="0">
+              <a:rPr lang="en-IN" sz="2000" dirty="0" smtClean="0">
                 <a:solidFill>
                   <a:srgbClr val="D3AF86"/>
                 </a:solidFill>
@@ -7197,7 +7225,7 @@
               <a:t>: </a:t>
             </a:r>
             <a:r>
-              <a:rPr lang="en-IN" sz="2200" dirty="0">
+              <a:rPr lang="en-IN" sz="2000" dirty="0">
                 <a:solidFill>
                   <a:srgbClr val="F06431"/>
                 </a:solidFill>
@@ -7206,7 +7234,7 @@
               <a:t>Array</a:t>
             </a:r>
             <a:r>
-              <a:rPr lang="en-IN" sz="2200" dirty="0">
+              <a:rPr lang="en-IN" sz="2000" dirty="0">
                 <a:solidFill>
                   <a:srgbClr val="D3AF86"/>
                 </a:solidFill>
@@ -7215,7 +7243,7 @@
               <a:t>&lt;number&gt; = [</a:t>
             </a:r>
             <a:r>
-              <a:rPr lang="en-IN" sz="2200" dirty="0">
+              <a:rPr lang="en-IN" sz="2000" dirty="0">
                 <a:solidFill>
                   <a:srgbClr val="F79A32"/>
                 </a:solidFill>
@@ -7224,7 +7252,7 @@
               <a:t>1</a:t>
             </a:r>
             <a:r>
-              <a:rPr lang="en-IN" sz="2200" dirty="0">
+              <a:rPr lang="en-IN" sz="2000" dirty="0">
                 <a:solidFill>
                   <a:srgbClr val="D3AF86"/>
                 </a:solidFill>
@@ -7233,7 +7261,7 @@
               <a:t>, </a:t>
             </a:r>
             <a:r>
-              <a:rPr lang="en-IN" sz="2200" dirty="0">
+              <a:rPr lang="en-IN" sz="2000" dirty="0">
                 <a:solidFill>
                   <a:srgbClr val="F79A32"/>
                 </a:solidFill>
@@ -7242,7 +7270,7 @@
               <a:t>2</a:t>
             </a:r>
             <a:r>
-              <a:rPr lang="en-IN" sz="2200" dirty="0">
+              <a:rPr lang="en-IN" sz="2000" dirty="0">
                 <a:solidFill>
                   <a:srgbClr val="D3AF86"/>
                 </a:solidFill>
@@ -7251,7 +7279,7 @@
               <a:t>, </a:t>
             </a:r>
             <a:r>
-              <a:rPr lang="en-IN" sz="2200" dirty="0">
+              <a:rPr lang="en-IN" sz="2000" dirty="0">
                 <a:solidFill>
                   <a:srgbClr val="F79A32"/>
                 </a:solidFill>
@@ -7260,7 +7288,7 @@
               <a:t>3</a:t>
             </a:r>
             <a:r>
-              <a:rPr lang="en-IN" sz="2200" dirty="0">
+              <a:rPr lang="en-IN" sz="2000" dirty="0">
                 <a:solidFill>
                   <a:srgbClr val="D3AF86"/>
                 </a:solidFill>
@@ -7269,7 +7297,7 @@
               <a:t>, </a:t>
             </a:r>
             <a:r>
-              <a:rPr lang="en-IN" sz="2200" dirty="0">
+              <a:rPr lang="en-IN" sz="2000" dirty="0">
                 <a:solidFill>
                   <a:srgbClr val="F79A32"/>
                 </a:solidFill>
@@ -7278,7 +7306,7 @@
               <a:t>4</a:t>
             </a:r>
             <a:r>
-              <a:rPr lang="en-IN" sz="2200" dirty="0">
+              <a:rPr lang="en-IN" sz="2000" dirty="0">
                 <a:solidFill>
                   <a:srgbClr val="D3AF86"/>
                 </a:solidFill>
@@ -7287,7 +7315,7 @@
               <a:t>, </a:t>
             </a:r>
             <a:r>
-              <a:rPr lang="en-IN" sz="2200" dirty="0">
+              <a:rPr lang="en-IN" sz="2000" dirty="0">
                 <a:solidFill>
                   <a:srgbClr val="F79A32"/>
                 </a:solidFill>
@@ -7296,7 +7324,7 @@
               <a:t>5</a:t>
             </a:r>
             <a:r>
-              <a:rPr lang="en-IN" sz="2200" dirty="0">
+              <a:rPr lang="en-IN" sz="2000" dirty="0">
                 <a:solidFill>
                   <a:srgbClr val="D3AF86"/>
                 </a:solidFill>
@@ -7307,7 +7335,7 @@
           </a:p>
           <a:p>
             <a:r>
-              <a:rPr lang="en-IN" sz="2200" dirty="0">
+              <a:rPr lang="en-IN" sz="2000" dirty="0">
                 <a:solidFill>
                   <a:srgbClr val="98676A"/>
                 </a:solidFill>
@@ -7316,7 +7344,7 @@
               <a:t>const </a:t>
             </a:r>
             <a:r>
-              <a:rPr lang="en-IN" sz="2200" dirty="0" smtClean="0">
+              <a:rPr lang="en-IN" sz="2000" dirty="0" smtClean="0">
                 <a:solidFill>
                   <a:srgbClr val="DC3958"/>
                 </a:solidFill>
@@ -7325,7 +7353,7 @@
               <a:t>fruits</a:t>
             </a:r>
             <a:r>
-              <a:rPr lang="en-IN" sz="2200" dirty="0" smtClean="0">
+              <a:rPr lang="en-IN" sz="2000" dirty="0" smtClean="0">
                 <a:solidFill>
                   <a:srgbClr val="D3AF86"/>
                 </a:solidFill>
@@ -7334,7 +7362,7 @@
               <a:t>: </a:t>
             </a:r>
             <a:r>
-              <a:rPr lang="en-IN" sz="2200" dirty="0">
+              <a:rPr lang="en-IN" sz="2000" dirty="0">
                 <a:solidFill>
                   <a:srgbClr val="F06431"/>
                 </a:solidFill>
@@ -7343,7 +7371,7 @@
               <a:t>Array</a:t>
             </a:r>
             <a:r>
-              <a:rPr lang="en-IN" sz="2200" dirty="0">
+              <a:rPr lang="en-IN" sz="2000" dirty="0">
                 <a:solidFill>
                   <a:srgbClr val="D3AF86"/>
                 </a:solidFill>
@@ -7352,7 +7380,7 @@
               <a:t>&lt;string</a:t>
             </a:r>
             <a:r>
-              <a:rPr lang="en-IN" sz="2200" dirty="0" smtClean="0">
+              <a:rPr lang="en-IN" sz="2000" dirty="0" smtClean="0">
                 <a:solidFill>
                   <a:srgbClr val="D3AF86"/>
                 </a:solidFill>
@@ -7361,7 +7389,7 @@
               <a:t>&gt; </a:t>
             </a:r>
             <a:r>
-              <a:rPr lang="en-IN" sz="2200" dirty="0">
+              <a:rPr lang="en-IN" sz="2000" dirty="0">
                 <a:solidFill>
                   <a:srgbClr val="D3AF86"/>
                 </a:solidFill>
@@ -7370,7 +7398,7 @@
               <a:t>= ["</a:t>
             </a:r>
             <a:r>
-              <a:rPr lang="en-IN" sz="2200" dirty="0" smtClean="0">
+              <a:rPr lang="en-IN" sz="2000" dirty="0" smtClean="0">
                 <a:solidFill>
                   <a:srgbClr val="889B4A"/>
                 </a:solidFill>
@@ -7379,7 +7407,7 @@
               <a:t>Lemon</a:t>
             </a:r>
             <a:r>
-              <a:rPr lang="en-IN" sz="2200" dirty="0" smtClean="0">
+              <a:rPr lang="en-IN" sz="2000" dirty="0" smtClean="0">
                 <a:solidFill>
                   <a:srgbClr val="D3AF86"/>
                 </a:solidFill>
@@ -7388,7 +7416,7 @@
               <a:t>", </a:t>
             </a:r>
             <a:r>
-              <a:rPr lang="en-IN" sz="2200" dirty="0">
+              <a:rPr lang="en-IN" sz="2000" dirty="0">
                 <a:solidFill>
                   <a:srgbClr val="D3AF86"/>
                 </a:solidFill>
@@ -7397,7 +7425,7 @@
               <a:t>"</a:t>
             </a:r>
             <a:r>
-              <a:rPr lang="en-IN" sz="2200" dirty="0" smtClean="0">
+              <a:rPr lang="en-IN" sz="2000" dirty="0" smtClean="0">
                 <a:solidFill>
                   <a:srgbClr val="889B4A"/>
                 </a:solidFill>
@@ -7406,7 +7434,7 @@
               <a:t>Mango</a:t>
             </a:r>
             <a:r>
-              <a:rPr lang="en-IN" sz="2200" dirty="0" smtClean="0">
+              <a:rPr lang="en-IN" sz="2000" dirty="0" smtClean="0">
                 <a:solidFill>
                   <a:srgbClr val="D3AF86"/>
                 </a:solidFill>
@@ -7415,7 +7443,7 @@
               <a:t>", </a:t>
             </a:r>
             <a:r>
-              <a:rPr lang="en-IN" sz="2200" dirty="0">
+              <a:rPr lang="en-IN" sz="2000" dirty="0">
                 <a:solidFill>
                   <a:srgbClr val="D3AF86"/>
                 </a:solidFill>
@@ -7424,7 +7452,7 @@
               <a:t>"</a:t>
             </a:r>
             <a:r>
-              <a:rPr lang="en-IN" sz="2200" dirty="0">
+              <a:rPr lang="en-IN" sz="2000" dirty="0">
                 <a:solidFill>
                   <a:srgbClr val="889B4A"/>
                 </a:solidFill>
@@ -7433,7 +7461,7 @@
               <a:t>Apple</a:t>
             </a:r>
             <a:r>
-              <a:rPr lang="en-IN" sz="2200" dirty="0">
+              <a:rPr lang="en-IN" sz="2000" dirty="0">
                 <a:solidFill>
                   <a:srgbClr val="D3AF86"/>
                 </a:solidFill>
@@ -7444,7 +7472,7 @@
           </a:p>
           <a:p>
             <a:r>
-              <a:rPr lang="en-IN" sz="2200" dirty="0">
+              <a:rPr lang="en-IN" sz="2000" dirty="0">
                 <a:solidFill>
                   <a:srgbClr val="98676A"/>
                 </a:solidFill>
@@ -7453,7 +7481,7 @@
               <a:t>const </a:t>
             </a:r>
             <a:r>
-              <a:rPr lang="en-IN" sz="2200" dirty="0" smtClean="0">
+              <a:rPr lang="en-IN" sz="2000" dirty="0" smtClean="0">
                 <a:solidFill>
                   <a:srgbClr val="DC3958"/>
                 </a:solidFill>
@@ -7462,7 +7490,7 @@
               <a:t>seasonal</a:t>
             </a:r>
             <a:r>
-              <a:rPr lang="en-IN" sz="2200" dirty="0" smtClean="0">
+              <a:rPr lang="en-IN" sz="2000" dirty="0" smtClean="0">
                 <a:solidFill>
                   <a:srgbClr val="D3AF86"/>
                 </a:solidFill>
@@ -7471,7 +7499,7 @@
               <a:t>: </a:t>
             </a:r>
             <a:r>
-              <a:rPr lang="en-IN" sz="2200" dirty="0">
+              <a:rPr lang="en-IN" sz="2000" dirty="0">
                 <a:solidFill>
                   <a:srgbClr val="F06431"/>
                 </a:solidFill>
@@ -7480,7 +7508,7 @@
               <a:t>Array</a:t>
             </a:r>
             <a:r>
-              <a:rPr lang="en-IN" sz="2200" dirty="0">
+              <a:rPr lang="en-IN" sz="2000" dirty="0">
                 <a:solidFill>
                   <a:srgbClr val="D3AF86"/>
                 </a:solidFill>
@@ -7489,7 +7517,7 @@
               <a:t>&lt;boolean&gt; = [</a:t>
             </a:r>
             <a:r>
-              <a:rPr lang="en-IN" sz="2200" dirty="0">
+              <a:rPr lang="en-IN" sz="2000" dirty="0">
                 <a:solidFill>
                   <a:srgbClr val="F79A32"/>
                 </a:solidFill>
@@ -7498,7 +7526,7 @@
               <a:t>true</a:t>
             </a:r>
             <a:r>
-              <a:rPr lang="en-IN" sz="2200" dirty="0">
+              <a:rPr lang="en-IN" sz="2000" dirty="0">
                 <a:solidFill>
                   <a:srgbClr val="D3AF86"/>
                 </a:solidFill>
@@ -7507,7 +7535,7 @@
               <a:t>, </a:t>
             </a:r>
             <a:r>
-              <a:rPr lang="en-IN" sz="2200" dirty="0">
+              <a:rPr lang="en-IN" sz="2000" dirty="0">
                 <a:solidFill>
                   <a:srgbClr val="F79A32"/>
                 </a:solidFill>
@@ -7516,7 +7544,7 @@
               <a:t>false</a:t>
             </a:r>
             <a:r>
-              <a:rPr lang="en-IN" sz="2200" dirty="0">
+              <a:rPr lang="en-IN" sz="2000" dirty="0">
                 <a:solidFill>
                   <a:srgbClr val="D3AF86"/>
                 </a:solidFill>
@@ -7527,7 +7555,7 @@
           </a:p>
           <a:p>
             <a:r>
-              <a:rPr lang="en-IN" sz="2200" dirty="0">
+              <a:rPr lang="en-IN" sz="2000" dirty="0">
                 <a:solidFill>
                   <a:srgbClr val="98676A"/>
                 </a:solidFill>
@@ -7536,7 +7564,7 @@
               <a:t>const </a:t>
             </a:r>
             <a:r>
-              <a:rPr lang="en-IN" sz="2200" dirty="0" smtClean="0">
+              <a:rPr lang="en-IN" sz="2000" dirty="0" smtClean="0">
                 <a:solidFill>
                   <a:srgbClr val="DC3958"/>
                 </a:solidFill>
@@ -7545,7 +7573,7 @@
               <a:t>fruitType</a:t>
             </a:r>
             <a:r>
-              <a:rPr lang="en-IN" sz="2200" dirty="0" smtClean="0">
+              <a:rPr lang="en-IN" sz="2000" dirty="0" smtClean="0">
                 <a:solidFill>
                   <a:srgbClr val="D3AF86"/>
                 </a:solidFill>
@@ -7554,7 +7582,7 @@
               <a:t>: </a:t>
             </a:r>
             <a:r>
-              <a:rPr lang="en-IN" sz="2200" dirty="0">
+              <a:rPr lang="en-IN" sz="2000" dirty="0">
                 <a:solidFill>
                   <a:srgbClr val="F06431"/>
                 </a:solidFill>
@@ -7563,7 +7591,7 @@
               <a:t>Array</a:t>
             </a:r>
             <a:r>
-              <a:rPr lang="en-IN" sz="2200" dirty="0">
+              <a:rPr lang="en-IN" sz="2000" dirty="0">
                 <a:solidFill>
                   <a:srgbClr val="D3AF86"/>
                 </a:solidFill>
@@ -7572,7 +7600,7 @@
               <a:t>&lt;any&gt; = [</a:t>
             </a:r>
             <a:r>
-              <a:rPr lang="en-IN" sz="2200" dirty="0">
+              <a:rPr lang="en-IN" sz="2000" dirty="0">
                 <a:solidFill>
                   <a:srgbClr val="F79A32"/>
                 </a:solidFill>
@@ -7581,7 +7609,7 @@
               <a:t>1</a:t>
             </a:r>
             <a:r>
-              <a:rPr lang="en-IN" sz="2200" dirty="0">
+              <a:rPr lang="en-IN" sz="2000" dirty="0">
                 <a:solidFill>
                   <a:srgbClr val="D3AF86"/>
                 </a:solidFill>
@@ -7590,7 +7618,7 @@
               <a:t>, "</a:t>
             </a:r>
             <a:r>
-              <a:rPr lang="en-IN" sz="2200" dirty="0">
+              <a:rPr lang="en-IN" sz="2000" dirty="0">
                 <a:solidFill>
                   <a:srgbClr val="889B4A"/>
                 </a:solidFill>
@@ -7599,7 +7627,7 @@
               <a:t>Saleel</a:t>
             </a:r>
             <a:r>
-              <a:rPr lang="en-IN" sz="2200" dirty="0">
+              <a:rPr lang="en-IN" sz="2000" dirty="0">
                 <a:solidFill>
                   <a:srgbClr val="D3AF86"/>
                 </a:solidFill>
@@ -7608,7 +7636,7 @@
               <a:t>", </a:t>
             </a:r>
             <a:r>
-              <a:rPr lang="en-IN" sz="2200" dirty="0">
+              <a:rPr lang="en-IN" sz="2000" dirty="0">
                 <a:solidFill>
                   <a:srgbClr val="F79A32"/>
                 </a:solidFill>
@@ -7617,7 +7645,7 @@
               <a:t>true</a:t>
             </a:r>
             <a:r>
-              <a:rPr lang="en-IN" sz="2200" dirty="0">
+              <a:rPr lang="en-IN" sz="2000" dirty="0">
                 <a:solidFill>
                   <a:srgbClr val="D3AF86"/>
                 </a:solidFill>
@@ -7625,7 +7653,7 @@
               </a:rPr>
               <a:t>];</a:t>
             </a:r>
-            <a:endParaRPr lang="en-IN" sz="2200" b="0" dirty="0">
+            <a:endParaRPr lang="en-IN" sz="2000" b="0" dirty="0">
               <a:solidFill>
                 <a:srgbClr val="D3AF86"/>
               </a:solidFill>
@@ -7865,7 +7893,7 @@
         <p:spPr>
           <a:xfrm>
             <a:off x="148936" y="2133005"/>
-            <a:ext cx="8766464" cy="430887"/>
+            <a:ext cx="8766464" cy="400110"/>
           </a:xfrm>
           <a:prstGeom prst="rect">
             <a:avLst/>
@@ -7878,7 +7906,7 @@
           <a:lstStyle/>
           <a:p>
             <a:r>
-              <a:rPr lang="en-IN" sz="2200" dirty="0">
+              <a:rPr lang="en-IN" sz="2000" dirty="0">
                 <a:solidFill>
                   <a:srgbClr val="98676A"/>
                 </a:solidFill>
@@ -7887,7 +7915,7 @@
               <a:t>const</a:t>
             </a:r>
             <a:r>
-              <a:rPr lang="en-IN" sz="2200" dirty="0">
+              <a:rPr lang="en-IN" sz="2000" dirty="0">
                 <a:solidFill>
                   <a:srgbClr val="D3AF86"/>
                 </a:solidFill>
@@ -7896,7 +7924,7 @@
               <a:t> </a:t>
             </a:r>
             <a:r>
-              <a:rPr lang="en-IN" sz="2200" dirty="0">
+              <a:rPr lang="en-IN" sz="2000" dirty="0">
                 <a:solidFill>
                   <a:srgbClr val="DC3958"/>
                 </a:solidFill>
@@ -7905,7 +7933,7 @@
               <a:t>aList</a:t>
             </a:r>
             <a:r>
-              <a:rPr lang="en-IN" sz="2200" dirty="0">
+              <a:rPr lang="en-IN" sz="2000" dirty="0">
                 <a:solidFill>
                   <a:srgbClr val="D3AF86"/>
                 </a:solidFill>
@@ -7914,7 +7942,7 @@
               <a:t> : </a:t>
             </a:r>
             <a:r>
-              <a:rPr lang="en-IN" sz="2200" dirty="0">
+              <a:rPr lang="en-IN" sz="2000" dirty="0">
                 <a:solidFill>
                   <a:srgbClr val="F06431"/>
                 </a:solidFill>
@@ -7923,7 +7951,7 @@
               <a:t>Array</a:t>
             </a:r>
             <a:r>
-              <a:rPr lang="en-IN" sz="2200" dirty="0">
+              <a:rPr lang="en-IN" sz="2000" dirty="0">
                 <a:solidFill>
                   <a:srgbClr val="D3AF86"/>
                 </a:solidFill>
@@ -7931,7 +7959,7 @@
               </a:rPr>
               <a:t>&lt;any&gt; = [];</a:t>
             </a:r>
-            <a:endParaRPr lang="en-IN" sz="2200" b="0" dirty="0">
+            <a:endParaRPr lang="en-IN" sz="2000" b="0" dirty="0">
               <a:solidFill>
                 <a:srgbClr val="D3AF86"/>
               </a:solidFill>
@@ -7950,7 +7978,7 @@
         <p:spPr>
           <a:xfrm>
             <a:off x="161636" y="2895600"/>
-            <a:ext cx="8741064" cy="2462213"/>
+            <a:ext cx="8741064" cy="2246769"/>
           </a:xfrm>
           <a:prstGeom prst="rect">
             <a:avLst/>
@@ -7963,7 +7991,7 @@
           <a:lstStyle/>
           <a:p>
             <a:r>
-              <a:rPr lang="en-IN" sz="2200" dirty="0">
+              <a:rPr lang="en-IN" sz="2000" dirty="0">
                 <a:solidFill>
                   <a:srgbClr val="98676A"/>
                 </a:solidFill>
@@ -7972,7 +8000,7 @@
               <a:t>const</a:t>
             </a:r>
             <a:r>
-              <a:rPr lang="en-IN" sz="2200" dirty="0">
+              <a:rPr lang="en-IN" sz="2000" dirty="0">
                 <a:solidFill>
                   <a:srgbClr val="D3AF86"/>
                 </a:solidFill>
@@ -7981,7 +8009,7 @@
               <a:t> </a:t>
             </a:r>
             <a:r>
-              <a:rPr lang="en-IN" sz="2200" dirty="0">
+              <a:rPr lang="en-IN" sz="2000" dirty="0">
                 <a:solidFill>
                   <a:srgbClr val="DC3958"/>
                 </a:solidFill>
@@ -7990,7 +8018,7 @@
               <a:t>aList</a:t>
             </a:r>
             <a:r>
-              <a:rPr lang="en-IN" sz="2200" dirty="0">
+              <a:rPr lang="en-IN" sz="2000" dirty="0">
                 <a:solidFill>
                   <a:srgbClr val="D3AF86"/>
                 </a:solidFill>
@@ -7999,7 +8027,7 @@
               <a:t>: </a:t>
             </a:r>
             <a:r>
-              <a:rPr lang="en-IN" sz="2200" dirty="0">
+              <a:rPr lang="en-IN" sz="2000" dirty="0">
                 <a:solidFill>
                   <a:srgbClr val="F06431"/>
                 </a:solidFill>
@@ -8008,7 +8036,7 @@
               <a:t>Array</a:t>
             </a:r>
             <a:r>
-              <a:rPr lang="en-IN" sz="2200" dirty="0">
+              <a:rPr lang="en-IN" sz="2000" dirty="0">
                 <a:solidFill>
                   <a:srgbClr val="D3AF86"/>
                 </a:solidFill>
@@ -8019,7 +8047,7 @@
           </a:p>
           <a:p>
             <a:r>
-              <a:rPr lang="en-IN" sz="2200" dirty="0">
+              <a:rPr lang="en-IN" sz="2000" dirty="0">
                 <a:solidFill>
                   <a:srgbClr val="DC3958"/>
                 </a:solidFill>
@@ -8028,7 +8056,7 @@
               <a:t>aList</a:t>
             </a:r>
             <a:r>
-              <a:rPr lang="en-IN" sz="2200" dirty="0">
+              <a:rPr lang="en-IN" sz="2000" dirty="0">
                 <a:solidFill>
                   <a:srgbClr val="D3AF86"/>
                 </a:solidFill>
@@ -8037,7 +8065,7 @@
               <a:t>.</a:t>
             </a:r>
             <a:r>
-              <a:rPr lang="en-IN" sz="2200" dirty="0">
+              <a:rPr lang="en-IN" sz="2000" dirty="0">
                 <a:solidFill>
                   <a:srgbClr val="7E602C"/>
                 </a:solidFill>
@@ -8046,7 +8074,7 @@
               <a:t>push</a:t>
             </a:r>
             <a:r>
-              <a:rPr lang="en-IN" sz="2200" dirty="0">
+              <a:rPr lang="en-IN" sz="2000" dirty="0">
                 <a:solidFill>
                   <a:srgbClr val="D3AF86"/>
                 </a:solidFill>
@@ -8055,7 +8083,7 @@
               <a:t>(</a:t>
             </a:r>
             <a:r>
-              <a:rPr lang="en-IN" sz="2200" dirty="0">
+              <a:rPr lang="en-IN" sz="2000" dirty="0">
                 <a:solidFill>
                   <a:srgbClr val="F79A32"/>
                 </a:solidFill>
@@ -8064,7 +8092,7 @@
               <a:t>1001</a:t>
             </a:r>
             <a:r>
-              <a:rPr lang="en-IN" sz="2200" dirty="0">
+              <a:rPr lang="en-IN" sz="2000" dirty="0">
                 <a:solidFill>
                   <a:srgbClr val="D3AF86"/>
                 </a:solidFill>
@@ -8075,7 +8103,7 @@
           </a:p>
           <a:p>
             <a:r>
-              <a:rPr lang="en-IN" sz="2200" dirty="0">
+              <a:rPr lang="en-IN" sz="2000" dirty="0">
                 <a:solidFill>
                   <a:srgbClr val="DC3958"/>
                 </a:solidFill>
@@ -8084,7 +8112,7 @@
               <a:t>aList</a:t>
             </a:r>
             <a:r>
-              <a:rPr lang="en-IN" sz="2200" dirty="0">
+              <a:rPr lang="en-IN" sz="2000" dirty="0">
                 <a:solidFill>
                   <a:srgbClr val="D3AF86"/>
                 </a:solidFill>
@@ -8093,7 +8121,7 @@
               <a:t>.</a:t>
             </a:r>
             <a:r>
-              <a:rPr lang="en-IN" sz="2200" dirty="0">
+              <a:rPr lang="en-IN" sz="2000" dirty="0">
                 <a:solidFill>
                   <a:srgbClr val="7E602C"/>
                 </a:solidFill>
@@ -8102,7 +8130,7 @@
               <a:t>push</a:t>
             </a:r>
             <a:r>
-              <a:rPr lang="en-IN" sz="2200" dirty="0">
+              <a:rPr lang="en-IN" sz="2000" dirty="0">
                 <a:solidFill>
                   <a:srgbClr val="D3AF86"/>
                 </a:solidFill>
@@ -8111,7 +8139,7 @@
               <a:t>('</a:t>
             </a:r>
             <a:r>
-              <a:rPr lang="en-IN" sz="2200" dirty="0">
+              <a:rPr lang="en-IN" sz="2000" dirty="0">
                 <a:solidFill>
                   <a:srgbClr val="889B4A"/>
                 </a:solidFill>
@@ -8120,7 +8148,7 @@
               <a:t>Saleel</a:t>
             </a:r>
             <a:r>
-              <a:rPr lang="en-IN" sz="2200" dirty="0">
+              <a:rPr lang="en-IN" sz="2000" dirty="0">
                 <a:solidFill>
                   <a:srgbClr val="D3AF86"/>
                 </a:solidFill>
@@ -8131,7 +8159,7 @@
           </a:p>
           <a:p>
             <a:r>
-              <a:rPr lang="en-IN" sz="2200" dirty="0">
+              <a:rPr lang="en-IN" sz="2000" dirty="0">
                 <a:solidFill>
                   <a:srgbClr val="DC3958"/>
                 </a:solidFill>
@@ -8140,7 +8168,7 @@
               <a:t>aList</a:t>
             </a:r>
             <a:r>
-              <a:rPr lang="en-IN" sz="2200" dirty="0">
+              <a:rPr lang="en-IN" sz="2000" dirty="0">
                 <a:solidFill>
                   <a:srgbClr val="D3AF86"/>
                 </a:solidFill>
@@ -8149,7 +8177,7 @@
               <a:t>.</a:t>
             </a:r>
             <a:r>
-              <a:rPr lang="en-IN" sz="2200" dirty="0">
+              <a:rPr lang="en-IN" sz="2000" dirty="0">
                 <a:solidFill>
                   <a:srgbClr val="7E602C"/>
                 </a:solidFill>
@@ -8158,7 +8186,7 @@
               <a:t>push</a:t>
             </a:r>
             <a:r>
-              <a:rPr lang="en-IN" sz="2200" dirty="0">
+              <a:rPr lang="en-IN" sz="2000" dirty="0">
                 <a:solidFill>
                   <a:srgbClr val="D3AF86"/>
                 </a:solidFill>
@@ -8167,7 +8195,7 @@
               <a:t>(</a:t>
             </a:r>
             <a:r>
-              <a:rPr lang="en-IN" sz="2200" dirty="0">
+              <a:rPr lang="en-IN" sz="2000" dirty="0">
                 <a:solidFill>
                   <a:srgbClr val="F79A32"/>
                 </a:solidFill>
@@ -8176,7 +8204,7 @@
               <a:t>true</a:t>
             </a:r>
             <a:r>
-              <a:rPr lang="en-IN" sz="2200" dirty="0">
+              <a:rPr lang="en-IN" sz="2000" dirty="0">
                 <a:solidFill>
                   <a:srgbClr val="D3AF86"/>
                 </a:solidFill>
@@ -8187,7 +8215,7 @@
           </a:p>
           <a:p>
             <a:r>
-              <a:rPr lang="en-IN" sz="2200" dirty="0">
+              <a:rPr lang="en-IN" sz="2000" dirty="0">
                 <a:solidFill>
                   <a:srgbClr val="98676A"/>
                 </a:solidFill>
@@ -8196,7 +8224,7 @@
               <a:t>for</a:t>
             </a:r>
             <a:r>
-              <a:rPr lang="en-IN" sz="2200" dirty="0">
+              <a:rPr lang="en-IN" sz="2000" dirty="0">
                 <a:solidFill>
                   <a:srgbClr val="D3AF86"/>
                 </a:solidFill>
@@ -8205,7 +8233,7 @@
               <a:t> (</a:t>
             </a:r>
             <a:r>
-              <a:rPr lang="en-IN" sz="2200" dirty="0">
+              <a:rPr lang="en-IN" sz="2000" dirty="0">
                 <a:solidFill>
                   <a:srgbClr val="98676A"/>
                 </a:solidFill>
@@ -8214,7 +8242,7 @@
               <a:t>const</a:t>
             </a:r>
             <a:r>
-              <a:rPr lang="en-IN" sz="2200" dirty="0">
+              <a:rPr lang="en-IN" sz="2000" dirty="0">
                 <a:solidFill>
                   <a:srgbClr val="D3AF86"/>
                 </a:solidFill>
@@ -8223,7 +8251,7 @@
               <a:t> </a:t>
             </a:r>
             <a:r>
-              <a:rPr lang="en-IN" sz="2200" dirty="0">
+              <a:rPr lang="en-IN" sz="2000" dirty="0">
                 <a:solidFill>
                   <a:srgbClr val="DC3958"/>
                 </a:solidFill>
@@ -8232,7 +8260,7 @@
               <a:t>key</a:t>
             </a:r>
             <a:r>
-              <a:rPr lang="en-IN" sz="2200" dirty="0">
+              <a:rPr lang="en-IN" sz="2000" dirty="0">
                 <a:solidFill>
                   <a:srgbClr val="D3AF86"/>
                 </a:solidFill>
@@ -8241,7 +8269,7 @@
               <a:t> in </a:t>
             </a:r>
             <a:r>
-              <a:rPr lang="en-IN" sz="2200" dirty="0">
+              <a:rPr lang="en-IN" sz="2000" dirty="0">
                 <a:solidFill>
                   <a:srgbClr val="DC3958"/>
                 </a:solidFill>
@@ -8250,7 +8278,7 @@
               <a:t>aList</a:t>
             </a:r>
             <a:r>
-              <a:rPr lang="en-IN" sz="2200" dirty="0">
+              <a:rPr lang="en-IN" sz="2000" dirty="0">
                 <a:solidFill>
                   <a:srgbClr val="D3AF86"/>
                 </a:solidFill>
@@ -8261,7 +8289,7 @@
           </a:p>
           <a:p>
             <a:r>
-              <a:rPr lang="en-IN" sz="2200" dirty="0" smtClean="0">
+              <a:rPr lang="en-IN" sz="2000" dirty="0" smtClean="0">
                 <a:solidFill>
                   <a:srgbClr val="F06431"/>
                 </a:solidFill>
@@ -8270,7 +8298,7 @@
               <a:t>     console</a:t>
             </a:r>
             <a:r>
-              <a:rPr lang="en-IN" sz="2200" dirty="0" smtClean="0">
+              <a:rPr lang="en-IN" sz="2000" dirty="0" smtClean="0">
                 <a:solidFill>
                   <a:srgbClr val="D3AF86"/>
                 </a:solidFill>
@@ -8279,7 +8307,7 @@
               <a:t>.</a:t>
             </a:r>
             <a:r>
-              <a:rPr lang="en-IN" sz="2200" dirty="0" smtClean="0">
+              <a:rPr lang="en-IN" sz="2000" dirty="0" smtClean="0">
                 <a:solidFill>
                   <a:srgbClr val="7E602C"/>
                 </a:solidFill>
@@ -8288,7 +8316,7 @@
               <a:t>log</a:t>
             </a:r>
             <a:r>
-              <a:rPr lang="en-IN" sz="2200" dirty="0" smtClean="0">
+              <a:rPr lang="en-IN" sz="2000" dirty="0" smtClean="0">
                 <a:solidFill>
                   <a:srgbClr val="D3AF86"/>
                 </a:solidFill>
@@ -8297,7 +8325,7 @@
               <a:t>(</a:t>
             </a:r>
             <a:r>
-              <a:rPr lang="en-IN" sz="2200" dirty="0" smtClean="0">
+              <a:rPr lang="en-IN" sz="2000" dirty="0" smtClean="0">
                 <a:solidFill>
                   <a:srgbClr val="DC3958"/>
                 </a:solidFill>
@@ -8306,7 +8334,7 @@
               <a:t>aList</a:t>
             </a:r>
             <a:r>
-              <a:rPr lang="en-IN" sz="2200" dirty="0" smtClean="0">
+              <a:rPr lang="en-IN" sz="2000" dirty="0" smtClean="0">
                 <a:solidFill>
                   <a:srgbClr val="D3AF86"/>
                 </a:solidFill>
@@ -8315,7 +8343,7 @@
               <a:t>[</a:t>
             </a:r>
             <a:r>
-              <a:rPr lang="en-IN" sz="2200" dirty="0" smtClean="0">
+              <a:rPr lang="en-IN" sz="2000" dirty="0" smtClean="0">
                 <a:solidFill>
                   <a:srgbClr val="DC3958"/>
                 </a:solidFill>
@@ -8324,7 +8352,7 @@
               <a:t>key</a:t>
             </a:r>
             <a:r>
-              <a:rPr lang="en-IN" sz="2200" dirty="0">
+              <a:rPr lang="en-IN" sz="2000" dirty="0">
                 <a:solidFill>
                   <a:srgbClr val="D3AF86"/>
                 </a:solidFill>
@@ -8335,7 +8363,7 @@
           </a:p>
           <a:p>
             <a:r>
-              <a:rPr lang="en-IN" sz="2200" dirty="0">
+              <a:rPr lang="en-IN" sz="2000" dirty="0">
                 <a:solidFill>
                   <a:srgbClr val="D3AF86"/>
                 </a:solidFill>
@@ -8343,7 +8371,7 @@
               </a:rPr>
               <a:t>}</a:t>
             </a:r>
-            <a:endParaRPr lang="en-IN" sz="2200" b="0" dirty="0">
+            <a:endParaRPr lang="en-IN" sz="2000" b="0" dirty="0">
               <a:solidFill>
                 <a:srgbClr val="D3AF86"/>
               </a:solidFill>
@@ -8549,7 +8577,7 @@
         <p:spPr>
           <a:xfrm>
             <a:off x="114300" y="2166472"/>
-            <a:ext cx="8915400" cy="769441"/>
+            <a:ext cx="8915400" cy="707886"/>
           </a:xfrm>
           <a:prstGeom prst="rect">
             <a:avLst/>
@@ -8562,7 +8590,7 @@
           <a:lstStyle/>
           <a:p>
             <a:r>
-              <a:rPr lang="en-IN" sz="2200" dirty="0">
+              <a:rPr lang="en-IN" sz="2000" dirty="0">
                 <a:solidFill>
                   <a:srgbClr val="98676A"/>
                 </a:solidFill>
@@ -8571,7 +8599,7 @@
               <a:t>const</a:t>
             </a:r>
             <a:r>
-              <a:rPr lang="en-IN" sz="2200" dirty="0">
+              <a:rPr lang="en-IN" sz="2000" dirty="0">
                 <a:solidFill>
                   <a:srgbClr val="D3AF86"/>
                 </a:solidFill>
@@ -8580,7 +8608,7 @@
               <a:t> </a:t>
             </a:r>
             <a:r>
-              <a:rPr lang="en-IN" sz="2200" dirty="0">
+              <a:rPr lang="en-IN" sz="2000" dirty="0">
                 <a:solidFill>
                   <a:srgbClr val="DC3958"/>
                 </a:solidFill>
@@ -8589,7 +8617,7 @@
               <a:t>a</a:t>
             </a:r>
             <a:r>
-              <a:rPr lang="en-IN" sz="2200" dirty="0">
+              <a:rPr lang="en-IN" sz="2000" dirty="0">
                 <a:solidFill>
                   <a:srgbClr val="D3AF86"/>
                 </a:solidFill>
@@ -8598,7 +8626,7 @@
               <a:t>: [[number, string]] = [[</a:t>
             </a:r>
             <a:r>
-              <a:rPr lang="en-IN" sz="2200" dirty="0">
+              <a:rPr lang="en-IN" sz="2000" dirty="0">
                 <a:solidFill>
                   <a:srgbClr val="F79A32"/>
                 </a:solidFill>
@@ -8607,7 +8635,7 @@
               <a:t>1</a:t>
             </a:r>
             <a:r>
-              <a:rPr lang="en-IN" sz="2200" dirty="0">
+              <a:rPr lang="en-IN" sz="2000" dirty="0">
                 <a:solidFill>
                   <a:srgbClr val="D3AF86"/>
                 </a:solidFill>
@@ -8616,7 +8644,7 @@
               <a:t>, '</a:t>
             </a:r>
             <a:r>
-              <a:rPr lang="en-IN" sz="2200" dirty="0">
+              <a:rPr lang="en-IN" sz="2000" dirty="0">
                 <a:solidFill>
                   <a:srgbClr val="889B4A"/>
                 </a:solidFill>
@@ -8625,7 +8653,7 @@
               <a:t>A</a:t>
             </a:r>
             <a:r>
-              <a:rPr lang="en-IN" sz="2200" dirty="0">
+              <a:rPr lang="en-IN" sz="2000" dirty="0">
                 <a:solidFill>
                   <a:srgbClr val="D3AF86"/>
                 </a:solidFill>
@@ -8634,7 +8662,7 @@
               <a:t>'], [</a:t>
             </a:r>
             <a:r>
-              <a:rPr lang="en-IN" sz="2200" dirty="0">
+              <a:rPr lang="en-IN" sz="2000" dirty="0">
                 <a:solidFill>
                   <a:srgbClr val="F79A32"/>
                 </a:solidFill>
@@ -8643,7 +8671,7 @@
               <a:t>2</a:t>
             </a:r>
             <a:r>
-              <a:rPr lang="en-IN" sz="2200" dirty="0">
+              <a:rPr lang="en-IN" sz="2000" dirty="0">
                 <a:solidFill>
                   <a:srgbClr val="D3AF86"/>
                 </a:solidFill>
@@ -8652,7 +8680,7 @@
               <a:t>, '</a:t>
             </a:r>
             <a:r>
-              <a:rPr lang="en-IN" sz="2200" dirty="0">
+              <a:rPr lang="en-IN" sz="2000" dirty="0">
                 <a:solidFill>
                   <a:srgbClr val="889B4A"/>
                 </a:solidFill>
@@ -8661,7 +8689,7 @@
               <a:t>B</a:t>
             </a:r>
             <a:r>
-              <a:rPr lang="en-IN" sz="2200" dirty="0">
+              <a:rPr lang="en-IN" sz="2000" dirty="0">
                 <a:solidFill>
                   <a:srgbClr val="D3AF86"/>
                 </a:solidFill>
@@ -8672,7 +8700,7 @@
           </a:p>
           <a:p>
             <a:r>
-              <a:rPr lang="en-IN" sz="2200" dirty="0">
+              <a:rPr lang="en-IN" sz="2000" dirty="0">
                 <a:solidFill>
                   <a:srgbClr val="F06431"/>
                 </a:solidFill>
@@ -8681,7 +8709,7 @@
               <a:t>console</a:t>
             </a:r>
             <a:r>
-              <a:rPr lang="en-IN" sz="2200" dirty="0">
+              <a:rPr lang="en-IN" sz="2000" dirty="0">
                 <a:solidFill>
                   <a:srgbClr val="D3AF86"/>
                 </a:solidFill>
@@ -8690,7 +8718,7 @@
               <a:t>.</a:t>
             </a:r>
             <a:r>
-              <a:rPr lang="en-IN" sz="2200" dirty="0">
+              <a:rPr lang="en-IN" sz="2000" dirty="0">
                 <a:solidFill>
                   <a:srgbClr val="7E602C"/>
                 </a:solidFill>
@@ -8699,7 +8727,7 @@
               <a:t>log</a:t>
             </a:r>
             <a:r>
-              <a:rPr lang="en-IN" sz="2200" dirty="0">
+              <a:rPr lang="en-IN" sz="2000" dirty="0">
                 <a:solidFill>
                   <a:srgbClr val="D3AF86"/>
                 </a:solidFill>
@@ -8708,7 +8736,7 @@
               <a:t>(</a:t>
             </a:r>
             <a:r>
-              <a:rPr lang="en-IN" sz="2200" dirty="0">
+              <a:rPr lang="en-IN" sz="2000" dirty="0">
                 <a:solidFill>
                   <a:srgbClr val="DC3958"/>
                 </a:solidFill>
@@ -8717,7 +8745,7 @@
               <a:t>a</a:t>
             </a:r>
             <a:r>
-              <a:rPr lang="en-IN" sz="2200" dirty="0">
+              <a:rPr lang="en-IN" sz="2000" dirty="0">
                 <a:solidFill>
                   <a:srgbClr val="D3AF86"/>
                 </a:solidFill>
@@ -8726,7 +8754,7 @@
               <a:t>[</a:t>
             </a:r>
             <a:r>
-              <a:rPr lang="en-IN" sz="2200" dirty="0">
+              <a:rPr lang="en-IN" sz="2000" dirty="0">
                 <a:solidFill>
                   <a:srgbClr val="F79A32"/>
                 </a:solidFill>
@@ -8735,7 +8763,7 @@
               <a:t>1</a:t>
             </a:r>
             <a:r>
-              <a:rPr lang="en-IN" sz="2200" dirty="0">
+              <a:rPr lang="en-IN" sz="2000" dirty="0">
                 <a:solidFill>
                   <a:srgbClr val="D3AF86"/>
                 </a:solidFill>
@@ -8744,7 +8772,7 @@
               <a:t>][</a:t>
             </a:r>
             <a:r>
-              <a:rPr lang="en-IN" sz="2200" dirty="0">
+              <a:rPr lang="en-IN" sz="2000" dirty="0">
                 <a:solidFill>
                   <a:srgbClr val="F79A32"/>
                 </a:solidFill>
@@ -8753,7 +8781,7 @@
               <a:t>0</a:t>
             </a:r>
             <a:r>
-              <a:rPr lang="en-IN" sz="2200" dirty="0">
+              <a:rPr lang="en-IN" sz="2000" dirty="0">
                 <a:solidFill>
                   <a:srgbClr val="D3AF86"/>
                 </a:solidFill>
@@ -8761,7 +8789,7 @@
               </a:rPr>
               <a:t>]);</a:t>
             </a:r>
-            <a:endParaRPr lang="en-IN" sz="2200" b="0" dirty="0">
+            <a:endParaRPr lang="en-IN" sz="2000" b="0" dirty="0">
               <a:solidFill>
                 <a:srgbClr val="D3AF86"/>
               </a:solidFill>
@@ -9025,7 +9053,7 @@
         <p:spPr>
           <a:xfrm>
             <a:off x="228600" y="2016204"/>
-            <a:ext cx="8801100" cy="1107996"/>
+            <a:ext cx="8801100" cy="1015663"/>
           </a:xfrm>
           <a:prstGeom prst="rect">
             <a:avLst/>
@@ -9038,7 +9066,7 @@
           <a:lstStyle/>
           <a:p>
             <a:r>
-              <a:rPr lang="en-IN" sz="2200" dirty="0">
+              <a:rPr lang="en-IN" sz="2000" dirty="0">
                 <a:solidFill>
                   <a:srgbClr val="98676A"/>
                 </a:solidFill>
@@ -9047,7 +9075,7 @@
               <a:t>enum</a:t>
             </a:r>
             <a:r>
-              <a:rPr lang="en-IN" sz="2200" dirty="0">
+              <a:rPr lang="en-IN" sz="2000" dirty="0">
                 <a:solidFill>
                   <a:srgbClr val="D3AF86"/>
                 </a:solidFill>
@@ -9056,7 +9084,7 @@
               <a:t> </a:t>
             </a:r>
             <a:r>
-              <a:rPr lang="en-IN" sz="2200" dirty="0">
+              <a:rPr lang="en-IN" sz="2000" dirty="0">
                 <a:solidFill>
                   <a:srgbClr val="F06431"/>
                 </a:solidFill>
@@ -9065,7 +9093,7 @@
               <a:t>Color</a:t>
             </a:r>
             <a:r>
-              <a:rPr lang="en-IN" sz="2200" dirty="0">
+              <a:rPr lang="en-IN" sz="2000" dirty="0">
                 <a:solidFill>
                   <a:srgbClr val="D3AF86"/>
                 </a:solidFill>
@@ -9074,7 +9102,7 @@
               <a:t> {</a:t>
             </a:r>
             <a:r>
-              <a:rPr lang="en-IN" sz="2200" dirty="0">
+              <a:rPr lang="en-IN" sz="2000" dirty="0">
                 <a:solidFill>
                   <a:srgbClr val="DC3958"/>
                 </a:solidFill>
@@ -9083,7 +9111,7 @@
               <a:t>Red</a:t>
             </a:r>
             <a:r>
-              <a:rPr lang="en-IN" sz="2200" dirty="0">
+              <a:rPr lang="en-IN" sz="2000" dirty="0">
                 <a:solidFill>
                   <a:srgbClr val="D3AF86"/>
                 </a:solidFill>
@@ -9092,7 +9120,7 @@
               <a:t>, </a:t>
             </a:r>
             <a:r>
-              <a:rPr lang="en-IN" sz="2200" dirty="0">
+              <a:rPr lang="en-IN" sz="2000" dirty="0">
                 <a:solidFill>
                   <a:srgbClr val="DC3958"/>
                 </a:solidFill>
@@ -9101,7 +9129,7 @@
               <a:t>Green</a:t>
             </a:r>
             <a:r>
-              <a:rPr lang="en-IN" sz="2200" dirty="0">
+              <a:rPr lang="en-IN" sz="2000" dirty="0">
                 <a:solidFill>
                   <a:srgbClr val="D3AF86"/>
                 </a:solidFill>
@@ -9110,7 +9138,7 @@
               <a:t>, </a:t>
             </a:r>
             <a:r>
-              <a:rPr lang="en-IN" sz="2200" dirty="0">
+              <a:rPr lang="en-IN" sz="2000" dirty="0">
                 <a:solidFill>
                   <a:srgbClr val="DC3958"/>
                 </a:solidFill>
@@ -9119,7 +9147,7 @@
               <a:t>Blue</a:t>
             </a:r>
             <a:r>
-              <a:rPr lang="en-IN" sz="2200" dirty="0">
+              <a:rPr lang="en-IN" sz="2000" dirty="0">
                 <a:solidFill>
                   <a:srgbClr val="D3AF86"/>
                 </a:solidFill>
@@ -9128,7 +9156,7 @@
               <a:t>, </a:t>
             </a:r>
             <a:r>
-              <a:rPr lang="en-IN" sz="2200" dirty="0">
+              <a:rPr lang="en-IN" sz="2000" dirty="0">
                 <a:solidFill>
                   <a:srgbClr val="DC3958"/>
                 </a:solidFill>
@@ -9137,7 +9165,7 @@
               <a:t>Yellow</a:t>
             </a:r>
             <a:r>
-              <a:rPr lang="en-IN" sz="2200" dirty="0">
+              <a:rPr lang="en-IN" sz="2000" dirty="0">
                 <a:solidFill>
                   <a:srgbClr val="D3AF86"/>
                 </a:solidFill>
@@ -9148,7 +9176,7 @@
           </a:p>
           <a:p>
             <a:r>
-              <a:rPr lang="en-IN" sz="2200" dirty="0" smtClean="0">
+              <a:rPr lang="en-IN" sz="2000" dirty="0" smtClean="0">
                 <a:solidFill>
                   <a:srgbClr val="F06431"/>
                 </a:solidFill>
@@ -9157,7 +9185,7 @@
               <a:t>console</a:t>
             </a:r>
             <a:r>
-              <a:rPr lang="en-IN" sz="2200" dirty="0" smtClean="0">
+              <a:rPr lang="en-IN" sz="2000" dirty="0" smtClean="0">
                 <a:solidFill>
                   <a:srgbClr val="D3AF86"/>
                 </a:solidFill>
@@ -9166,7 +9194,7 @@
               <a:t>.</a:t>
             </a:r>
             <a:r>
-              <a:rPr lang="en-IN" sz="2200" dirty="0" smtClean="0">
+              <a:rPr lang="en-IN" sz="2000" dirty="0" smtClean="0">
                 <a:solidFill>
                   <a:srgbClr val="7E602C"/>
                 </a:solidFill>
@@ -9175,7 +9203,7 @@
               <a:t>log</a:t>
             </a:r>
             <a:r>
-              <a:rPr lang="en-IN" sz="2200" dirty="0" smtClean="0">
+              <a:rPr lang="en-IN" sz="2000" dirty="0" smtClean="0">
                 <a:solidFill>
                   <a:srgbClr val="D3AF86"/>
                 </a:solidFill>
@@ -9184,7 +9212,7 @@
               <a:t>(</a:t>
             </a:r>
             <a:r>
-              <a:rPr lang="en-IN" sz="2200" dirty="0" smtClean="0">
+              <a:rPr lang="en-IN" sz="2000" dirty="0" smtClean="0">
                 <a:solidFill>
                   <a:srgbClr val="DC3958"/>
                 </a:solidFill>
@@ -9193,7 +9221,7 @@
               <a:t>Color</a:t>
             </a:r>
             <a:r>
-              <a:rPr lang="en-IN" sz="2200" dirty="0" smtClean="0">
+              <a:rPr lang="en-IN" sz="2000" dirty="0" smtClean="0">
                 <a:solidFill>
                   <a:srgbClr val="D3AF86"/>
                 </a:solidFill>
@@ -9202,7 +9230,7 @@
               <a:t>.</a:t>
             </a:r>
             <a:r>
-              <a:rPr lang="en-IN" sz="2200" dirty="0" smtClean="0">
+              <a:rPr lang="en-IN" sz="2000" dirty="0" smtClean="0">
                 <a:solidFill>
                   <a:srgbClr val="DC3958"/>
                 </a:solidFill>
@@ -9211,7 +9239,7 @@
               <a:t>Blue</a:t>
             </a:r>
             <a:r>
-              <a:rPr lang="en-IN" sz="2200" dirty="0">
+              <a:rPr lang="en-IN" sz="2000" dirty="0">
                 <a:solidFill>
                   <a:srgbClr val="D3AF86"/>
                 </a:solidFill>
@@ -9222,7 +9250,7 @@
           </a:p>
           <a:p>
             <a:r>
-              <a:rPr lang="en-IN" sz="2200" dirty="0">
+              <a:rPr lang="en-IN" sz="2000" dirty="0">
                 <a:solidFill>
                   <a:srgbClr val="F06431"/>
                 </a:solidFill>
@@ -9231,7 +9259,7 @@
               <a:t>console</a:t>
             </a:r>
             <a:r>
-              <a:rPr lang="en-IN" sz="2200" dirty="0">
+              <a:rPr lang="en-IN" sz="2000" dirty="0">
                 <a:solidFill>
                   <a:srgbClr val="D3AF86"/>
                 </a:solidFill>
@@ -9240,7 +9268,7 @@
               <a:t>.</a:t>
             </a:r>
             <a:r>
-              <a:rPr lang="en-IN" sz="2200" dirty="0">
+              <a:rPr lang="en-IN" sz="2000" dirty="0">
                 <a:solidFill>
                   <a:srgbClr val="7E602C"/>
                 </a:solidFill>
@@ -9249,7 +9277,7 @@
               <a:t>log</a:t>
             </a:r>
             <a:r>
-              <a:rPr lang="en-IN" sz="2200" dirty="0">
+              <a:rPr lang="en-IN" sz="2000" dirty="0">
                 <a:solidFill>
                   <a:srgbClr val="D3AF86"/>
                 </a:solidFill>
@@ -9258,7 +9286,7 @@
               <a:t>(</a:t>
             </a:r>
             <a:r>
-              <a:rPr lang="en-IN" sz="2200" dirty="0">
+              <a:rPr lang="en-IN" sz="2000" dirty="0">
                 <a:solidFill>
                   <a:srgbClr val="DC3958"/>
                 </a:solidFill>
@@ -9267,7 +9295,7 @@
               <a:t>Color</a:t>
             </a:r>
             <a:r>
-              <a:rPr lang="en-IN" sz="2200" dirty="0">
+              <a:rPr lang="en-IN" sz="2000" dirty="0">
                 <a:solidFill>
                   <a:srgbClr val="D3AF86"/>
                 </a:solidFill>
@@ -9276,7 +9304,7 @@
               <a:t>[</a:t>
             </a:r>
             <a:r>
-              <a:rPr lang="en-IN" sz="2200" dirty="0">
+              <a:rPr lang="en-IN" sz="2000" dirty="0">
                 <a:solidFill>
                   <a:srgbClr val="F79A32"/>
                 </a:solidFill>
@@ -9285,7 +9313,7 @@
               <a:t>2</a:t>
             </a:r>
             <a:r>
-              <a:rPr lang="en-IN" sz="2200" dirty="0">
+              <a:rPr lang="en-IN" sz="2000" dirty="0">
                 <a:solidFill>
                   <a:srgbClr val="D3AF86"/>
                 </a:solidFill>
@@ -9294,7 +9322,7 @@
               <a:t>]);  </a:t>
             </a:r>
             <a:r>
-              <a:rPr lang="en-IN" sz="2200" dirty="0">
+              <a:rPr lang="en-IN" sz="2000" dirty="0">
                 <a:solidFill>
                   <a:srgbClr val="D6F901"/>
                 </a:solidFill>
@@ -9314,7 +9342,7 @@
         <p:spPr>
           <a:xfrm>
             <a:off x="228600" y="3540204"/>
-            <a:ext cx="8686800" cy="1107996"/>
+            <a:ext cx="8686800" cy="1015663"/>
           </a:xfrm>
           <a:prstGeom prst="rect">
             <a:avLst/>
@@ -9327,7 +9355,7 @@
           <a:lstStyle/>
           <a:p>
             <a:r>
-              <a:rPr lang="en-IN" sz="2200" dirty="0">
+              <a:rPr lang="en-IN" sz="2000" dirty="0">
                 <a:solidFill>
                   <a:srgbClr val="98676A"/>
                 </a:solidFill>
@@ -9336,7 +9364,7 @@
               <a:t>enum</a:t>
             </a:r>
             <a:r>
-              <a:rPr lang="en-IN" sz="2200" dirty="0">
+              <a:rPr lang="en-IN" sz="2000" dirty="0">
                 <a:solidFill>
                   <a:srgbClr val="D3AF86"/>
                 </a:solidFill>
@@ -9345,7 +9373,7 @@
               <a:t> </a:t>
             </a:r>
             <a:r>
-              <a:rPr lang="en-IN" sz="2200" dirty="0">
+              <a:rPr lang="en-IN" sz="2000" dirty="0">
                 <a:solidFill>
                   <a:srgbClr val="F06431"/>
                 </a:solidFill>
@@ -9354,7 +9382,7 @@
               <a:t>Color</a:t>
             </a:r>
             <a:r>
-              <a:rPr lang="en-IN" sz="2200" dirty="0">
+              <a:rPr lang="en-IN" sz="2000" dirty="0">
                 <a:solidFill>
                   <a:srgbClr val="D3AF86"/>
                 </a:solidFill>
@@ -9363,7 +9391,7 @@
               <a:t> {</a:t>
             </a:r>
             <a:r>
-              <a:rPr lang="en-IN" sz="2200" dirty="0">
+              <a:rPr lang="en-IN" sz="2000" dirty="0">
                 <a:solidFill>
                   <a:srgbClr val="DC3958"/>
                 </a:solidFill>
@@ -9372,7 +9400,7 @@
               <a:t>Red</a:t>
             </a:r>
             <a:r>
-              <a:rPr lang="en-IN" sz="2200" dirty="0">
+              <a:rPr lang="en-IN" sz="2000" dirty="0">
                 <a:solidFill>
                   <a:srgbClr val="D3AF86"/>
                 </a:solidFill>
@@ -9381,7 +9409,7 @@
               <a:t>=</a:t>
             </a:r>
             <a:r>
-              <a:rPr lang="en-IN" sz="2200" dirty="0">
+              <a:rPr lang="en-IN" sz="2000" dirty="0">
                 <a:solidFill>
                   <a:srgbClr val="F79A32"/>
                 </a:solidFill>
@@ -9390,7 +9418,7 @@
               <a:t>1</a:t>
             </a:r>
             <a:r>
-              <a:rPr lang="en-IN" sz="2200" dirty="0">
+              <a:rPr lang="en-IN" sz="2000" dirty="0">
                 <a:solidFill>
                   <a:srgbClr val="D3AF86"/>
                 </a:solidFill>
@@ -9399,7 +9427,7 @@
               <a:t>, </a:t>
             </a:r>
             <a:r>
-              <a:rPr lang="en-IN" sz="2200" dirty="0">
+              <a:rPr lang="en-IN" sz="2000" dirty="0">
                 <a:solidFill>
                   <a:srgbClr val="DC3958"/>
                 </a:solidFill>
@@ -9408,7 +9436,7 @@
               <a:t>Green</a:t>
             </a:r>
             <a:r>
-              <a:rPr lang="en-IN" sz="2200" dirty="0">
+              <a:rPr lang="en-IN" sz="2000" dirty="0">
                 <a:solidFill>
                   <a:srgbClr val="D3AF86"/>
                 </a:solidFill>
@@ -9417,7 +9445,7 @@
               <a:t>, </a:t>
             </a:r>
             <a:r>
-              <a:rPr lang="en-IN" sz="2200" dirty="0">
+              <a:rPr lang="en-IN" sz="2000" dirty="0">
                 <a:solidFill>
                   <a:srgbClr val="DC3958"/>
                 </a:solidFill>
@@ -9426,7 +9454,7 @@
               <a:t>Blue</a:t>
             </a:r>
             <a:r>
-              <a:rPr lang="en-IN" sz="2200" dirty="0">
+              <a:rPr lang="en-IN" sz="2000" dirty="0">
                 <a:solidFill>
                   <a:srgbClr val="D3AF86"/>
                 </a:solidFill>
@@ -9435,7 +9463,7 @@
               <a:t>, </a:t>
             </a:r>
             <a:r>
-              <a:rPr lang="en-IN" sz="2200" dirty="0">
+              <a:rPr lang="en-IN" sz="2000" dirty="0">
                 <a:solidFill>
                   <a:srgbClr val="DC3958"/>
                 </a:solidFill>
@@ -9444,7 +9472,7 @@
               <a:t>Yellow</a:t>
             </a:r>
             <a:r>
-              <a:rPr lang="en-IN" sz="2200" dirty="0">
+              <a:rPr lang="en-IN" sz="2000" dirty="0">
                 <a:solidFill>
                   <a:srgbClr val="D3AF86"/>
                 </a:solidFill>
@@ -9455,7 +9483,7 @@
           </a:p>
           <a:p>
             <a:r>
-              <a:rPr lang="en-IN" sz="2200" dirty="0" smtClean="0">
+              <a:rPr lang="en-IN" sz="2000" dirty="0" smtClean="0">
                 <a:solidFill>
                   <a:srgbClr val="F06431"/>
                 </a:solidFill>
@@ -9464,7 +9492,7 @@
               <a:t>console</a:t>
             </a:r>
             <a:r>
-              <a:rPr lang="en-IN" sz="2200" dirty="0" smtClean="0">
+              <a:rPr lang="en-IN" sz="2000" dirty="0" smtClean="0">
                 <a:solidFill>
                   <a:srgbClr val="D3AF86"/>
                 </a:solidFill>
@@ -9473,7 +9501,7 @@
               <a:t>.</a:t>
             </a:r>
             <a:r>
-              <a:rPr lang="en-IN" sz="2200" dirty="0" smtClean="0">
+              <a:rPr lang="en-IN" sz="2000" dirty="0" smtClean="0">
                 <a:solidFill>
                   <a:srgbClr val="7E602C"/>
                 </a:solidFill>
@@ -9482,7 +9510,7 @@
               <a:t>log</a:t>
             </a:r>
             <a:r>
-              <a:rPr lang="en-IN" sz="2200" dirty="0" smtClean="0">
+              <a:rPr lang="en-IN" sz="2000" dirty="0" smtClean="0">
                 <a:solidFill>
                   <a:srgbClr val="D3AF86"/>
                 </a:solidFill>
@@ -9491,7 +9519,7 @@
               <a:t>(</a:t>
             </a:r>
             <a:r>
-              <a:rPr lang="en-IN" sz="2200" dirty="0" smtClean="0">
+              <a:rPr lang="en-IN" sz="2000" dirty="0" smtClean="0">
                 <a:solidFill>
                   <a:srgbClr val="DC3958"/>
                 </a:solidFill>
@@ -9500,7 +9528,7 @@
               <a:t>Color</a:t>
             </a:r>
             <a:r>
-              <a:rPr lang="en-IN" sz="2200" dirty="0" smtClean="0">
+              <a:rPr lang="en-IN" sz="2000" dirty="0" smtClean="0">
                 <a:solidFill>
                   <a:srgbClr val="D3AF86"/>
                 </a:solidFill>
@@ -9509,7 +9537,7 @@
               <a:t>.</a:t>
             </a:r>
             <a:r>
-              <a:rPr lang="en-IN" sz="2200" dirty="0" smtClean="0">
+              <a:rPr lang="en-IN" sz="2000" dirty="0" smtClean="0">
                 <a:solidFill>
                   <a:srgbClr val="DC3958"/>
                 </a:solidFill>
@@ -9518,7 +9546,7 @@
               <a:t>Blue</a:t>
             </a:r>
             <a:r>
-              <a:rPr lang="en-IN" sz="2200" dirty="0">
+              <a:rPr lang="en-IN" sz="2000" dirty="0">
                 <a:solidFill>
                   <a:srgbClr val="D3AF86"/>
                 </a:solidFill>
@@ -9529,7 +9557,7 @@
           </a:p>
           <a:p>
             <a:r>
-              <a:rPr lang="en-IN" sz="2200" dirty="0">
+              <a:rPr lang="en-IN" sz="2000" dirty="0">
                 <a:solidFill>
                   <a:srgbClr val="F06431"/>
                 </a:solidFill>
@@ -9538,7 +9566,7 @@
               <a:t>console</a:t>
             </a:r>
             <a:r>
-              <a:rPr lang="en-IN" sz="2200" dirty="0">
+              <a:rPr lang="en-IN" sz="2000" dirty="0">
                 <a:solidFill>
                   <a:srgbClr val="D3AF86"/>
                 </a:solidFill>
@@ -9547,7 +9575,7 @@
               <a:t>.</a:t>
             </a:r>
             <a:r>
-              <a:rPr lang="en-IN" sz="2200" dirty="0">
+              <a:rPr lang="en-IN" sz="2000" dirty="0">
                 <a:solidFill>
                   <a:srgbClr val="7E602C"/>
                 </a:solidFill>
@@ -9556,7 +9584,7 @@
               <a:t>log</a:t>
             </a:r>
             <a:r>
-              <a:rPr lang="en-IN" sz="2200" dirty="0">
+              <a:rPr lang="en-IN" sz="2000" dirty="0">
                 <a:solidFill>
                   <a:srgbClr val="D3AF86"/>
                 </a:solidFill>
@@ -9565,7 +9593,7 @@
               <a:t>(</a:t>
             </a:r>
             <a:r>
-              <a:rPr lang="en-IN" sz="2200" dirty="0">
+              <a:rPr lang="en-IN" sz="2000" dirty="0">
                 <a:solidFill>
                   <a:srgbClr val="DC3958"/>
                 </a:solidFill>
@@ -9574,7 +9602,7 @@
               <a:t>Color</a:t>
             </a:r>
             <a:r>
-              <a:rPr lang="en-IN" sz="2200" dirty="0">
+              <a:rPr lang="en-IN" sz="2000" dirty="0">
                 <a:solidFill>
                   <a:srgbClr val="D3AF86"/>
                 </a:solidFill>
@@ -9583,7 +9611,7 @@
               <a:t>[</a:t>
             </a:r>
             <a:r>
-              <a:rPr lang="en-IN" sz="2200" dirty="0">
+              <a:rPr lang="en-IN" sz="2000" dirty="0">
                 <a:solidFill>
                   <a:srgbClr val="F79A32"/>
                 </a:solidFill>
@@ -9592,7 +9620,7 @@
               <a:t>3</a:t>
             </a:r>
             <a:r>
-              <a:rPr lang="en-IN" sz="2200" dirty="0">
+              <a:rPr lang="en-IN" sz="2000" dirty="0">
                 <a:solidFill>
                   <a:srgbClr val="D3AF86"/>
                 </a:solidFill>
@@ -9601,7 +9629,7 @@
               <a:t>]);  </a:t>
             </a:r>
             <a:r>
-              <a:rPr lang="en-IN" sz="2200" dirty="0">
+              <a:rPr lang="en-IN" sz="2000" dirty="0">
                 <a:solidFill>
                   <a:srgbClr val="D6F901"/>
                 </a:solidFill>
@@ -9834,7 +9862,7 @@
         <p:spPr>
           <a:xfrm>
             <a:off x="114300" y="4173140"/>
-            <a:ext cx="8724900" cy="430887"/>
+            <a:ext cx="8724900" cy="400110"/>
           </a:xfrm>
           <a:prstGeom prst="rect">
             <a:avLst/>
@@ -9847,7 +9875,7 @@
           <a:lstStyle/>
           <a:p>
             <a:r>
-              <a:rPr lang="en-IN" sz="2200" dirty="0">
+              <a:rPr lang="en-IN" sz="2000" dirty="0">
                 <a:solidFill>
                   <a:srgbClr val="98676A"/>
                 </a:solidFill>
@@ -9856,7 +9884,7 @@
               <a:t>const</a:t>
             </a:r>
             <a:r>
-              <a:rPr lang="en-IN" sz="2200" dirty="0">
+              <a:rPr lang="en-IN" sz="2000" dirty="0">
                 <a:solidFill>
                   <a:srgbClr val="D3AF86"/>
                 </a:solidFill>
@@ -9865,7 +9893,7 @@
               <a:t> </a:t>
             </a:r>
             <a:r>
-              <a:rPr lang="en-IN" sz="2200" dirty="0">
+              <a:rPr lang="en-IN" sz="2000" dirty="0">
                 <a:solidFill>
                   <a:srgbClr val="DC3958"/>
                 </a:solidFill>
@@ -9874,7 +9902,7 @@
               <a:t>list</a:t>
             </a:r>
             <a:r>
-              <a:rPr lang="en-IN" sz="2200" dirty="0">
+              <a:rPr lang="en-IN" sz="2000" dirty="0">
                 <a:solidFill>
                   <a:srgbClr val="D3AF86"/>
                 </a:solidFill>
@@ -9883,7 +9911,7 @@
               <a:t> : </a:t>
             </a:r>
             <a:r>
-              <a:rPr lang="en-IN" sz="2200" dirty="0">
+              <a:rPr lang="en-IN" sz="2000" dirty="0">
                 <a:solidFill>
                   <a:srgbClr val="F06431"/>
                 </a:solidFill>
@@ -9892,7 +9920,7 @@
               <a:t>Array</a:t>
             </a:r>
             <a:r>
-              <a:rPr lang="en-IN" sz="2200" dirty="0">
+              <a:rPr lang="en-IN" sz="2000" dirty="0">
                 <a:solidFill>
                   <a:srgbClr val="D3AF86"/>
                 </a:solidFill>
@@ -9901,7 +9929,7 @@
               <a:t>&lt;any&gt; = [</a:t>
             </a:r>
             <a:r>
-              <a:rPr lang="en-IN" sz="2200" dirty="0">
+              <a:rPr lang="en-IN" sz="2000" dirty="0">
                 <a:solidFill>
                   <a:srgbClr val="F79A32"/>
                 </a:solidFill>
@@ -9910,7 +9938,7 @@
               <a:t>1</a:t>
             </a:r>
             <a:r>
-              <a:rPr lang="en-IN" sz="2200" dirty="0">
+              <a:rPr lang="en-IN" sz="2000" dirty="0">
                 <a:solidFill>
                   <a:srgbClr val="D3AF86"/>
                 </a:solidFill>
@@ -9919,7 +9947,7 @@
               <a:t>, "</a:t>
             </a:r>
             <a:r>
-              <a:rPr lang="en-IN" sz="2200" dirty="0">
+              <a:rPr lang="en-IN" sz="2000" dirty="0">
                 <a:solidFill>
                   <a:srgbClr val="889B4A"/>
                 </a:solidFill>
@@ -9928,7 +9956,7 @@
               <a:t>Saleel</a:t>
             </a:r>
             <a:r>
-              <a:rPr lang="en-IN" sz="2200" dirty="0">
+              <a:rPr lang="en-IN" sz="2000" dirty="0">
                 <a:solidFill>
                   <a:srgbClr val="D3AF86"/>
                 </a:solidFill>
@@ -9937,7 +9965,7 @@
               <a:t>", </a:t>
             </a:r>
             <a:r>
-              <a:rPr lang="en-IN" sz="2200" dirty="0">
+              <a:rPr lang="en-IN" sz="2000" dirty="0">
                 <a:solidFill>
                   <a:srgbClr val="F79A32"/>
                 </a:solidFill>
@@ -9946,7 +9974,7 @@
               <a:t>true</a:t>
             </a:r>
             <a:r>
-              <a:rPr lang="en-IN" sz="2200" dirty="0">
+              <a:rPr lang="en-IN" sz="2000" dirty="0">
                 <a:solidFill>
                   <a:srgbClr val="D3AF86"/>
                 </a:solidFill>
@@ -9954,7 +9982,7 @@
               </a:rPr>
               <a:t>];</a:t>
             </a:r>
-            <a:endParaRPr lang="en-IN" sz="2200" b="0" dirty="0">
+            <a:endParaRPr lang="en-IN" sz="2000" b="0" dirty="0">
               <a:solidFill>
                 <a:srgbClr val="D3AF86"/>
               </a:solidFill>
@@ -9973,7 +10001,7 @@
         <p:spPr>
           <a:xfrm>
             <a:off x="114300" y="1787604"/>
-            <a:ext cx="8775700" cy="1107996"/>
+            <a:ext cx="8775700" cy="1015663"/>
           </a:xfrm>
           <a:prstGeom prst="rect">
             <a:avLst/>
@@ -9986,7 +10014,7 @@
           <a:lstStyle/>
           <a:p>
             <a:r>
-              <a:rPr lang="en-IN" sz="2200" dirty="0">
+              <a:rPr lang="en-IN" sz="2000" dirty="0">
                 <a:solidFill>
                   <a:srgbClr val="98676A"/>
                 </a:solidFill>
@@ -9995,7 +10023,7 @@
               <a:t>let</a:t>
             </a:r>
             <a:r>
-              <a:rPr lang="en-IN" sz="2200" dirty="0">
+              <a:rPr lang="en-IN" sz="2000" dirty="0">
                 <a:solidFill>
                   <a:srgbClr val="D3AF86"/>
                 </a:solidFill>
@@ -10004,7 +10032,7 @@
               <a:t> </a:t>
             </a:r>
             <a:r>
-              <a:rPr lang="en-IN" sz="2200" dirty="0">
+              <a:rPr lang="en-IN" sz="2000" dirty="0">
                 <a:solidFill>
                   <a:srgbClr val="DC3958"/>
                 </a:solidFill>
@@ -10013,7 +10041,7 @@
               <a:t>Color</a:t>
             </a:r>
             <a:r>
-              <a:rPr lang="en-IN" sz="2200" dirty="0">
+              <a:rPr lang="en-IN" sz="2000" dirty="0">
                 <a:solidFill>
                   <a:srgbClr val="D3AF86"/>
                 </a:solidFill>
@@ -10022,7 +10050,7 @@
               <a:t> : any = </a:t>
             </a:r>
             <a:r>
-              <a:rPr lang="en-IN" sz="2200" dirty="0">
+              <a:rPr lang="en-IN" sz="2000" dirty="0">
                 <a:solidFill>
                   <a:srgbClr val="F79A32"/>
                 </a:solidFill>
@@ -10031,7 +10059,7 @@
               <a:t>4</a:t>
             </a:r>
             <a:r>
-              <a:rPr lang="en-IN" sz="2200" dirty="0">
+              <a:rPr lang="en-IN" sz="2000" dirty="0">
                 <a:solidFill>
                   <a:srgbClr val="D3AF86"/>
                 </a:solidFill>
@@ -10040,7 +10068,7 @@
               <a:t>; </a:t>
             </a:r>
             <a:r>
-              <a:rPr lang="en-IN" sz="2200" dirty="0">
+              <a:rPr lang="en-IN" sz="2000" dirty="0">
                 <a:solidFill>
                   <a:srgbClr val="D6F901"/>
                 </a:solidFill>
@@ -10051,7 +10079,7 @@
           </a:p>
           <a:p>
             <a:r>
-              <a:rPr lang="en-IN" sz="2200" dirty="0">
+              <a:rPr lang="en-IN" sz="2000" dirty="0">
                 <a:solidFill>
                   <a:srgbClr val="DC3958"/>
                 </a:solidFill>
@@ -10060,7 +10088,7 @@
               <a:t>Color</a:t>
             </a:r>
             <a:r>
-              <a:rPr lang="en-IN" sz="2200" dirty="0">
+              <a:rPr lang="en-IN" sz="2000" dirty="0">
                 <a:solidFill>
                   <a:srgbClr val="D3AF86"/>
                 </a:solidFill>
@@ -10069,7 +10097,7 @@
               <a:t> = "</a:t>
             </a:r>
             <a:r>
-              <a:rPr lang="en-IN" sz="2200" dirty="0">
+              <a:rPr lang="en-IN" sz="2000" dirty="0">
                 <a:solidFill>
                   <a:srgbClr val="889B4A"/>
                 </a:solidFill>
@@ -10078,7 +10106,7 @@
               <a:t>maybe a string instead</a:t>
             </a:r>
             <a:r>
-              <a:rPr lang="en-IN" sz="2200" dirty="0">
+              <a:rPr lang="en-IN" sz="2000" dirty="0">
                 <a:solidFill>
                   <a:srgbClr val="D3AF86"/>
                 </a:solidFill>
@@ -10087,7 +10115,7 @@
               <a:t>"; </a:t>
             </a:r>
             <a:r>
-              <a:rPr lang="en-IN" sz="2200" dirty="0">
+              <a:rPr lang="en-IN" sz="2000" dirty="0">
                 <a:solidFill>
                   <a:srgbClr val="D6F901"/>
                 </a:solidFill>
@@ -10098,7 +10126,7 @@
           </a:p>
           <a:p>
             <a:r>
-              <a:rPr lang="en-IN" sz="2200" dirty="0">
+              <a:rPr lang="en-IN" sz="2000" dirty="0">
                 <a:solidFill>
                   <a:srgbClr val="DC3958"/>
                 </a:solidFill>
@@ -10107,7 +10135,7 @@
               <a:t>Color</a:t>
             </a:r>
             <a:r>
-              <a:rPr lang="en-IN" sz="2200" dirty="0">
+              <a:rPr lang="en-IN" sz="2000" dirty="0">
                 <a:solidFill>
                   <a:srgbClr val="D3AF86"/>
                 </a:solidFill>
@@ -10116,7 +10144,7 @@
               <a:t> = </a:t>
             </a:r>
             <a:r>
-              <a:rPr lang="en-IN" sz="2200" dirty="0">
+              <a:rPr lang="en-IN" sz="2000" dirty="0">
                 <a:solidFill>
                   <a:srgbClr val="F79A32"/>
                 </a:solidFill>
@@ -10125,7 +10153,7 @@
               <a:t>false</a:t>
             </a:r>
             <a:r>
-              <a:rPr lang="en-IN" sz="2200" dirty="0">
+              <a:rPr lang="en-IN" sz="2000" dirty="0">
                 <a:solidFill>
                   <a:srgbClr val="D3AF86"/>
                 </a:solidFill>
@@ -10134,7 +10162,7 @@
               <a:t>; </a:t>
             </a:r>
             <a:r>
-              <a:rPr lang="en-IN" sz="2200" dirty="0">
+              <a:rPr lang="en-IN" sz="2000" dirty="0">
                 <a:solidFill>
                   <a:srgbClr val="D6F901"/>
                 </a:solidFill>
@@ -10142,7 +10170,7 @@
               </a:rPr>
               <a:t>// okay, definitely a boolean.</a:t>
             </a:r>
-            <a:endParaRPr lang="en-IN" sz="2200" b="0" dirty="0">
+            <a:endParaRPr lang="en-IN" sz="2000" b="0" dirty="0">
               <a:solidFill>
                 <a:srgbClr val="D6F901"/>
               </a:solidFill>
@@ -10390,7 +10418,7 @@
         <p:spPr>
           <a:xfrm>
             <a:off x="228600" y="1755557"/>
-            <a:ext cx="8686800" cy="2462213"/>
+            <a:ext cx="8686800" cy="2246769"/>
           </a:xfrm>
           <a:prstGeom prst="rect">
             <a:avLst/>
@@ -10403,7 +10431,7 @@
           <a:lstStyle/>
           <a:p>
             <a:r>
-              <a:rPr lang="en-IN" sz="2200" dirty="0">
+              <a:rPr lang="en-IN" sz="2000" dirty="0">
                 <a:solidFill>
                   <a:srgbClr val="98676A"/>
                 </a:solidFill>
@@ -10412,7 +10440,7 @@
               <a:t>const</a:t>
             </a:r>
             <a:r>
-              <a:rPr lang="en-IN" sz="2200" dirty="0">
+              <a:rPr lang="en-IN" sz="2000" dirty="0">
                 <a:solidFill>
                   <a:srgbClr val="D3AF86"/>
                 </a:solidFill>
@@ -10421,7 +10449,7 @@
               <a:t> </a:t>
             </a:r>
             <a:r>
-              <a:rPr lang="en-IN" sz="2200" dirty="0">
+              <a:rPr lang="en-IN" sz="2000" dirty="0">
                 <a:solidFill>
                   <a:srgbClr val="DC3958"/>
                 </a:solidFill>
@@ -10430,7 +10458,7 @@
               <a:t>a</a:t>
             </a:r>
             <a:r>
-              <a:rPr lang="en-IN" sz="2200" dirty="0">
+              <a:rPr lang="en-IN" sz="2000" dirty="0">
                 <a:solidFill>
                   <a:srgbClr val="D3AF86"/>
                 </a:solidFill>
@@ -10441,7 +10469,7 @@
           </a:p>
           <a:p>
             <a:r>
-              <a:rPr lang="en-IN" sz="2200" dirty="0">
+              <a:rPr lang="en-IN" sz="2000" dirty="0">
                 <a:solidFill>
                   <a:srgbClr val="98676A"/>
                 </a:solidFill>
@@ -10450,7 +10478,7 @@
               <a:t>const</a:t>
             </a:r>
             <a:r>
-              <a:rPr lang="en-IN" sz="2200" dirty="0">
+              <a:rPr lang="en-IN" sz="2000" dirty="0">
                 <a:solidFill>
                   <a:srgbClr val="D3AF86"/>
                 </a:solidFill>
@@ -10459,7 +10487,7 @@
               <a:t> </a:t>
             </a:r>
             <a:r>
-              <a:rPr lang="en-IN" sz="2200" dirty="0">
+              <a:rPr lang="en-IN" sz="2000" dirty="0">
                 <a:solidFill>
                   <a:srgbClr val="DC3958"/>
                 </a:solidFill>
@@ -10468,7 +10496,7 @@
               <a:t>a</a:t>
             </a:r>
             <a:r>
-              <a:rPr lang="en-IN" sz="2200" dirty="0">
+              <a:rPr lang="en-IN" sz="2000" dirty="0">
                 <a:solidFill>
                   <a:srgbClr val="D3AF86"/>
                 </a:solidFill>
@@ -10477,7 +10505,7 @@
               <a:t>: undefined = </a:t>
             </a:r>
             <a:r>
-              <a:rPr lang="en-IN" sz="2200" dirty="0">
+              <a:rPr lang="en-IN" sz="2000" dirty="0">
                 <a:solidFill>
                   <a:srgbClr val="F79A32"/>
                 </a:solidFill>
@@ -10486,7 +10514,7 @@
               <a:t>undefined</a:t>
             </a:r>
             <a:r>
-              <a:rPr lang="en-IN" sz="2200" dirty="0">
+              <a:rPr lang="en-IN" sz="2000" dirty="0">
                 <a:solidFill>
                   <a:srgbClr val="D3AF86"/>
                 </a:solidFill>
@@ -10497,7 +10525,7 @@
           </a:p>
           <a:p>
             <a:r>
-              <a:rPr lang="en-IN" sz="2200" dirty="0">
+              <a:rPr lang="en-IN" sz="2000" dirty="0">
                 <a:solidFill>
                   <a:srgbClr val="F06431"/>
                 </a:solidFill>
@@ -10506,7 +10534,7 @@
               <a:t>console</a:t>
             </a:r>
             <a:r>
-              <a:rPr lang="en-IN" sz="2200" dirty="0">
+              <a:rPr lang="en-IN" sz="2000" dirty="0">
                 <a:solidFill>
                   <a:srgbClr val="D3AF86"/>
                 </a:solidFill>
@@ -10515,7 +10543,7 @@
               <a:t>.</a:t>
             </a:r>
             <a:r>
-              <a:rPr lang="en-IN" sz="2200" dirty="0">
+              <a:rPr lang="en-IN" sz="2000" dirty="0">
                 <a:solidFill>
                   <a:srgbClr val="7E602C"/>
                 </a:solidFill>
@@ -10524,7 +10552,7 @@
               <a:t>log</a:t>
             </a:r>
             <a:r>
-              <a:rPr lang="en-IN" sz="2200" dirty="0">
+              <a:rPr lang="en-IN" sz="2000" dirty="0">
                 <a:solidFill>
                   <a:srgbClr val="D3AF86"/>
                 </a:solidFill>
@@ -10533,7 +10561,7 @@
               <a:t>(</a:t>
             </a:r>
             <a:r>
-              <a:rPr lang="en-IN" sz="2200" dirty="0">
+              <a:rPr lang="en-IN" sz="2000" dirty="0">
                 <a:solidFill>
                   <a:srgbClr val="DC3958"/>
                 </a:solidFill>
@@ -10542,7 +10570,7 @@
               <a:t>a</a:t>
             </a:r>
             <a:r>
-              <a:rPr lang="en-IN" sz="2200" dirty="0">
+              <a:rPr lang="en-IN" sz="2000" dirty="0">
                 <a:solidFill>
                   <a:srgbClr val="D3AF86"/>
                 </a:solidFill>
@@ -10553,7 +10581,7 @@
           </a:p>
           <a:p>
             <a:r>
-              <a:rPr lang="en-IN" sz="2200" dirty="0">
+              <a:rPr lang="en-IN" sz="2000" dirty="0">
                 <a:solidFill>
                   <a:srgbClr val="D3AF86"/>
                 </a:solidFill>
@@ -10562,7 +10590,7 @@
               <a:t/>
             </a:r>
             <a:br>
-              <a:rPr lang="en-IN" sz="2200" dirty="0">
+              <a:rPr lang="en-IN" sz="2000" dirty="0">
                 <a:solidFill>
                   <a:srgbClr val="D3AF86"/>
                 </a:solidFill>
@@ -10570,7 +10598,7 @@
               </a:rPr>
             </a:br>
             <a:r>
-              <a:rPr lang="en-IN" sz="2200" dirty="0">
+              <a:rPr lang="en-IN" sz="2000" dirty="0">
                 <a:solidFill>
                   <a:srgbClr val="98676A"/>
                 </a:solidFill>
@@ -10579,7 +10607,7 @@
               <a:t>const</a:t>
             </a:r>
             <a:r>
-              <a:rPr lang="en-IN" sz="2200" dirty="0">
+              <a:rPr lang="en-IN" sz="2000" dirty="0">
                 <a:solidFill>
                   <a:srgbClr val="D3AF86"/>
                 </a:solidFill>
@@ -10588,7 +10616,7 @@
               <a:t> </a:t>
             </a:r>
             <a:r>
-              <a:rPr lang="en-IN" sz="2200" dirty="0">
+              <a:rPr lang="en-IN" sz="2000" dirty="0">
                 <a:solidFill>
                   <a:srgbClr val="DC3958"/>
                 </a:solidFill>
@@ -10597,7 +10625,7 @@
               <a:t>b</a:t>
             </a:r>
             <a:r>
-              <a:rPr lang="en-IN" sz="2200" dirty="0">
+              <a:rPr lang="en-IN" sz="2000" dirty="0">
                 <a:solidFill>
                   <a:srgbClr val="D3AF86"/>
                 </a:solidFill>
@@ -10608,7 +10636,7 @@
           </a:p>
           <a:p>
             <a:r>
-              <a:rPr lang="en-IN" sz="2200" dirty="0">
+              <a:rPr lang="en-IN" sz="2000" dirty="0">
                 <a:solidFill>
                   <a:srgbClr val="98676A"/>
                 </a:solidFill>
@@ -10617,7 +10645,7 @@
               <a:t>const</a:t>
             </a:r>
             <a:r>
-              <a:rPr lang="en-IN" sz="2200" dirty="0">
+              <a:rPr lang="en-IN" sz="2000" dirty="0">
                 <a:solidFill>
                   <a:srgbClr val="D3AF86"/>
                 </a:solidFill>
@@ -10626,7 +10654,7 @@
               <a:t> </a:t>
             </a:r>
             <a:r>
-              <a:rPr lang="en-IN" sz="2200" dirty="0">
+              <a:rPr lang="en-IN" sz="2000" dirty="0">
                 <a:solidFill>
                   <a:srgbClr val="DC3958"/>
                 </a:solidFill>
@@ -10635,7 +10663,7 @@
               <a:t>b</a:t>
             </a:r>
             <a:r>
-              <a:rPr lang="en-IN" sz="2200" dirty="0">
+              <a:rPr lang="en-IN" sz="2000" dirty="0">
                 <a:solidFill>
                   <a:srgbClr val="D3AF86"/>
                 </a:solidFill>
@@ -10644,7 +10672,7 @@
               <a:t>: null = </a:t>
             </a:r>
             <a:r>
-              <a:rPr lang="en-IN" sz="2200" dirty="0">
+              <a:rPr lang="en-IN" sz="2000" dirty="0">
                 <a:solidFill>
                   <a:srgbClr val="F79A32"/>
                 </a:solidFill>
@@ -10653,7 +10681,7 @@
               <a:t>null</a:t>
             </a:r>
             <a:r>
-              <a:rPr lang="en-IN" sz="2200" dirty="0">
+              <a:rPr lang="en-IN" sz="2000" dirty="0">
                 <a:solidFill>
                   <a:srgbClr val="D3AF86"/>
                 </a:solidFill>
@@ -10664,7 +10692,7 @@
           </a:p>
           <a:p>
             <a:r>
-              <a:rPr lang="en-IN" sz="2200" dirty="0">
+              <a:rPr lang="en-IN" sz="2000" dirty="0">
                 <a:solidFill>
                   <a:srgbClr val="F06431"/>
                 </a:solidFill>
@@ -10673,7 +10701,7 @@
               <a:t>console</a:t>
             </a:r>
             <a:r>
-              <a:rPr lang="en-IN" sz="2200" dirty="0">
+              <a:rPr lang="en-IN" sz="2000" dirty="0">
                 <a:solidFill>
                   <a:srgbClr val="D3AF86"/>
                 </a:solidFill>
@@ -10682,7 +10710,7 @@
               <a:t>.</a:t>
             </a:r>
             <a:r>
-              <a:rPr lang="en-IN" sz="2200" dirty="0">
+              <a:rPr lang="en-IN" sz="2000" dirty="0">
                 <a:solidFill>
                   <a:srgbClr val="7E602C"/>
                 </a:solidFill>
@@ -10691,7 +10719,7 @@
               <a:t>log</a:t>
             </a:r>
             <a:r>
-              <a:rPr lang="en-IN" sz="2200" dirty="0">
+              <a:rPr lang="en-IN" sz="2000" dirty="0">
                 <a:solidFill>
                   <a:srgbClr val="D3AF86"/>
                 </a:solidFill>
@@ -10700,7 +10728,7 @@
               <a:t>(</a:t>
             </a:r>
             <a:r>
-              <a:rPr lang="en-IN" sz="2200" dirty="0">
+              <a:rPr lang="en-IN" sz="2000" dirty="0">
                 <a:solidFill>
                   <a:srgbClr val="DC3958"/>
                 </a:solidFill>
@@ -10709,7 +10737,7 @@
               <a:t>b</a:t>
             </a:r>
             <a:r>
-              <a:rPr lang="en-IN" sz="2200" dirty="0">
+              <a:rPr lang="en-IN" sz="2000" dirty="0">
                 <a:solidFill>
                   <a:srgbClr val="D3AF86"/>
                 </a:solidFill>
@@ -10717,7 +10745,7 @@
               </a:rPr>
               <a:t>);</a:t>
             </a:r>
-            <a:endParaRPr lang="en-IN" sz="2200" b="0" dirty="0">
+            <a:endParaRPr lang="en-IN" sz="2000" b="0" dirty="0">
               <a:solidFill>
                 <a:srgbClr val="D3AF86"/>
               </a:solidFill>
@@ -12346,7 +12374,7 @@
         <p:spPr>
           <a:xfrm>
             <a:off x="114300" y="3048000"/>
-            <a:ext cx="8801100" cy="1446550"/>
+            <a:ext cx="8801100" cy="1323439"/>
           </a:xfrm>
           <a:prstGeom prst="rect">
             <a:avLst/>
@@ -12359,7 +12387,7 @@
           <a:lstStyle/>
           <a:p>
             <a:r>
-              <a:rPr lang="en-IN" sz="2200" dirty="0">
+              <a:rPr lang="en-IN" sz="2000" dirty="0">
                 <a:solidFill>
                   <a:srgbClr val="98676A"/>
                 </a:solidFill>
@@ -12368,7 +12396,7 @@
               <a:t>function</a:t>
             </a:r>
             <a:r>
-              <a:rPr lang="en-IN" sz="2200" dirty="0">
+              <a:rPr lang="en-IN" sz="2000" dirty="0">
                 <a:solidFill>
                   <a:srgbClr val="D3AF86"/>
                 </a:solidFill>
@@ -12377,7 +12405,7 @@
               <a:t> </a:t>
             </a:r>
             <a:r>
-              <a:rPr lang="en-IN" sz="2200" dirty="0">
+              <a:rPr lang="en-IN" sz="2000" dirty="0">
                 <a:solidFill>
                   <a:srgbClr val="8AB1B0"/>
                 </a:solidFill>
@@ -12386,7 +12414,7 @@
               <a:t>fn</a:t>
             </a:r>
             <a:r>
-              <a:rPr lang="en-IN" sz="2200" dirty="0">
+              <a:rPr lang="en-IN" sz="2000" dirty="0">
                 <a:solidFill>
                   <a:srgbClr val="D3AF86"/>
                 </a:solidFill>
@@ -12397,7 +12425,7 @@
           </a:p>
           <a:p>
             <a:r>
-              <a:rPr lang="en-IN" sz="2200" dirty="0" smtClean="0">
+              <a:rPr lang="en-IN" sz="2000" dirty="0" smtClean="0">
                 <a:solidFill>
                   <a:srgbClr val="F06431"/>
                 </a:solidFill>
@@ -12406,7 +12434,7 @@
               <a:t>    console</a:t>
             </a:r>
             <a:r>
-              <a:rPr lang="en-IN" sz="2200" dirty="0" smtClean="0">
+              <a:rPr lang="en-IN" sz="2000" dirty="0" smtClean="0">
                 <a:solidFill>
                   <a:srgbClr val="D3AF86"/>
                 </a:solidFill>
@@ -12415,7 +12443,7 @@
               <a:t>.</a:t>
             </a:r>
             <a:r>
-              <a:rPr lang="en-IN" sz="2200" dirty="0" smtClean="0">
+              <a:rPr lang="en-IN" sz="2000" dirty="0" smtClean="0">
                 <a:solidFill>
                   <a:srgbClr val="7E602C"/>
                 </a:solidFill>
@@ -12424,7 +12452,7 @@
               <a:t>log</a:t>
             </a:r>
             <a:r>
-              <a:rPr lang="en-IN" sz="2200" dirty="0">
+              <a:rPr lang="en-IN" sz="2000" dirty="0">
                 <a:solidFill>
                   <a:srgbClr val="D3AF86"/>
                 </a:solidFill>
@@ -12433,7 +12461,7 @@
               <a:t>("</a:t>
             </a:r>
             <a:r>
-              <a:rPr lang="en-IN" sz="2200" dirty="0">
+              <a:rPr lang="en-IN" sz="2000" dirty="0">
                 <a:solidFill>
                   <a:srgbClr val="889B4A"/>
                 </a:solidFill>
@@ -12442,7 +12470,7 @@
               <a:t>void function</a:t>
             </a:r>
             <a:r>
-              <a:rPr lang="en-IN" sz="2200" dirty="0">
+              <a:rPr lang="en-IN" sz="2000" dirty="0">
                 <a:solidFill>
                   <a:srgbClr val="D3AF86"/>
                 </a:solidFill>
@@ -12453,7 +12481,7 @@
           </a:p>
           <a:p>
             <a:r>
-              <a:rPr lang="en-IN" sz="2200" dirty="0">
+              <a:rPr lang="en-IN" sz="2000" dirty="0">
                 <a:solidFill>
                   <a:srgbClr val="D3AF86"/>
                 </a:solidFill>
@@ -12464,7 +12492,7 @@
           </a:p>
           <a:p>
             <a:r>
-              <a:rPr lang="en-IN" sz="2200" dirty="0">
+              <a:rPr lang="en-IN" sz="2000" dirty="0">
                 <a:solidFill>
                   <a:srgbClr val="8AB1B0"/>
                 </a:solidFill>
@@ -12473,7 +12501,7 @@
               <a:t>fn</a:t>
             </a:r>
             <a:r>
-              <a:rPr lang="en-IN" sz="2200" dirty="0">
+              <a:rPr lang="en-IN" sz="2000" dirty="0">
                 <a:solidFill>
                   <a:srgbClr val="D3AF86"/>
                 </a:solidFill>
@@ -12481,7 +12509,7 @@
               </a:rPr>
               <a:t>();</a:t>
             </a:r>
-            <a:endParaRPr lang="en-IN" sz="2200" b="0" dirty="0">
+            <a:endParaRPr lang="en-IN" sz="2000" b="0" dirty="0">
               <a:solidFill>
                 <a:srgbClr val="D3AF86"/>
               </a:solidFill>
@@ -12500,7 +12528,7 @@
         <p:spPr>
           <a:xfrm>
             <a:off x="114300" y="4648200"/>
-            <a:ext cx="8801100" cy="1446550"/>
+            <a:ext cx="8801100" cy="1323439"/>
           </a:xfrm>
           <a:prstGeom prst="rect">
             <a:avLst/>
@@ -12513,7 +12541,7 @@
           <a:lstStyle/>
           <a:p>
             <a:r>
-              <a:rPr lang="en-IN" sz="2200" dirty="0">
+              <a:rPr lang="en-IN" sz="2000" dirty="0">
                 <a:solidFill>
                   <a:srgbClr val="98676A"/>
                 </a:solidFill>
@@ -12522,7 +12550,7 @@
               <a:t>function</a:t>
             </a:r>
             <a:r>
-              <a:rPr lang="en-IN" sz="2200" dirty="0">
+              <a:rPr lang="en-IN" sz="2000" dirty="0">
                 <a:solidFill>
                   <a:srgbClr val="D3AF86"/>
                 </a:solidFill>
@@ -12531,7 +12559,7 @@
               <a:t> </a:t>
             </a:r>
             <a:r>
-              <a:rPr lang="en-IN" sz="2200" dirty="0">
+              <a:rPr lang="en-IN" sz="2000" dirty="0">
                 <a:solidFill>
                   <a:srgbClr val="8AB1B0"/>
                 </a:solidFill>
@@ -12540,7 +12568,7 @@
               <a:t>fn</a:t>
             </a:r>
             <a:r>
-              <a:rPr lang="en-IN" sz="2200" dirty="0">
+              <a:rPr lang="en-IN" sz="2000" dirty="0">
                 <a:solidFill>
                   <a:srgbClr val="D3AF86"/>
                 </a:solidFill>
@@ -12551,7 +12579,7 @@
           </a:p>
           <a:p>
             <a:r>
-              <a:rPr lang="en-IN" sz="2200" dirty="0" smtClean="0">
+              <a:rPr lang="en-IN" sz="2000" dirty="0" smtClean="0">
                 <a:solidFill>
                   <a:srgbClr val="98676A"/>
                 </a:solidFill>
@@ -12560,7 +12588,7 @@
               <a:t>    return</a:t>
             </a:r>
             <a:r>
-              <a:rPr lang="en-IN" sz="2200" dirty="0" smtClean="0">
+              <a:rPr lang="en-IN" sz="2000" dirty="0" smtClean="0">
                 <a:solidFill>
                   <a:srgbClr val="D3AF86"/>
                 </a:solidFill>
@@ -12569,7 +12597,7 @@
               <a:t> </a:t>
             </a:r>
             <a:r>
-              <a:rPr lang="en-IN" sz="2200" dirty="0">
+              <a:rPr lang="en-IN" sz="2000" dirty="0">
                 <a:solidFill>
                   <a:srgbClr val="D3AF86"/>
                 </a:solidFill>
@@ -12578,7 +12606,7 @@
               <a:t>void </a:t>
             </a:r>
             <a:r>
-              <a:rPr lang="en-IN" sz="2200" dirty="0">
+              <a:rPr lang="en-IN" sz="2000" dirty="0">
                 <a:solidFill>
                   <a:srgbClr val="F79A32"/>
                 </a:solidFill>
@@ -12587,7 +12615,7 @@
               <a:t>0</a:t>
             </a:r>
             <a:r>
-              <a:rPr lang="en-IN" sz="2200" dirty="0">
+              <a:rPr lang="en-IN" sz="2000" dirty="0">
                 <a:solidFill>
                   <a:srgbClr val="D3AF86"/>
                 </a:solidFill>
@@ -12598,7 +12626,7 @@
           </a:p>
           <a:p>
             <a:r>
-              <a:rPr lang="en-IN" sz="2200" dirty="0">
+              <a:rPr lang="en-IN" sz="2000" dirty="0">
                 <a:solidFill>
                   <a:srgbClr val="D3AF86"/>
                 </a:solidFill>
@@ -12609,7 +12637,7 @@
           </a:p>
           <a:p>
             <a:r>
-              <a:rPr lang="en-IN" sz="2200" dirty="0">
+              <a:rPr lang="en-IN" sz="2000" dirty="0">
                 <a:solidFill>
                   <a:srgbClr val="F06431"/>
                 </a:solidFill>
@@ -12618,7 +12646,7 @@
               <a:t>console</a:t>
             </a:r>
             <a:r>
-              <a:rPr lang="en-IN" sz="2200" dirty="0">
+              <a:rPr lang="en-IN" sz="2000" dirty="0">
                 <a:solidFill>
                   <a:srgbClr val="D3AF86"/>
                 </a:solidFill>
@@ -12627,7 +12655,7 @@
               <a:t>.</a:t>
             </a:r>
             <a:r>
-              <a:rPr lang="en-IN" sz="2200" dirty="0">
+              <a:rPr lang="en-IN" sz="2000" dirty="0">
                 <a:solidFill>
                   <a:srgbClr val="7E602C"/>
                 </a:solidFill>
@@ -12636,7 +12664,7 @@
               <a:t>log</a:t>
             </a:r>
             <a:r>
-              <a:rPr lang="en-IN" sz="2200" dirty="0">
+              <a:rPr lang="en-IN" sz="2000" dirty="0">
                 <a:solidFill>
                   <a:srgbClr val="D3AF86"/>
                 </a:solidFill>
@@ -12645,7 +12673,7 @@
               <a:t>(</a:t>
             </a:r>
             <a:r>
-              <a:rPr lang="en-IN" sz="2200" dirty="0">
+              <a:rPr lang="en-IN" sz="2000" dirty="0">
                 <a:solidFill>
                   <a:srgbClr val="8AB1B0"/>
                 </a:solidFill>
@@ -12654,7 +12682,7 @@
               <a:t>fn</a:t>
             </a:r>
             <a:r>
-              <a:rPr lang="en-IN" sz="2200" dirty="0">
+              <a:rPr lang="en-IN" sz="2000" dirty="0">
                 <a:solidFill>
                   <a:srgbClr val="D3AF86"/>
                 </a:solidFill>
@@ -12662,7 +12690,7 @@
               </a:rPr>
               <a:t>());</a:t>
             </a:r>
-            <a:endParaRPr lang="en-IN" sz="2200" b="0" dirty="0">
+            <a:endParaRPr lang="en-IN" sz="2000" b="0" dirty="0">
               <a:solidFill>
                 <a:srgbClr val="D3AF86"/>
               </a:solidFill>
@@ -13092,7 +13120,7 @@
         <p:spPr>
           <a:xfrm>
             <a:off x="228600" y="2768263"/>
-            <a:ext cx="8610600" cy="3139321"/>
+            <a:ext cx="8610600" cy="2862322"/>
           </a:xfrm>
           <a:prstGeom prst="rect">
             <a:avLst/>
@@ -13105,7 +13133,7 @@
           <a:lstStyle/>
           <a:p>
             <a:r>
-              <a:rPr lang="en-IN" sz="2200" dirty="0">
+              <a:rPr lang="en-IN" sz="2000" dirty="0">
                 <a:solidFill>
                   <a:srgbClr val="98676A"/>
                 </a:solidFill>
@@ -13114,7 +13142,7 @@
               <a:t>function</a:t>
             </a:r>
             <a:r>
-              <a:rPr lang="en-IN" sz="2200" dirty="0">
+              <a:rPr lang="en-IN" sz="2000" dirty="0">
                 <a:solidFill>
                   <a:srgbClr val="D3AF86"/>
                 </a:solidFill>
@@ -13123,7 +13151,7 @@
               <a:t> </a:t>
             </a:r>
             <a:r>
-              <a:rPr lang="en-IN" sz="2200" dirty="0">
+              <a:rPr lang="en-IN" sz="2000" dirty="0">
                 <a:solidFill>
                   <a:srgbClr val="8AB1B0"/>
                 </a:solidFill>
@@ -13132,7 +13160,7 @@
               <a:t>fn</a:t>
             </a:r>
             <a:r>
-              <a:rPr lang="en-IN" sz="2200" dirty="0">
+              <a:rPr lang="en-IN" sz="2000" dirty="0">
                 <a:solidFill>
                   <a:srgbClr val="D3AF86"/>
                 </a:solidFill>
@@ -13141,7 +13169,7 @@
               <a:t>(</a:t>
             </a:r>
             <a:r>
-              <a:rPr lang="en-IN" sz="2200" dirty="0">
+              <a:rPr lang="en-IN" sz="2000" dirty="0">
                 <a:solidFill>
                   <a:srgbClr val="DC3958"/>
                 </a:solidFill>
@@ -13150,7 +13178,7 @@
               <a:t>x</a:t>
             </a:r>
             <a:r>
-              <a:rPr lang="en-IN" sz="2200" dirty="0">
+              <a:rPr lang="en-IN" sz="2000" dirty="0">
                 <a:solidFill>
                   <a:srgbClr val="D3AF86"/>
                 </a:solidFill>
@@ -13159,7 +13187,7 @@
               <a:t>: number, </a:t>
             </a:r>
             <a:r>
-              <a:rPr lang="en-IN" sz="2200" dirty="0">
+              <a:rPr lang="en-IN" sz="2000" dirty="0">
                 <a:solidFill>
                   <a:srgbClr val="DC3958"/>
                 </a:solidFill>
@@ -13168,7 +13196,7 @@
               <a:t>y</a:t>
             </a:r>
             <a:r>
-              <a:rPr lang="en-IN" sz="2200" dirty="0">
+              <a:rPr lang="en-IN" sz="2000" dirty="0">
                 <a:solidFill>
                   <a:srgbClr val="D3AF86"/>
                 </a:solidFill>
@@ -13179,7 +13207,7 @@
           </a:p>
           <a:p>
             <a:r>
-              <a:rPr lang="en-IN" sz="2200" dirty="0" smtClean="0">
+              <a:rPr lang="en-IN" sz="2000" dirty="0" smtClean="0">
                 <a:solidFill>
                   <a:srgbClr val="98676A"/>
                 </a:solidFill>
@@ -13188,7 +13216,7 @@
               <a:t>    if</a:t>
             </a:r>
             <a:r>
-              <a:rPr lang="en-IN" sz="2200" dirty="0" smtClean="0">
+              <a:rPr lang="en-IN" sz="2000" dirty="0" smtClean="0">
                 <a:solidFill>
                   <a:srgbClr val="D3AF86"/>
                 </a:solidFill>
@@ -13197,7 +13225,7 @@
               <a:t> </a:t>
             </a:r>
             <a:r>
-              <a:rPr lang="en-IN" sz="2200" dirty="0">
+              <a:rPr lang="en-IN" sz="2000" dirty="0">
                 <a:solidFill>
                   <a:srgbClr val="D3AF86"/>
                 </a:solidFill>
@@ -13206,7 +13234,7 @@
               <a:t>(</a:t>
             </a:r>
             <a:r>
-              <a:rPr lang="en-IN" sz="2200" dirty="0">
+              <a:rPr lang="en-IN" sz="2000" dirty="0">
                 <a:solidFill>
                   <a:srgbClr val="DC3958"/>
                 </a:solidFill>
@@ -13215,7 +13243,7 @@
               <a:t>x</a:t>
             </a:r>
             <a:r>
-              <a:rPr lang="en-IN" sz="2200" dirty="0">
+              <a:rPr lang="en-IN" sz="2000" dirty="0">
                 <a:solidFill>
                   <a:srgbClr val="D3AF86"/>
                 </a:solidFill>
@@ -13224,7 +13252,7 @@
               <a:t> == </a:t>
             </a:r>
             <a:r>
-              <a:rPr lang="en-IN" sz="2200" dirty="0">
+              <a:rPr lang="en-IN" sz="2000" dirty="0">
                 <a:solidFill>
                   <a:srgbClr val="F79A32"/>
                 </a:solidFill>
@@ -13233,7 +13261,7 @@
               <a:t>10</a:t>
             </a:r>
             <a:r>
-              <a:rPr lang="en-IN" sz="2200" dirty="0">
+              <a:rPr lang="en-IN" sz="2000" dirty="0">
                 <a:solidFill>
                   <a:srgbClr val="D3AF86"/>
                 </a:solidFill>
@@ -13244,7 +13272,7 @@
           </a:p>
           <a:p>
             <a:r>
-              <a:rPr lang="en-IN" sz="2200" dirty="0" smtClean="0">
+              <a:rPr lang="en-IN" sz="2000" dirty="0" smtClean="0">
                 <a:solidFill>
                   <a:srgbClr val="98676A"/>
                 </a:solidFill>
@@ -13253,7 +13281,7 @@
               <a:t>        return</a:t>
             </a:r>
             <a:r>
-              <a:rPr lang="en-IN" sz="2200" dirty="0" smtClean="0">
+              <a:rPr lang="en-IN" sz="2000" dirty="0" smtClean="0">
                 <a:solidFill>
                   <a:srgbClr val="D3AF86"/>
                 </a:solidFill>
@@ -13262,7 +13290,7 @@
               <a:t> </a:t>
             </a:r>
             <a:r>
-              <a:rPr lang="en-IN" sz="2200" dirty="0">
+              <a:rPr lang="en-IN" sz="2000" dirty="0">
                 <a:solidFill>
                   <a:srgbClr val="D3AF86"/>
                 </a:solidFill>
@@ -13271,7 +13299,7 @@
               <a:t>('</a:t>
             </a:r>
             <a:r>
-              <a:rPr lang="en-IN" sz="2200" dirty="0">
+              <a:rPr lang="en-IN" sz="2000" dirty="0">
                 <a:solidFill>
                   <a:srgbClr val="889B4A"/>
                 </a:solidFill>
@@ -13280,7 +13308,7 @@
               <a:t>saleel</a:t>
             </a:r>
             <a:r>
-              <a:rPr lang="en-IN" sz="2200" dirty="0">
+              <a:rPr lang="en-IN" sz="2000" dirty="0">
                 <a:solidFill>
                   <a:srgbClr val="D3AF86"/>
                 </a:solidFill>
@@ -13291,7 +13319,7 @@
           </a:p>
           <a:p>
             <a:r>
-              <a:rPr lang="en-IN" sz="2200" dirty="0" smtClean="0">
+              <a:rPr lang="en-IN" sz="2000" dirty="0" smtClean="0">
                 <a:solidFill>
                   <a:srgbClr val="D3AF86"/>
                 </a:solidFill>
@@ -13299,7 +13327,7 @@
               </a:rPr>
               <a:t>    }</a:t>
             </a:r>
-            <a:endParaRPr lang="en-IN" sz="2200" dirty="0">
+            <a:endParaRPr lang="en-IN" sz="2000" dirty="0">
               <a:solidFill>
                 <a:srgbClr val="D3AF86"/>
               </a:solidFill>
@@ -13308,7 +13336,7 @@
           </a:p>
           <a:p>
             <a:r>
-              <a:rPr lang="en-IN" sz="2200" dirty="0" smtClean="0">
+              <a:rPr lang="en-IN" sz="2000" dirty="0" smtClean="0">
                 <a:solidFill>
                   <a:srgbClr val="98676A"/>
                 </a:solidFill>
@@ -13317,7 +13345,7 @@
               <a:t>    else</a:t>
             </a:r>
             <a:r>
-              <a:rPr lang="en-IN" sz="2200" dirty="0" smtClean="0">
+              <a:rPr lang="en-IN" sz="2000" dirty="0" smtClean="0">
                 <a:solidFill>
                   <a:srgbClr val="D3AF86"/>
                 </a:solidFill>
@@ -13326,7 +13354,7 @@
               <a:t> </a:t>
             </a:r>
             <a:r>
-              <a:rPr lang="en-IN" sz="2200" dirty="0">
+              <a:rPr lang="en-IN" sz="2000" dirty="0">
                 <a:solidFill>
                   <a:srgbClr val="D3AF86"/>
                 </a:solidFill>
@@ -13337,7 +13365,7 @@
           </a:p>
           <a:p>
             <a:r>
-              <a:rPr lang="en-IN" sz="2200" dirty="0" smtClean="0">
+              <a:rPr lang="en-IN" sz="2000" dirty="0" smtClean="0">
                 <a:solidFill>
                   <a:srgbClr val="98676A"/>
                 </a:solidFill>
@@ -13346,7 +13374,7 @@
               <a:t>        return</a:t>
             </a:r>
             <a:r>
-              <a:rPr lang="en-IN" sz="2200" dirty="0" smtClean="0">
+              <a:rPr lang="en-IN" sz="2000" dirty="0" smtClean="0">
                 <a:solidFill>
                   <a:srgbClr val="D3AF86"/>
                 </a:solidFill>
@@ -13355,7 +13383,7 @@
               <a:t> </a:t>
             </a:r>
             <a:r>
-              <a:rPr lang="en-IN" sz="2200" dirty="0">
+              <a:rPr lang="en-IN" sz="2000" dirty="0">
                 <a:solidFill>
                   <a:srgbClr val="D3AF86"/>
                 </a:solidFill>
@@ -13364,7 +13392,7 @@
               <a:t>(</a:t>
             </a:r>
             <a:r>
-              <a:rPr lang="en-IN" sz="2200" dirty="0">
+              <a:rPr lang="en-IN" sz="2000" dirty="0">
                 <a:solidFill>
                   <a:srgbClr val="DC3958"/>
                 </a:solidFill>
@@ -13373,7 +13401,7 @@
               <a:t>x</a:t>
             </a:r>
             <a:r>
-              <a:rPr lang="en-IN" sz="2200" dirty="0">
+              <a:rPr lang="en-IN" sz="2000" dirty="0">
                 <a:solidFill>
                   <a:srgbClr val="D3AF86"/>
                 </a:solidFill>
@@ -13382,7 +13410,7 @@
               <a:t> + </a:t>
             </a:r>
             <a:r>
-              <a:rPr lang="en-IN" sz="2200" dirty="0">
+              <a:rPr lang="en-IN" sz="2000" dirty="0">
                 <a:solidFill>
                   <a:srgbClr val="DC3958"/>
                 </a:solidFill>
@@ -13391,7 +13419,7 @@
               <a:t>y</a:t>
             </a:r>
             <a:r>
-              <a:rPr lang="en-IN" sz="2200" dirty="0">
+              <a:rPr lang="en-IN" sz="2000" dirty="0">
                 <a:solidFill>
                   <a:srgbClr val="D3AF86"/>
                 </a:solidFill>
@@ -13402,7 +13430,7 @@
           </a:p>
           <a:p>
             <a:r>
-              <a:rPr lang="en-IN" sz="2200" dirty="0" smtClean="0">
+              <a:rPr lang="en-IN" sz="2000" dirty="0" smtClean="0">
                 <a:solidFill>
                   <a:srgbClr val="D3AF86"/>
                 </a:solidFill>
@@ -13410,7 +13438,7 @@
               </a:rPr>
               <a:t>    }</a:t>
             </a:r>
-            <a:endParaRPr lang="en-IN" sz="2200" dirty="0">
+            <a:endParaRPr lang="en-IN" sz="2000" dirty="0">
               <a:solidFill>
                 <a:srgbClr val="D3AF86"/>
               </a:solidFill>
@@ -13419,7 +13447,7 @@
           </a:p>
           <a:p>
             <a:r>
-              <a:rPr lang="en-IN" sz="2200" dirty="0">
+              <a:rPr lang="en-IN" sz="2000" dirty="0">
                 <a:solidFill>
                   <a:srgbClr val="D3AF86"/>
                 </a:solidFill>
@@ -13430,7 +13458,7 @@
           </a:p>
           <a:p>
             <a:r>
-              <a:rPr lang="en-IN" sz="2200" dirty="0">
+              <a:rPr lang="en-IN" sz="2000" dirty="0">
                 <a:solidFill>
                   <a:srgbClr val="F06431"/>
                 </a:solidFill>
@@ -13439,7 +13467,7 @@
               <a:t>console</a:t>
             </a:r>
             <a:r>
-              <a:rPr lang="en-IN" sz="2200" dirty="0">
+              <a:rPr lang="en-IN" sz="2000" dirty="0">
                 <a:solidFill>
                   <a:srgbClr val="D3AF86"/>
                 </a:solidFill>
@@ -13448,7 +13476,7 @@
               <a:t>.</a:t>
             </a:r>
             <a:r>
-              <a:rPr lang="en-IN" sz="2200" dirty="0">
+              <a:rPr lang="en-IN" sz="2000" dirty="0">
                 <a:solidFill>
                   <a:srgbClr val="7E602C"/>
                 </a:solidFill>
@@ -13457,7 +13485,7 @@
               <a:t>log</a:t>
             </a:r>
             <a:r>
-              <a:rPr lang="en-IN" sz="2200" dirty="0">
+              <a:rPr lang="en-IN" sz="2000" dirty="0">
                 <a:solidFill>
                   <a:srgbClr val="D3AF86"/>
                 </a:solidFill>
@@ -13466,7 +13494,7 @@
               <a:t>(</a:t>
             </a:r>
             <a:r>
-              <a:rPr lang="en-IN" sz="2200" dirty="0">
+              <a:rPr lang="en-IN" sz="2000" dirty="0">
                 <a:solidFill>
                   <a:srgbClr val="8AB1B0"/>
                 </a:solidFill>
@@ -13475,7 +13503,7 @@
               <a:t>fn</a:t>
             </a:r>
             <a:r>
-              <a:rPr lang="en-IN" sz="2200" dirty="0">
+              <a:rPr lang="en-IN" sz="2000" dirty="0">
                 <a:solidFill>
                   <a:srgbClr val="D3AF86"/>
                 </a:solidFill>
@@ -13484,7 +13512,7 @@
               <a:t>(</a:t>
             </a:r>
             <a:r>
-              <a:rPr lang="en-IN" sz="2200" dirty="0">
+              <a:rPr lang="en-IN" sz="2000" dirty="0">
                 <a:solidFill>
                   <a:srgbClr val="F79A32"/>
                 </a:solidFill>
@@ -13493,7 +13521,7 @@
               <a:t>1</a:t>
             </a:r>
             <a:r>
-              <a:rPr lang="en-IN" sz="2200" dirty="0">
+              <a:rPr lang="en-IN" sz="2000" dirty="0">
                 <a:solidFill>
                   <a:srgbClr val="D3AF86"/>
                 </a:solidFill>
@@ -13502,7 +13530,7 @@
               <a:t>, </a:t>
             </a:r>
             <a:r>
-              <a:rPr lang="en-IN" sz="2200" dirty="0">
+              <a:rPr lang="en-IN" sz="2000" dirty="0">
                 <a:solidFill>
                   <a:srgbClr val="F79A32"/>
                 </a:solidFill>
@@ -13511,7 +13539,7 @@
               <a:t>1</a:t>
             </a:r>
             <a:r>
-              <a:rPr lang="en-IN" sz="2200" dirty="0">
+              <a:rPr lang="en-IN" sz="2000" dirty="0">
                 <a:solidFill>
                   <a:srgbClr val="D3AF86"/>
                 </a:solidFill>
@@ -13519,7 +13547,7 @@
               </a:rPr>
               <a:t>));</a:t>
             </a:r>
-            <a:endParaRPr lang="en-IN" sz="2200" b="0" dirty="0">
+            <a:endParaRPr lang="en-IN" sz="2000" b="0" dirty="0">
               <a:solidFill>
                 <a:srgbClr val="D3AF86"/>
               </a:solidFill>
@@ -13947,7 +13975,7 @@
         <p:spPr>
           <a:xfrm>
             <a:off x="114300" y="3352800"/>
-            <a:ext cx="8724900" cy="1446550"/>
+            <a:ext cx="8724900" cy="1323439"/>
           </a:xfrm>
           <a:prstGeom prst="rect">
             <a:avLst/>
@@ -13960,7 +13988,7 @@
           <a:lstStyle/>
           <a:p>
             <a:r>
-              <a:rPr lang="en-IN" sz="2200" dirty="0">
+              <a:rPr lang="en-IN" sz="2000" dirty="0">
                 <a:solidFill>
                   <a:srgbClr val="98676A"/>
                 </a:solidFill>
@@ -13969,7 +13997,7 @@
               <a:t>function</a:t>
             </a:r>
             <a:r>
-              <a:rPr lang="en-IN" sz="2200" dirty="0">
+              <a:rPr lang="en-IN" sz="2000" dirty="0">
                 <a:solidFill>
                   <a:srgbClr val="D3AF86"/>
                 </a:solidFill>
@@ -13978,7 +14006,7 @@
               <a:t> </a:t>
             </a:r>
             <a:r>
-              <a:rPr lang="en-IN" sz="2200" dirty="0">
+              <a:rPr lang="en-IN" sz="2000" dirty="0">
                 <a:solidFill>
                   <a:srgbClr val="8AB1B0"/>
                 </a:solidFill>
@@ -13987,7 +14015,7 @@
               <a:t>fn</a:t>
             </a:r>
             <a:r>
-              <a:rPr lang="en-IN" sz="2200" dirty="0">
+              <a:rPr lang="en-IN" sz="2000" dirty="0">
                 <a:solidFill>
                   <a:srgbClr val="D3AF86"/>
                 </a:solidFill>
@@ -13996,7 +14024,7 @@
               <a:t>(</a:t>
             </a:r>
             <a:r>
-              <a:rPr lang="en-IN" sz="2200" dirty="0">
+              <a:rPr lang="en-IN" sz="2000" dirty="0">
                 <a:solidFill>
                   <a:srgbClr val="DC3958"/>
                 </a:solidFill>
@@ -14005,7 +14033,7 @@
               <a:t>n1</a:t>
             </a:r>
             <a:r>
-              <a:rPr lang="en-IN" sz="2200" dirty="0">
+              <a:rPr lang="en-IN" sz="2000" dirty="0">
                 <a:solidFill>
                   <a:srgbClr val="D3AF86"/>
                 </a:solidFill>
@@ -14014,7 +14042,7 @@
               <a:t>: number, </a:t>
             </a:r>
             <a:r>
-              <a:rPr lang="en-IN" sz="2200" dirty="0">
+              <a:rPr lang="en-IN" sz="2000" dirty="0">
                 <a:solidFill>
                   <a:srgbClr val="DC3958"/>
                 </a:solidFill>
@@ -14023,7 +14051,7 @@
               <a:t>n2</a:t>
             </a:r>
             <a:r>
-              <a:rPr lang="en-IN" sz="2200" dirty="0">
+              <a:rPr lang="en-IN" sz="2000" dirty="0">
                 <a:solidFill>
                   <a:srgbClr val="D3AF86"/>
                 </a:solidFill>
@@ -14034,7 +14062,7 @@
           </a:p>
           <a:p>
             <a:r>
-              <a:rPr lang="en-IN" sz="2200" dirty="0" smtClean="0">
+              <a:rPr lang="en-IN" sz="2000" dirty="0" smtClean="0">
                 <a:solidFill>
                   <a:srgbClr val="98676A"/>
                 </a:solidFill>
@@ -14043,7 +14071,7 @@
               <a:t>    return</a:t>
             </a:r>
             <a:r>
-              <a:rPr lang="en-IN" sz="2200" dirty="0" smtClean="0">
+              <a:rPr lang="en-IN" sz="2000" dirty="0" smtClean="0">
                 <a:solidFill>
                   <a:srgbClr val="D3AF86"/>
                 </a:solidFill>
@@ -14052,7 +14080,7 @@
               <a:t> </a:t>
             </a:r>
             <a:r>
-              <a:rPr lang="en-IN" sz="2200" dirty="0">
+              <a:rPr lang="en-IN" sz="2000" dirty="0">
                 <a:solidFill>
                   <a:srgbClr val="D3AF86"/>
                 </a:solidFill>
@@ -14061,7 +14089,7 @@
               <a:t>(</a:t>
             </a:r>
             <a:r>
-              <a:rPr lang="en-IN" sz="2200" dirty="0">
+              <a:rPr lang="en-IN" sz="2000" dirty="0">
                 <a:solidFill>
                   <a:srgbClr val="DC3958"/>
                 </a:solidFill>
@@ -14070,7 +14098,7 @@
               <a:t>n1</a:t>
             </a:r>
             <a:r>
-              <a:rPr lang="en-IN" sz="2200" dirty="0">
+              <a:rPr lang="en-IN" sz="2000" dirty="0">
                 <a:solidFill>
                   <a:srgbClr val="D3AF86"/>
                 </a:solidFill>
@@ -14079,7 +14107,7 @@
               <a:t> + </a:t>
             </a:r>
             <a:r>
-              <a:rPr lang="en-IN" sz="2200" dirty="0">
+              <a:rPr lang="en-IN" sz="2000" dirty="0">
                 <a:solidFill>
                   <a:srgbClr val="DC3958"/>
                 </a:solidFill>
@@ -14088,7 +14116,7 @@
               <a:t>n2</a:t>
             </a:r>
             <a:r>
-              <a:rPr lang="en-IN" sz="2200" dirty="0">
+              <a:rPr lang="en-IN" sz="2000" dirty="0">
                 <a:solidFill>
                   <a:srgbClr val="D3AF86"/>
                 </a:solidFill>
@@ -14099,7 +14127,7 @@
           </a:p>
           <a:p>
             <a:r>
-              <a:rPr lang="en-IN" sz="2200" dirty="0">
+              <a:rPr lang="en-IN" sz="2000" dirty="0">
                 <a:solidFill>
                   <a:srgbClr val="D3AF86"/>
                 </a:solidFill>
@@ -14110,7 +14138,7 @@
           </a:p>
           <a:p>
             <a:r>
-              <a:rPr lang="en-IN" sz="2200" dirty="0">
+              <a:rPr lang="en-IN" sz="2000" dirty="0">
                 <a:solidFill>
                   <a:srgbClr val="F06431"/>
                 </a:solidFill>
@@ -14119,7 +14147,7 @@
               <a:t>console</a:t>
             </a:r>
             <a:r>
-              <a:rPr lang="en-IN" sz="2200" dirty="0">
+              <a:rPr lang="en-IN" sz="2000" dirty="0">
                 <a:solidFill>
                   <a:srgbClr val="D3AF86"/>
                 </a:solidFill>
@@ -14128,7 +14156,7 @@
               <a:t>.</a:t>
             </a:r>
             <a:r>
-              <a:rPr lang="en-IN" sz="2200" dirty="0">
+              <a:rPr lang="en-IN" sz="2000" dirty="0">
                 <a:solidFill>
                   <a:srgbClr val="7E602C"/>
                 </a:solidFill>
@@ -14137,7 +14165,7 @@
               <a:t>log</a:t>
             </a:r>
             <a:r>
-              <a:rPr lang="en-IN" sz="2200" dirty="0">
+              <a:rPr lang="en-IN" sz="2000" dirty="0">
                 <a:solidFill>
                   <a:srgbClr val="D3AF86"/>
                 </a:solidFill>
@@ -14146,7 +14174,7 @@
               <a:t>(</a:t>
             </a:r>
             <a:r>
-              <a:rPr lang="en-IN" sz="2200" dirty="0">
+              <a:rPr lang="en-IN" sz="2000" dirty="0">
                 <a:solidFill>
                   <a:srgbClr val="8AB1B0"/>
                 </a:solidFill>
@@ -14155,7 +14183,7 @@
               <a:t>fn</a:t>
             </a:r>
             <a:r>
-              <a:rPr lang="en-IN" sz="2200" dirty="0">
+              <a:rPr lang="en-IN" sz="2000" dirty="0">
                 <a:solidFill>
                   <a:srgbClr val="D3AF86"/>
                 </a:solidFill>
@@ -14164,7 +14192,7 @@
               <a:t>(</a:t>
             </a:r>
             <a:r>
-              <a:rPr lang="en-IN" sz="2200" dirty="0">
+              <a:rPr lang="en-IN" sz="2000" dirty="0">
                 <a:solidFill>
                   <a:srgbClr val="F79A32"/>
                 </a:solidFill>
@@ -14173,7 +14201,7 @@
               <a:t>10</a:t>
             </a:r>
             <a:r>
-              <a:rPr lang="en-IN" sz="2200" dirty="0">
+              <a:rPr lang="en-IN" sz="2000" dirty="0">
                 <a:solidFill>
                   <a:srgbClr val="D3AF86"/>
                 </a:solidFill>
@@ -14182,7 +14210,7 @@
               <a:t>, </a:t>
             </a:r>
             <a:r>
-              <a:rPr lang="en-IN" sz="2200" dirty="0">
+              <a:rPr lang="en-IN" sz="2000" dirty="0">
                 <a:solidFill>
                   <a:srgbClr val="F79A32"/>
                 </a:solidFill>
@@ -14191,7 +14219,7 @@
               <a:t>20</a:t>
             </a:r>
             <a:r>
-              <a:rPr lang="en-IN" sz="2200" dirty="0">
+              <a:rPr lang="en-IN" sz="2000" dirty="0">
                 <a:solidFill>
                   <a:srgbClr val="D3AF86"/>
                 </a:solidFill>
@@ -14199,7 +14227,7 @@
               </a:rPr>
               <a:t>));</a:t>
             </a:r>
-            <a:endParaRPr lang="en-IN" sz="2200" b="0" dirty="0">
+            <a:endParaRPr lang="en-IN" sz="2000" b="0" dirty="0">
               <a:solidFill>
                 <a:srgbClr val="D3AF86"/>
               </a:solidFill>
@@ -14647,7 +14675,7 @@
         <p:spPr>
           <a:xfrm>
             <a:off x="114300" y="3352800"/>
-            <a:ext cx="8801100" cy="1446550"/>
+            <a:ext cx="8801100" cy="1323439"/>
           </a:xfrm>
           <a:prstGeom prst="rect">
             <a:avLst/>
@@ -14660,7 +14688,7 @@
           <a:lstStyle/>
           <a:p>
             <a:r>
-              <a:rPr lang="en-IN" sz="2200" dirty="0">
+              <a:rPr lang="en-IN" sz="2000" dirty="0">
                 <a:solidFill>
                   <a:srgbClr val="98676A"/>
                 </a:solidFill>
@@ -14669,7 +14697,7 @@
               <a:t>function</a:t>
             </a:r>
             <a:r>
-              <a:rPr lang="en-IN" sz="2200" dirty="0">
+              <a:rPr lang="en-IN" sz="2000" dirty="0">
                 <a:solidFill>
                   <a:srgbClr val="D3AF86"/>
                 </a:solidFill>
@@ -14678,7 +14706,7 @@
               <a:t> </a:t>
             </a:r>
             <a:r>
-              <a:rPr lang="en-IN" sz="2200" dirty="0">
+              <a:rPr lang="en-IN" sz="2000" dirty="0">
                 <a:solidFill>
                   <a:srgbClr val="8AB1B0"/>
                 </a:solidFill>
@@ -14687,7 +14715,7 @@
               <a:t>f1</a:t>
             </a:r>
             <a:r>
-              <a:rPr lang="en-IN" sz="2200" dirty="0">
+              <a:rPr lang="en-IN" sz="2000" dirty="0">
                 <a:solidFill>
                   <a:srgbClr val="D3AF86"/>
                 </a:solidFill>
@@ -14696,7 +14724,7 @@
               <a:t>(</a:t>
             </a:r>
             <a:r>
-              <a:rPr lang="en-IN" sz="2200" dirty="0">
+              <a:rPr lang="en-IN" sz="2000" dirty="0">
                 <a:solidFill>
                   <a:srgbClr val="DC3958"/>
                 </a:solidFill>
@@ -14705,7 +14733,7 @@
               <a:t>x</a:t>
             </a:r>
             <a:r>
-              <a:rPr lang="en-IN" sz="2200" dirty="0">
+              <a:rPr lang="en-IN" sz="2000" dirty="0">
                 <a:solidFill>
                   <a:srgbClr val="D3AF86"/>
                 </a:solidFill>
@@ -14714,7 +14742,7 @@
               <a:t>: number = </a:t>
             </a:r>
             <a:r>
-              <a:rPr lang="en-IN" sz="2200" dirty="0">
+              <a:rPr lang="en-IN" sz="2000" dirty="0">
                 <a:solidFill>
                   <a:srgbClr val="F79A32"/>
                 </a:solidFill>
@@ -14723,7 +14751,7 @@
               <a:t>1</a:t>
             </a:r>
             <a:r>
-              <a:rPr lang="en-IN" sz="2200" dirty="0">
+              <a:rPr lang="en-IN" sz="2000" dirty="0">
                 <a:solidFill>
                   <a:srgbClr val="D3AF86"/>
                 </a:solidFill>
@@ -14732,7 +14760,7 @@
               <a:t>, </a:t>
             </a:r>
             <a:r>
-              <a:rPr lang="en-IN" sz="2200" dirty="0">
+              <a:rPr lang="en-IN" sz="2000" dirty="0">
                 <a:solidFill>
                   <a:srgbClr val="DC3958"/>
                 </a:solidFill>
@@ -14741,7 +14769,7 @@
               <a:t>y</a:t>
             </a:r>
             <a:r>
-              <a:rPr lang="en-IN" sz="2200" dirty="0">
+              <a:rPr lang="en-IN" sz="2000" dirty="0">
                 <a:solidFill>
                   <a:srgbClr val="D3AF86"/>
                 </a:solidFill>
@@ -14750,7 +14778,7 @@
               <a:t>: number = </a:t>
             </a:r>
             <a:r>
-              <a:rPr lang="en-IN" sz="2200" dirty="0">
+              <a:rPr lang="en-IN" sz="2000" dirty="0">
                 <a:solidFill>
                   <a:srgbClr val="F79A32"/>
                 </a:solidFill>
@@ -14759,7 +14787,7 @@
               <a:t>1</a:t>
             </a:r>
             <a:r>
-              <a:rPr lang="en-IN" sz="2200" dirty="0">
+              <a:rPr lang="en-IN" sz="2000" dirty="0">
                 <a:solidFill>
                   <a:srgbClr val="D3AF86"/>
                 </a:solidFill>
@@ -14770,7 +14798,7 @@
           </a:p>
           <a:p>
             <a:r>
-              <a:rPr lang="en-IN" sz="2200" dirty="0" smtClean="0">
+              <a:rPr lang="en-IN" sz="2000" dirty="0" smtClean="0">
                 <a:solidFill>
                   <a:srgbClr val="98676A"/>
                 </a:solidFill>
@@ -14779,7 +14807,7 @@
               <a:t>    return</a:t>
             </a:r>
             <a:r>
-              <a:rPr lang="en-IN" sz="2200" dirty="0" smtClean="0">
+              <a:rPr lang="en-IN" sz="2000" dirty="0" smtClean="0">
                 <a:solidFill>
                   <a:srgbClr val="D3AF86"/>
                 </a:solidFill>
@@ -14788,7 +14816,7 @@
               <a:t> </a:t>
             </a:r>
             <a:r>
-              <a:rPr lang="en-IN" sz="2200" dirty="0">
+              <a:rPr lang="en-IN" sz="2000" dirty="0">
                 <a:solidFill>
                   <a:srgbClr val="D3AF86"/>
                 </a:solidFill>
@@ -14797,7 +14825,7 @@
               <a:t>(</a:t>
             </a:r>
             <a:r>
-              <a:rPr lang="en-IN" sz="2200" dirty="0">
+              <a:rPr lang="en-IN" sz="2000" dirty="0">
                 <a:solidFill>
                   <a:srgbClr val="DC3958"/>
                 </a:solidFill>
@@ -14806,7 +14834,7 @@
               <a:t>x</a:t>
             </a:r>
             <a:r>
-              <a:rPr lang="en-IN" sz="2200" dirty="0">
+              <a:rPr lang="en-IN" sz="2000" dirty="0">
                 <a:solidFill>
                   <a:srgbClr val="D3AF86"/>
                 </a:solidFill>
@@ -14815,7 +14843,7 @@
               <a:t> + </a:t>
             </a:r>
             <a:r>
-              <a:rPr lang="en-IN" sz="2200" dirty="0">
+              <a:rPr lang="en-IN" sz="2000" dirty="0">
                 <a:solidFill>
                   <a:srgbClr val="DC3958"/>
                 </a:solidFill>
@@ -14824,7 +14852,7 @@
               <a:t>y</a:t>
             </a:r>
             <a:r>
-              <a:rPr lang="en-IN" sz="2200" dirty="0">
+              <a:rPr lang="en-IN" sz="2000" dirty="0">
                 <a:solidFill>
                   <a:srgbClr val="D3AF86"/>
                 </a:solidFill>
@@ -14835,7 +14863,7 @@
           </a:p>
           <a:p>
             <a:r>
-              <a:rPr lang="en-IN" sz="2200" dirty="0">
+              <a:rPr lang="en-IN" sz="2000" dirty="0">
                 <a:solidFill>
                   <a:srgbClr val="D3AF86"/>
                 </a:solidFill>
@@ -14846,7 +14874,7 @@
           </a:p>
           <a:p>
             <a:r>
-              <a:rPr lang="en-IN" sz="2200" dirty="0">
+              <a:rPr lang="en-IN" sz="2000" dirty="0">
                 <a:solidFill>
                   <a:srgbClr val="F06431"/>
                 </a:solidFill>
@@ -14855,7 +14883,7 @@
               <a:t>console</a:t>
             </a:r>
             <a:r>
-              <a:rPr lang="en-IN" sz="2200" dirty="0">
+              <a:rPr lang="en-IN" sz="2000" dirty="0">
                 <a:solidFill>
                   <a:srgbClr val="D3AF86"/>
                 </a:solidFill>
@@ -14864,7 +14892,7 @@
               <a:t>.</a:t>
             </a:r>
             <a:r>
-              <a:rPr lang="en-IN" sz="2200" dirty="0">
+              <a:rPr lang="en-IN" sz="2000" dirty="0">
                 <a:solidFill>
                   <a:srgbClr val="7E602C"/>
                 </a:solidFill>
@@ -14873,7 +14901,7 @@
               <a:t>log</a:t>
             </a:r>
             <a:r>
-              <a:rPr lang="en-IN" sz="2200" dirty="0">
+              <a:rPr lang="en-IN" sz="2000" dirty="0">
                 <a:solidFill>
                   <a:srgbClr val="D3AF86"/>
                 </a:solidFill>
@@ -14882,7 +14910,7 @@
               <a:t>(</a:t>
             </a:r>
             <a:r>
-              <a:rPr lang="en-IN" sz="2200" dirty="0">
+              <a:rPr lang="en-IN" sz="2000" dirty="0">
                 <a:solidFill>
                   <a:srgbClr val="8AB1B0"/>
                 </a:solidFill>
@@ -14891,7 +14919,7 @@
               <a:t>f1</a:t>
             </a:r>
             <a:r>
-              <a:rPr lang="en-IN" sz="2200" dirty="0">
+              <a:rPr lang="en-IN" sz="2000" dirty="0">
                 <a:solidFill>
                   <a:srgbClr val="D3AF86"/>
                 </a:solidFill>
@@ -14900,7 +14928,7 @@
               <a:t>(</a:t>
             </a:r>
             <a:r>
-              <a:rPr lang="en-IN" sz="2200" dirty="0">
+              <a:rPr lang="en-IN" sz="2000" dirty="0">
                 <a:solidFill>
                   <a:srgbClr val="F79A32"/>
                 </a:solidFill>
@@ -14909,7 +14937,7 @@
               <a:t>10</a:t>
             </a:r>
             <a:r>
-              <a:rPr lang="en-IN" sz="2200" dirty="0">
+              <a:rPr lang="en-IN" sz="2000" dirty="0">
                 <a:solidFill>
                   <a:srgbClr val="D3AF86"/>
                 </a:solidFill>
@@ -14917,7 +14945,7 @@
               </a:rPr>
               <a:t>));</a:t>
             </a:r>
-            <a:endParaRPr lang="en-IN" sz="2200" b="0" dirty="0">
+            <a:endParaRPr lang="en-IN" sz="2000" b="0" dirty="0">
               <a:solidFill>
                 <a:srgbClr val="D3AF86"/>
               </a:solidFill>
@@ -15357,7 +15385,7 @@
         <p:spPr>
           <a:xfrm>
             <a:off x="114300" y="3352800"/>
-            <a:ext cx="8915400" cy="1446550"/>
+            <a:ext cx="8915400" cy="1323439"/>
           </a:xfrm>
           <a:prstGeom prst="rect">
             <a:avLst/>
@@ -15370,7 +15398,7 @@
           <a:lstStyle/>
           <a:p>
             <a:r>
-              <a:rPr lang="en-IN" sz="2200" dirty="0">
+              <a:rPr lang="en-IN" sz="2000" dirty="0">
                 <a:solidFill>
                   <a:srgbClr val="98676A"/>
                 </a:solidFill>
@@ -15379,7 +15407,7 @@
               <a:t>function</a:t>
             </a:r>
             <a:r>
-              <a:rPr lang="en-IN" sz="2200" dirty="0">
+              <a:rPr lang="en-IN" sz="2000" dirty="0">
                 <a:solidFill>
                   <a:srgbClr val="D3AF86"/>
                 </a:solidFill>
@@ -15388,7 +15416,7 @@
               <a:t> </a:t>
             </a:r>
             <a:r>
-              <a:rPr lang="en-IN" sz="2200" dirty="0">
+              <a:rPr lang="en-IN" sz="2000" dirty="0">
                 <a:solidFill>
                   <a:srgbClr val="8AB1B0"/>
                 </a:solidFill>
@@ -15397,7 +15425,7 @@
               <a:t>f1</a:t>
             </a:r>
             <a:r>
-              <a:rPr lang="en-IN" sz="2200" dirty="0">
+              <a:rPr lang="en-IN" sz="2000" dirty="0">
                 <a:solidFill>
                   <a:srgbClr val="D3AF86"/>
                 </a:solidFill>
@@ -15406,7 +15434,7 @@
               <a:t>(</a:t>
             </a:r>
             <a:r>
-              <a:rPr lang="en-IN" sz="2200" dirty="0">
+              <a:rPr lang="en-IN" sz="2000" dirty="0">
                 <a:solidFill>
                   <a:srgbClr val="DC3958"/>
                 </a:solidFill>
@@ -15415,7 +15443,7 @@
               <a:t>x</a:t>
             </a:r>
             <a:r>
-              <a:rPr lang="en-IN" sz="2200" dirty="0">
+              <a:rPr lang="en-IN" sz="2000" dirty="0">
                 <a:solidFill>
                   <a:srgbClr val="D3AF86"/>
                 </a:solidFill>
@@ -15424,7 +15452,7 @@
               <a:t>: number = </a:t>
             </a:r>
             <a:r>
-              <a:rPr lang="en-IN" sz="2200" dirty="0">
+              <a:rPr lang="en-IN" sz="2000" dirty="0">
                 <a:solidFill>
                   <a:srgbClr val="F79A32"/>
                 </a:solidFill>
@@ -15433,7 +15461,7 @@
               <a:t>1</a:t>
             </a:r>
             <a:r>
-              <a:rPr lang="en-IN" sz="2200" dirty="0">
+              <a:rPr lang="en-IN" sz="2000" dirty="0">
                 <a:solidFill>
                   <a:srgbClr val="D3AF86"/>
                 </a:solidFill>
@@ -15442,7 +15470,7 @@
               <a:t>, </a:t>
             </a:r>
             <a:r>
-              <a:rPr lang="en-IN" sz="2200" dirty="0">
+              <a:rPr lang="en-IN" sz="2000" dirty="0">
                 <a:solidFill>
                   <a:srgbClr val="DC3958"/>
                 </a:solidFill>
@@ -15451,7 +15479,7 @@
               <a:t>y</a:t>
             </a:r>
             <a:r>
-              <a:rPr lang="en-IN" sz="2200" dirty="0">
+              <a:rPr lang="en-IN" sz="2000" dirty="0">
                 <a:solidFill>
                   <a:srgbClr val="D3AF86"/>
                 </a:solidFill>
@@ -15460,7 +15488,7 @@
               <a:t>?: number): number </a:t>
             </a:r>
             <a:r>
-              <a:rPr lang="en-IN" sz="2200" dirty="0" smtClean="0">
+              <a:rPr lang="en-IN" sz="2000" dirty="0" smtClean="0">
                 <a:solidFill>
                   <a:srgbClr val="D3AF86"/>
                 </a:solidFill>
@@ -15468,7 +15496,7 @@
               </a:rPr>
               <a:t>{</a:t>
             </a:r>
-            <a:endParaRPr lang="en-IN" sz="2200" dirty="0">
+            <a:endParaRPr lang="en-IN" sz="2000" dirty="0">
               <a:solidFill>
                 <a:srgbClr val="D3AF86"/>
               </a:solidFill>
@@ -15477,7 +15505,7 @@
           </a:p>
           <a:p>
             <a:r>
-              <a:rPr lang="en-IN" sz="2200" dirty="0" smtClean="0">
+              <a:rPr lang="en-IN" sz="2000" dirty="0" smtClean="0">
                 <a:solidFill>
                   <a:srgbClr val="98676A"/>
                 </a:solidFill>
@@ -15486,7 +15514,7 @@
               <a:t>    return</a:t>
             </a:r>
             <a:r>
-              <a:rPr lang="en-IN" sz="2200" dirty="0" smtClean="0">
+              <a:rPr lang="en-IN" sz="2000" dirty="0" smtClean="0">
                 <a:solidFill>
                   <a:srgbClr val="D3AF86"/>
                 </a:solidFill>
@@ -15495,7 +15523,7 @@
               <a:t> </a:t>
             </a:r>
             <a:r>
-              <a:rPr lang="en-IN" sz="2200" dirty="0">
+              <a:rPr lang="en-IN" sz="2000" dirty="0">
                 <a:solidFill>
                   <a:srgbClr val="D3AF86"/>
                 </a:solidFill>
@@ -15504,7 +15532,7 @@
               <a:t>(</a:t>
             </a:r>
             <a:r>
-              <a:rPr lang="en-IN" sz="2200" dirty="0">
+              <a:rPr lang="en-IN" sz="2000" dirty="0">
                 <a:solidFill>
                   <a:srgbClr val="DC3958"/>
                 </a:solidFill>
@@ -15513,7 +15541,7 @@
               <a:t>x</a:t>
             </a:r>
             <a:r>
-              <a:rPr lang="en-IN" sz="2200" dirty="0">
+              <a:rPr lang="en-IN" sz="2000" dirty="0">
                 <a:solidFill>
                   <a:srgbClr val="D3AF86"/>
                 </a:solidFill>
@@ -15524,7 +15552,7 @@
           </a:p>
           <a:p>
             <a:r>
-              <a:rPr lang="en-IN" sz="2200" dirty="0">
+              <a:rPr lang="en-IN" sz="2000" dirty="0">
                 <a:solidFill>
                   <a:srgbClr val="D3AF86"/>
                 </a:solidFill>
@@ -15535,7 +15563,7 @@
           </a:p>
           <a:p>
             <a:r>
-              <a:rPr lang="en-IN" sz="2200" dirty="0">
+              <a:rPr lang="en-IN" sz="2000" dirty="0">
                 <a:solidFill>
                   <a:srgbClr val="F06431"/>
                 </a:solidFill>
@@ -15544,7 +15572,7 @@
               <a:t>console</a:t>
             </a:r>
             <a:r>
-              <a:rPr lang="en-IN" sz="2200" dirty="0">
+              <a:rPr lang="en-IN" sz="2000" dirty="0">
                 <a:solidFill>
                   <a:srgbClr val="D3AF86"/>
                 </a:solidFill>
@@ -15553,7 +15581,7 @@
               <a:t>.</a:t>
             </a:r>
             <a:r>
-              <a:rPr lang="en-IN" sz="2200" dirty="0">
+              <a:rPr lang="en-IN" sz="2000" dirty="0">
                 <a:solidFill>
                   <a:srgbClr val="7E602C"/>
                 </a:solidFill>
@@ -15562,7 +15590,7 @@
               <a:t>log</a:t>
             </a:r>
             <a:r>
-              <a:rPr lang="en-IN" sz="2200" dirty="0">
+              <a:rPr lang="en-IN" sz="2000" dirty="0">
                 <a:solidFill>
                   <a:srgbClr val="D3AF86"/>
                 </a:solidFill>
@@ -15571,7 +15599,7 @@
               <a:t>(</a:t>
             </a:r>
             <a:r>
-              <a:rPr lang="en-IN" sz="2200" dirty="0">
+              <a:rPr lang="en-IN" sz="2000" dirty="0">
                 <a:solidFill>
                   <a:srgbClr val="8AB1B0"/>
                 </a:solidFill>
@@ -15580,7 +15608,7 @@
               <a:t>f1</a:t>
             </a:r>
             <a:r>
-              <a:rPr lang="en-IN" sz="2200" dirty="0">
+              <a:rPr lang="en-IN" sz="2000" dirty="0">
                 <a:solidFill>
                   <a:srgbClr val="D3AF86"/>
                 </a:solidFill>
@@ -15588,7 +15616,7 @@
               </a:rPr>
               <a:t>());</a:t>
             </a:r>
-            <a:endParaRPr lang="en-IN" sz="2200" b="0" dirty="0">
+            <a:endParaRPr lang="en-IN" sz="2000" b="0" dirty="0">
               <a:solidFill>
                 <a:srgbClr val="D3AF86"/>
               </a:solidFill>
@@ -15959,7 +15987,7 @@
         <p:spPr>
           <a:xfrm>
             <a:off x="228600" y="2973050"/>
-            <a:ext cx="8686800" cy="1446550"/>
+            <a:ext cx="8686800" cy="1323439"/>
           </a:xfrm>
           <a:prstGeom prst="rect">
             <a:avLst/>
@@ -15972,7 +16000,7 @@
           <a:lstStyle/>
           <a:p>
             <a:r>
-              <a:rPr lang="en-IN" sz="2200" dirty="0">
+              <a:rPr lang="en-IN" sz="2000" dirty="0">
                 <a:solidFill>
                   <a:srgbClr val="98676A"/>
                 </a:solidFill>
@@ -15981,7 +16009,7 @@
               <a:t>class</a:t>
             </a:r>
             <a:r>
-              <a:rPr lang="en-IN" sz="2200" dirty="0">
+              <a:rPr lang="en-IN" sz="2000" dirty="0">
                 <a:solidFill>
                   <a:srgbClr val="D3AF86"/>
                 </a:solidFill>
@@ -15990,7 +16018,7 @@
               <a:t> </a:t>
             </a:r>
             <a:r>
-              <a:rPr lang="en-IN" sz="2200" dirty="0">
+              <a:rPr lang="en-IN" sz="2000" dirty="0">
                 <a:solidFill>
                   <a:srgbClr val="F06431"/>
                 </a:solidFill>
@@ -15999,7 +16027,7 @@
               <a:t>Person</a:t>
             </a:r>
             <a:r>
-              <a:rPr lang="en-IN" sz="2200" dirty="0">
+              <a:rPr lang="en-IN" sz="2000" dirty="0">
                 <a:solidFill>
                   <a:srgbClr val="D3AF86"/>
                 </a:solidFill>
@@ -16010,7 +16038,7 @@
           </a:p>
           <a:p>
             <a:r>
-              <a:rPr lang="en-IN" sz="2200" dirty="0" smtClean="0">
+              <a:rPr lang="en-IN" sz="2000" dirty="0" smtClean="0">
                 <a:solidFill>
                   <a:srgbClr val="DC3958"/>
                 </a:solidFill>
@@ -16019,7 +16047,7 @@
               <a:t>    personId</a:t>
             </a:r>
             <a:r>
-              <a:rPr lang="en-IN" sz="2200" dirty="0">
+              <a:rPr lang="en-IN" sz="2000" dirty="0">
                 <a:solidFill>
                   <a:srgbClr val="D3AF86"/>
                 </a:solidFill>
@@ -16028,7 +16056,7 @@
               <a:t>: number = </a:t>
             </a:r>
             <a:r>
-              <a:rPr lang="en-IN" sz="2200" dirty="0">
+              <a:rPr lang="en-IN" sz="2000" dirty="0">
                 <a:solidFill>
                   <a:srgbClr val="F79A32"/>
                 </a:solidFill>
@@ -16037,7 +16065,7 @@
               <a:t>1001</a:t>
             </a:r>
             <a:r>
-              <a:rPr lang="en-IN" sz="2200" dirty="0">
+              <a:rPr lang="en-IN" sz="2000" dirty="0">
                 <a:solidFill>
                   <a:srgbClr val="D3AF86"/>
                 </a:solidFill>
@@ -16048,7 +16076,7 @@
           </a:p>
           <a:p>
             <a:r>
-              <a:rPr lang="en-IN" sz="2200" dirty="0" smtClean="0">
+              <a:rPr lang="en-IN" sz="2000" dirty="0" smtClean="0">
                 <a:solidFill>
                   <a:srgbClr val="DC3958"/>
                 </a:solidFill>
@@ -16057,7 +16085,7 @@
               <a:t>    personName</a:t>
             </a:r>
             <a:r>
-              <a:rPr lang="en-IN" sz="2200" dirty="0">
+              <a:rPr lang="en-IN" sz="2000" dirty="0">
                 <a:solidFill>
                   <a:srgbClr val="D3AF86"/>
                 </a:solidFill>
@@ -16066,7 +16094,7 @@
               <a:t>: string = '</a:t>
             </a:r>
             <a:r>
-              <a:rPr lang="en-IN" sz="2200" dirty="0">
+              <a:rPr lang="en-IN" sz="2000" dirty="0">
                 <a:solidFill>
                   <a:srgbClr val="889B4A"/>
                 </a:solidFill>
@@ -16075,7 +16103,7 @@
               <a:t>Saleel</a:t>
             </a:r>
             <a:r>
-              <a:rPr lang="en-IN" sz="2200" dirty="0">
+              <a:rPr lang="en-IN" sz="2000" dirty="0">
                 <a:solidFill>
                   <a:srgbClr val="D3AF86"/>
                 </a:solidFill>
@@ -16086,7 +16114,7 @@
           </a:p>
           <a:p>
             <a:r>
-              <a:rPr lang="en-IN" sz="2200" dirty="0">
+              <a:rPr lang="en-IN" sz="2000" dirty="0">
                 <a:solidFill>
                   <a:srgbClr val="D3AF86"/>
                 </a:solidFill>
@@ -16094,7 +16122,7 @@
               </a:rPr>
               <a:t>}</a:t>
             </a:r>
-            <a:endParaRPr lang="en-IN" sz="2200" b="0" dirty="0">
+            <a:endParaRPr lang="en-IN" sz="2000" b="0" dirty="0">
               <a:solidFill>
                 <a:srgbClr val="D3AF86"/>
               </a:solidFill>
@@ -19690,7 +19718,7 @@
         <p:spPr>
           <a:xfrm>
             <a:off x="114300" y="2922925"/>
-            <a:ext cx="8610600" cy="3477875"/>
+            <a:ext cx="8610600" cy="3170099"/>
           </a:xfrm>
           <a:prstGeom prst="rect">
             <a:avLst/>
@@ -19703,7 +19731,7 @@
           <a:lstStyle/>
           <a:p>
             <a:r>
-              <a:rPr lang="en-IN" sz="2200" dirty="0">
+              <a:rPr lang="en-IN" sz="2000" dirty="0">
                 <a:solidFill>
                   <a:srgbClr val="98676A"/>
                 </a:solidFill>
@@ -19712,7 +19740,7 @@
               <a:t>interface</a:t>
             </a:r>
             <a:r>
-              <a:rPr lang="en-IN" sz="2200" dirty="0">
+              <a:rPr lang="en-IN" sz="2000" dirty="0">
                 <a:solidFill>
                   <a:srgbClr val="D3AF86"/>
                 </a:solidFill>
@@ -19721,7 +19749,7 @@
               <a:t> </a:t>
             </a:r>
             <a:r>
-              <a:rPr lang="en-IN" sz="2200" dirty="0">
+              <a:rPr lang="en-IN" sz="2000" dirty="0">
                 <a:solidFill>
                   <a:srgbClr val="F06431"/>
                 </a:solidFill>
@@ -19730,7 +19758,7 @@
               <a:t>superHeros</a:t>
             </a:r>
             <a:r>
-              <a:rPr lang="en-IN" sz="2200" dirty="0">
+              <a:rPr lang="en-IN" sz="2000" dirty="0">
                 <a:solidFill>
                   <a:srgbClr val="D3AF86"/>
                 </a:solidFill>
@@ -19741,7 +19769,7 @@
           </a:p>
           <a:p>
             <a:r>
-              <a:rPr lang="en-IN" sz="2200" dirty="0" smtClean="0">
+              <a:rPr lang="en-IN" sz="2000" dirty="0" smtClean="0">
                 <a:solidFill>
                   <a:srgbClr val="DC3958"/>
                 </a:solidFill>
@@ -19750,7 +19778,7 @@
               <a:t>  a</a:t>
             </a:r>
             <a:r>
-              <a:rPr lang="en-IN" sz="2200" dirty="0" smtClean="0">
+              <a:rPr lang="en-IN" sz="2000" dirty="0" smtClean="0">
                 <a:solidFill>
                   <a:srgbClr val="D3AF86"/>
                 </a:solidFill>
@@ -19759,7 +19787,7 @@
               <a:t>:number</a:t>
             </a:r>
             <a:r>
-              <a:rPr lang="en-IN" sz="2200" dirty="0">
+              <a:rPr lang="en-IN" sz="2000" dirty="0">
                 <a:solidFill>
                   <a:srgbClr val="D3AF86"/>
                 </a:solidFill>
@@ -19770,7 +19798,7 @@
           </a:p>
           <a:p>
             <a:r>
-              <a:rPr lang="en-IN" sz="2200" dirty="0" smtClean="0">
+              <a:rPr lang="en-IN" sz="2000" dirty="0" smtClean="0">
                 <a:solidFill>
                   <a:srgbClr val="DC3958"/>
                 </a:solidFill>
@@ -19779,7 +19807,7 @@
               <a:t>  b</a:t>
             </a:r>
             <a:r>
-              <a:rPr lang="en-IN" sz="2200" dirty="0" smtClean="0">
+              <a:rPr lang="en-IN" sz="2000" dirty="0" smtClean="0">
                 <a:solidFill>
                   <a:srgbClr val="D3AF86"/>
                 </a:solidFill>
@@ -19788,7 +19816,7 @@
               <a:t>:string</a:t>
             </a:r>
             <a:r>
-              <a:rPr lang="en-IN" sz="2200" dirty="0">
+              <a:rPr lang="en-IN" sz="2000" dirty="0">
                 <a:solidFill>
                   <a:srgbClr val="D3AF86"/>
                 </a:solidFill>
@@ -19799,7 +19827,7 @@
           </a:p>
           <a:p>
             <a:r>
-              <a:rPr lang="en-IN" sz="2200" dirty="0" smtClean="0">
+              <a:rPr lang="en-IN" sz="2000" dirty="0" smtClean="0">
                 <a:solidFill>
                   <a:srgbClr val="DC3958"/>
                 </a:solidFill>
@@ -19808,7 +19836,7 @@
               <a:t>  c</a:t>
             </a:r>
             <a:r>
-              <a:rPr lang="en-IN" sz="2200" dirty="0" smtClean="0">
+              <a:rPr lang="en-IN" sz="2000" dirty="0" smtClean="0">
                 <a:solidFill>
                   <a:srgbClr val="D3AF86"/>
                 </a:solidFill>
@@ -19817,7 +19845,7 @@
               <a:t>:boolean</a:t>
             </a:r>
             <a:r>
-              <a:rPr lang="en-IN" sz="2200" dirty="0">
+              <a:rPr lang="en-IN" sz="2000" dirty="0">
                 <a:solidFill>
                   <a:srgbClr val="D3AF86"/>
                 </a:solidFill>
@@ -19828,7 +19856,7 @@
           </a:p>
           <a:p>
             <a:r>
-              <a:rPr lang="en-IN" sz="2200" dirty="0">
+              <a:rPr lang="en-IN" sz="2000" dirty="0">
                 <a:solidFill>
                   <a:srgbClr val="D3AF86"/>
                 </a:solidFill>
@@ -19839,7 +19867,7 @@
           </a:p>
           <a:p>
             <a:r>
-              <a:rPr lang="en-IN" sz="2200" dirty="0" smtClean="0">
+              <a:rPr lang="en-IN" sz="2000" dirty="0" smtClean="0">
                 <a:solidFill>
                   <a:srgbClr val="98676A"/>
                 </a:solidFill>
@@ -19848,7 +19876,7 @@
               <a:t>const</a:t>
             </a:r>
             <a:r>
-              <a:rPr lang="en-IN" sz="2200" dirty="0" smtClean="0">
+              <a:rPr lang="en-IN" sz="2000" dirty="0" smtClean="0">
                 <a:solidFill>
                   <a:srgbClr val="D3AF86"/>
                 </a:solidFill>
@@ -19857,7 +19885,7 @@
               <a:t> </a:t>
             </a:r>
             <a:r>
-              <a:rPr lang="en-IN" sz="2200" dirty="0">
+              <a:rPr lang="en-IN" sz="2000" dirty="0">
                 <a:solidFill>
                   <a:srgbClr val="DC3958"/>
                 </a:solidFill>
@@ -19866,7 +19894,7 @@
               <a:t>x</a:t>
             </a:r>
             <a:r>
-              <a:rPr lang="en-IN" sz="2200" dirty="0">
+              <a:rPr lang="en-IN" sz="2000" dirty="0">
                 <a:solidFill>
                   <a:srgbClr val="D3AF86"/>
                 </a:solidFill>
@@ -19875,7 +19903,7 @@
               <a:t> :</a:t>
             </a:r>
             <a:r>
-              <a:rPr lang="en-IN" sz="2200" dirty="0">
+              <a:rPr lang="en-IN" sz="2000" dirty="0">
                 <a:solidFill>
                   <a:srgbClr val="F06431"/>
                 </a:solidFill>
@@ -19884,7 +19912,7 @@
               <a:t>superHeros</a:t>
             </a:r>
             <a:r>
-              <a:rPr lang="en-IN" sz="2200" dirty="0">
+              <a:rPr lang="en-IN" sz="2000" dirty="0">
                 <a:solidFill>
                   <a:srgbClr val="D3AF86"/>
                 </a:solidFill>
@@ -19895,7 +19923,7 @@
           </a:p>
           <a:p>
             <a:r>
-              <a:rPr lang="en-IN" sz="2200" dirty="0" smtClean="0">
+              <a:rPr lang="en-IN" sz="2000" dirty="0" smtClean="0">
                 <a:solidFill>
                   <a:srgbClr val="D3AF86"/>
                 </a:solidFill>
@@ -19904,7 +19932,7 @@
               <a:t>    a </a:t>
             </a:r>
             <a:r>
-              <a:rPr lang="en-IN" sz="2200" dirty="0">
+              <a:rPr lang="en-IN" sz="2000" dirty="0">
                 <a:solidFill>
                   <a:srgbClr val="D3AF86"/>
                 </a:solidFill>
@@ -19913,7 +19941,7 @@
               <a:t>: </a:t>
             </a:r>
             <a:r>
-              <a:rPr lang="en-IN" sz="2200" dirty="0">
+              <a:rPr lang="en-IN" sz="2000" dirty="0">
                 <a:solidFill>
                   <a:srgbClr val="F79A32"/>
                 </a:solidFill>
@@ -19922,7 +19950,7 @@
               <a:t>1001</a:t>
             </a:r>
             <a:r>
-              <a:rPr lang="en-IN" sz="2200" dirty="0">
+              <a:rPr lang="en-IN" sz="2000" dirty="0">
                 <a:solidFill>
                   <a:srgbClr val="D3AF86"/>
                 </a:solidFill>
@@ -19933,7 +19961,7 @@
           </a:p>
           <a:p>
             <a:r>
-              <a:rPr lang="en-IN" sz="2200" dirty="0" smtClean="0">
+              <a:rPr lang="en-IN" sz="2000" dirty="0" smtClean="0">
                 <a:solidFill>
                   <a:srgbClr val="D3AF86"/>
                 </a:solidFill>
@@ -19942,7 +19970,7 @@
               <a:t>    b </a:t>
             </a:r>
             <a:r>
-              <a:rPr lang="en-IN" sz="2200" dirty="0">
+              <a:rPr lang="en-IN" sz="2000" dirty="0">
                 <a:solidFill>
                   <a:srgbClr val="D3AF86"/>
                 </a:solidFill>
@@ -19951,7 +19979,7 @@
               <a:t>:</a:t>
             </a:r>
             <a:r>
-              <a:rPr lang="en-IN" sz="2200" dirty="0" smtClean="0">
+              <a:rPr lang="en-IN" sz="2000" dirty="0" smtClean="0">
                 <a:solidFill>
                   <a:srgbClr val="D3AF86"/>
                 </a:solidFill>
@@ -19960,7 +19988,7 @@
               <a:t>'</a:t>
             </a:r>
             <a:r>
-              <a:rPr lang="en-IN" sz="2200" dirty="0" smtClean="0">
+              <a:rPr lang="en-IN" sz="2000" dirty="0" smtClean="0">
                 <a:solidFill>
                   <a:srgbClr val="889B4A"/>
                 </a:solidFill>
@@ -19969,7 +19997,7 @@
               <a:t>Saleel </a:t>
             </a:r>
             <a:r>
-              <a:rPr lang="en-IN" sz="2200" dirty="0">
+              <a:rPr lang="en-IN" sz="2000" dirty="0">
                 <a:solidFill>
                   <a:srgbClr val="889B4A"/>
                 </a:solidFill>
@@ -19978,7 +20006,7 @@
               <a:t>Bagde</a:t>
             </a:r>
             <a:r>
-              <a:rPr lang="en-IN" sz="2200" dirty="0">
+              <a:rPr lang="en-IN" sz="2000" dirty="0">
                 <a:solidFill>
                   <a:srgbClr val="D3AF86"/>
                 </a:solidFill>
@@ -19989,7 +20017,7 @@
           </a:p>
           <a:p>
             <a:r>
-              <a:rPr lang="en-IN" sz="2200" dirty="0" smtClean="0">
+              <a:rPr lang="en-IN" sz="2000" dirty="0" smtClean="0">
                 <a:solidFill>
                   <a:srgbClr val="D3AF86"/>
                 </a:solidFill>
@@ -19998,7 +20026,7 @@
               <a:t>    c</a:t>
             </a:r>
             <a:r>
-              <a:rPr lang="en-IN" sz="2200" dirty="0">
+              <a:rPr lang="en-IN" sz="2000" dirty="0">
                 <a:solidFill>
                   <a:srgbClr val="D3AF86"/>
                 </a:solidFill>
@@ -20007,7 +20035,7 @@
               <a:t>: </a:t>
             </a:r>
             <a:r>
-              <a:rPr lang="en-IN" sz="2200" dirty="0">
+              <a:rPr lang="en-IN" sz="2000" dirty="0">
                 <a:solidFill>
                   <a:srgbClr val="F79A32"/>
                 </a:solidFill>
@@ -20015,7 +20043,7 @@
               </a:rPr>
               <a:t>true</a:t>
             </a:r>
-            <a:endParaRPr lang="en-IN" sz="2200" dirty="0">
+            <a:endParaRPr lang="en-IN" sz="2000" dirty="0">
               <a:solidFill>
                 <a:srgbClr val="D3AF86"/>
               </a:solidFill>
@@ -20024,7 +20052,7 @@
           </a:p>
           <a:p>
             <a:r>
-              <a:rPr lang="en-IN" sz="2200" dirty="0">
+              <a:rPr lang="en-IN" sz="2000" dirty="0">
                 <a:solidFill>
                   <a:srgbClr val="D3AF86"/>
                 </a:solidFill>
@@ -20032,7 +20060,7 @@
               </a:rPr>
               <a:t>}</a:t>
             </a:r>
-            <a:endParaRPr lang="en-IN" sz="2200" b="0" dirty="0">
+            <a:endParaRPr lang="en-IN" sz="2000" b="0" dirty="0">
               <a:solidFill>
                 <a:srgbClr val="D3AF86"/>
               </a:solidFill>
@@ -20202,7 +20230,7 @@
         <p:spPr>
           <a:xfrm>
             <a:off x="112464" y="1371600"/>
-            <a:ext cx="8915400" cy="5170646"/>
+            <a:ext cx="8915400" cy="4708981"/>
           </a:xfrm>
           <a:prstGeom prst="rect">
             <a:avLst/>
@@ -20215,7 +20243,7 @@
           <a:lstStyle/>
           <a:p>
             <a:r>
-              <a:rPr lang="en-IN" sz="2200" dirty="0">
+              <a:rPr lang="en-IN" sz="2000" dirty="0">
                 <a:solidFill>
                   <a:srgbClr val="98676A"/>
                 </a:solidFill>
@@ -20224,7 +20252,7 @@
               <a:t>interface</a:t>
             </a:r>
             <a:r>
-              <a:rPr lang="en-IN" sz="2200" dirty="0">
+              <a:rPr lang="en-IN" sz="2000" dirty="0">
                 <a:solidFill>
                   <a:srgbClr val="D3AF86"/>
                 </a:solidFill>
@@ -20233,7 +20261,7 @@
               <a:t> </a:t>
             </a:r>
             <a:r>
-              <a:rPr lang="en-IN" sz="2200" dirty="0">
+              <a:rPr lang="en-IN" sz="2000" dirty="0">
                 <a:solidFill>
                   <a:srgbClr val="F06431"/>
                 </a:solidFill>
@@ -20242,7 +20270,7 @@
               <a:t>superHeros</a:t>
             </a:r>
             <a:r>
-              <a:rPr lang="en-IN" sz="2200" dirty="0">
+              <a:rPr lang="en-IN" sz="2000" dirty="0">
                 <a:solidFill>
                   <a:srgbClr val="D3AF86"/>
                 </a:solidFill>
@@ -20253,7 +20281,7 @@
           </a:p>
           <a:p>
             <a:r>
-              <a:rPr lang="en-IN" sz="2200" dirty="0" smtClean="0">
+              <a:rPr lang="en-IN" sz="2000" dirty="0" smtClean="0">
                 <a:solidFill>
                   <a:srgbClr val="DC3958"/>
                 </a:solidFill>
@@ -20262,7 +20290,7 @@
               <a:t>    a</a:t>
             </a:r>
             <a:r>
-              <a:rPr lang="en-IN" sz="2200" dirty="0" smtClean="0">
+              <a:rPr lang="en-IN" sz="2000" dirty="0" smtClean="0">
                 <a:solidFill>
                   <a:srgbClr val="D3AF86"/>
                 </a:solidFill>
@@ -20271,7 +20299,7 @@
               <a:t>:number</a:t>
             </a:r>
             <a:r>
-              <a:rPr lang="en-IN" sz="2200" dirty="0">
+              <a:rPr lang="en-IN" sz="2000" dirty="0">
                 <a:solidFill>
                   <a:srgbClr val="D3AF86"/>
                 </a:solidFill>
@@ -20282,7 +20310,7 @@
           </a:p>
           <a:p>
             <a:r>
-              <a:rPr lang="en-IN" sz="2200" dirty="0" smtClean="0">
+              <a:rPr lang="en-IN" sz="2000" dirty="0" smtClean="0">
                 <a:solidFill>
                   <a:srgbClr val="DC3958"/>
                 </a:solidFill>
@@ -20291,7 +20319,7 @@
               <a:t>    b</a:t>
             </a:r>
             <a:r>
-              <a:rPr lang="en-IN" sz="2200" dirty="0" smtClean="0">
+              <a:rPr lang="en-IN" sz="2000" dirty="0" smtClean="0">
                 <a:solidFill>
                   <a:srgbClr val="D3AF86"/>
                 </a:solidFill>
@@ -20300,7 +20328,7 @@
               <a:t>:string</a:t>
             </a:r>
             <a:r>
-              <a:rPr lang="en-IN" sz="2200" dirty="0">
+              <a:rPr lang="en-IN" sz="2000" dirty="0">
                 <a:solidFill>
                   <a:srgbClr val="D3AF86"/>
                 </a:solidFill>
@@ -20311,7 +20339,7 @@
           </a:p>
           <a:p>
             <a:r>
-              <a:rPr lang="en-IN" sz="2200" dirty="0" smtClean="0">
+              <a:rPr lang="en-IN" sz="2000" dirty="0" smtClean="0">
                 <a:solidFill>
                   <a:srgbClr val="DC3958"/>
                 </a:solidFill>
@@ -20320,7 +20348,7 @@
               <a:t>    c</a:t>
             </a:r>
             <a:r>
-              <a:rPr lang="en-IN" sz="2200" dirty="0" smtClean="0">
+              <a:rPr lang="en-IN" sz="2000" dirty="0" smtClean="0">
                 <a:solidFill>
                   <a:srgbClr val="D3AF86"/>
                 </a:solidFill>
@@ -20329,7 +20357,7 @@
               <a:t>:boolean</a:t>
             </a:r>
             <a:r>
-              <a:rPr lang="en-IN" sz="2200" dirty="0">
+              <a:rPr lang="en-IN" sz="2000" dirty="0">
                 <a:solidFill>
                   <a:srgbClr val="D3AF86"/>
                 </a:solidFill>
@@ -20340,7 +20368,7 @@
           </a:p>
           <a:p>
             <a:r>
-              <a:rPr lang="en-IN" sz="2200" dirty="0" smtClean="0">
+              <a:rPr lang="en-IN" sz="2000" dirty="0" smtClean="0">
                 <a:solidFill>
                   <a:srgbClr val="8AB1B0"/>
                 </a:solidFill>
@@ -20349,7 +20377,7 @@
               <a:t>    fn</a:t>
             </a:r>
             <a:r>
-              <a:rPr lang="en-IN" sz="2200" dirty="0" smtClean="0">
+              <a:rPr lang="en-IN" sz="2000" dirty="0" smtClean="0">
                 <a:solidFill>
                   <a:srgbClr val="D3AF86"/>
                 </a:solidFill>
@@ -20358,7 +20386,7 @@
               <a:t>(</a:t>
             </a:r>
             <a:r>
-              <a:rPr lang="en-IN" sz="2200" dirty="0" smtClean="0">
+              <a:rPr lang="en-IN" sz="2000" dirty="0" smtClean="0">
                 <a:solidFill>
                   <a:srgbClr val="DC3958"/>
                 </a:solidFill>
@@ -20367,7 +20395,7 @@
               <a:t>p1</a:t>
             </a:r>
             <a:r>
-              <a:rPr lang="en-IN" sz="2200" dirty="0">
+              <a:rPr lang="en-IN" sz="2000" dirty="0">
                 <a:solidFill>
                   <a:srgbClr val="D3AF86"/>
                 </a:solidFill>
@@ -20376,7 +20404,7 @@
               <a:t>: number, </a:t>
             </a:r>
             <a:r>
-              <a:rPr lang="en-IN" sz="2200" dirty="0">
+              <a:rPr lang="en-IN" sz="2000" dirty="0">
                 <a:solidFill>
                   <a:srgbClr val="DC3958"/>
                 </a:solidFill>
@@ -20385,7 +20413,7 @@
               <a:t>p2</a:t>
             </a:r>
             <a:r>
-              <a:rPr lang="en-IN" sz="2200" dirty="0">
+              <a:rPr lang="en-IN" sz="2000" dirty="0">
                 <a:solidFill>
                   <a:srgbClr val="D3AF86"/>
                 </a:solidFill>
@@ -20394,7 +20422,7 @@
               <a:t>: number, </a:t>
             </a:r>
             <a:r>
-              <a:rPr lang="en-IN" sz="2200" dirty="0">
+              <a:rPr lang="en-IN" sz="2000" dirty="0">
                 <a:solidFill>
                   <a:srgbClr val="DC3958"/>
                 </a:solidFill>
@@ -20403,7 +20431,7 @@
               <a:t>p3</a:t>
             </a:r>
             <a:r>
-              <a:rPr lang="en-IN" sz="2200" dirty="0">
+              <a:rPr lang="en-IN" sz="2000" dirty="0">
                 <a:solidFill>
                   <a:srgbClr val="D3AF86"/>
                 </a:solidFill>
@@ -20414,7 +20442,7 @@
           </a:p>
           <a:p>
             <a:r>
-              <a:rPr lang="en-IN" sz="2200" dirty="0" smtClean="0">
+              <a:rPr lang="en-IN" sz="2000" dirty="0" smtClean="0">
                 <a:solidFill>
                   <a:srgbClr val="DC3958"/>
                 </a:solidFill>
@@ -20423,7 +20451,7 @@
               <a:t>    abc</a:t>
             </a:r>
             <a:r>
-              <a:rPr lang="en-IN" sz="2200" dirty="0">
+              <a:rPr lang="en-IN" sz="2000" dirty="0">
                 <a:solidFill>
                   <a:srgbClr val="D3AF86"/>
                 </a:solidFill>
@@ -20434,7 +20462,7 @@
           </a:p>
           <a:p>
             <a:r>
-              <a:rPr lang="en-IN" sz="2200" dirty="0">
+              <a:rPr lang="en-IN" sz="2000" dirty="0">
                 <a:solidFill>
                   <a:srgbClr val="D3AF86"/>
                 </a:solidFill>
@@ -20445,7 +20473,7 @@
           </a:p>
           <a:p>
             <a:r>
-              <a:rPr lang="en-IN" sz="2200" dirty="0">
+              <a:rPr lang="en-IN" sz="2000" dirty="0">
                 <a:solidFill>
                   <a:srgbClr val="98676A"/>
                 </a:solidFill>
@@ -20454,7 +20482,7 @@
               <a:t>const</a:t>
             </a:r>
             <a:r>
-              <a:rPr lang="en-IN" sz="2200" dirty="0">
+              <a:rPr lang="en-IN" sz="2000" dirty="0">
                 <a:solidFill>
                   <a:srgbClr val="D3AF86"/>
                 </a:solidFill>
@@ -20463,7 +20491,7 @@
               <a:t> </a:t>
             </a:r>
             <a:r>
-              <a:rPr lang="en-IN" sz="2200" dirty="0">
+              <a:rPr lang="en-IN" sz="2000" dirty="0">
                 <a:solidFill>
                   <a:srgbClr val="DC3958"/>
                 </a:solidFill>
@@ -20472,7 +20500,7 @@
               <a:t>x</a:t>
             </a:r>
             <a:r>
-              <a:rPr lang="en-IN" sz="2200" dirty="0">
+              <a:rPr lang="en-IN" sz="2000" dirty="0">
                 <a:solidFill>
                   <a:srgbClr val="D3AF86"/>
                 </a:solidFill>
@@ -20481,7 +20509,7 @@
               <a:t> :</a:t>
             </a:r>
             <a:r>
-              <a:rPr lang="en-IN" sz="2200" dirty="0">
+              <a:rPr lang="en-IN" sz="2000" dirty="0">
                 <a:solidFill>
                   <a:srgbClr val="F06431"/>
                 </a:solidFill>
@@ -20490,7 +20518,7 @@
               <a:t>superHeros</a:t>
             </a:r>
             <a:r>
-              <a:rPr lang="en-IN" sz="2200" dirty="0">
+              <a:rPr lang="en-IN" sz="2000" dirty="0">
                 <a:solidFill>
                   <a:srgbClr val="D3AF86"/>
                 </a:solidFill>
@@ -20501,7 +20529,7 @@
           </a:p>
           <a:p>
             <a:r>
-              <a:rPr lang="en-IN" sz="2200" dirty="0" smtClean="0">
+              <a:rPr lang="en-IN" sz="2000" dirty="0" smtClean="0">
                 <a:solidFill>
                   <a:srgbClr val="D3AF86"/>
                 </a:solidFill>
@@ -20510,7 +20538,7 @@
               <a:t>    a </a:t>
             </a:r>
             <a:r>
-              <a:rPr lang="en-IN" sz="2200" dirty="0">
+              <a:rPr lang="en-IN" sz="2000" dirty="0">
                 <a:solidFill>
                   <a:srgbClr val="D3AF86"/>
                 </a:solidFill>
@@ -20519,7 +20547,7 @@
               <a:t>: </a:t>
             </a:r>
             <a:r>
-              <a:rPr lang="en-IN" sz="2200" dirty="0">
+              <a:rPr lang="en-IN" sz="2000" dirty="0">
                 <a:solidFill>
                   <a:srgbClr val="F79A32"/>
                 </a:solidFill>
@@ -20528,7 +20556,7 @@
               <a:t>1001</a:t>
             </a:r>
             <a:r>
-              <a:rPr lang="en-IN" sz="2200" dirty="0">
+              <a:rPr lang="en-IN" sz="2000" dirty="0">
                 <a:solidFill>
                   <a:srgbClr val="D3AF86"/>
                 </a:solidFill>
@@ -20539,7 +20567,7 @@
           </a:p>
           <a:p>
             <a:r>
-              <a:rPr lang="en-IN" sz="2200" dirty="0" smtClean="0">
+              <a:rPr lang="en-IN" sz="2000" dirty="0" smtClean="0">
                 <a:solidFill>
                   <a:srgbClr val="D3AF86"/>
                 </a:solidFill>
@@ -20548,7 +20576,7 @@
               <a:t>    b </a:t>
             </a:r>
             <a:r>
-              <a:rPr lang="en-IN" sz="2200" dirty="0">
+              <a:rPr lang="en-IN" sz="2000" dirty="0">
                 <a:solidFill>
                   <a:srgbClr val="D3AF86"/>
                 </a:solidFill>
@@ -20557,7 +20585,7 @@
               <a:t>:'</a:t>
             </a:r>
             <a:r>
-              <a:rPr lang="en-IN" sz="2200" dirty="0">
+              <a:rPr lang="en-IN" sz="2000" dirty="0">
                 <a:solidFill>
                   <a:srgbClr val="889B4A"/>
                 </a:solidFill>
@@ -20566,7 +20594,7 @@
               <a:t> Saleel Bagde</a:t>
             </a:r>
             <a:r>
-              <a:rPr lang="en-IN" sz="2200" dirty="0">
+              <a:rPr lang="en-IN" sz="2000" dirty="0">
                 <a:solidFill>
                   <a:srgbClr val="D3AF86"/>
                 </a:solidFill>
@@ -20577,7 +20605,7 @@
           </a:p>
           <a:p>
             <a:r>
-              <a:rPr lang="en-IN" sz="2200" dirty="0" smtClean="0">
+              <a:rPr lang="en-IN" sz="2000" dirty="0" smtClean="0">
                 <a:solidFill>
                   <a:srgbClr val="D3AF86"/>
                 </a:solidFill>
@@ -20586,7 +20614,7 @@
               <a:t>    c</a:t>
             </a:r>
             <a:r>
-              <a:rPr lang="en-IN" sz="2200" dirty="0">
+              <a:rPr lang="en-IN" sz="2000" dirty="0">
                 <a:solidFill>
                   <a:srgbClr val="D3AF86"/>
                 </a:solidFill>
@@ -20595,7 +20623,7 @@
               <a:t>: </a:t>
             </a:r>
             <a:r>
-              <a:rPr lang="en-IN" sz="2200" dirty="0">
+              <a:rPr lang="en-IN" sz="2000" dirty="0">
                 <a:solidFill>
                   <a:srgbClr val="F79A32"/>
                 </a:solidFill>
@@ -20604,7 +20632,7 @@
               <a:t>true</a:t>
             </a:r>
             <a:r>
-              <a:rPr lang="en-IN" sz="2200" dirty="0">
+              <a:rPr lang="en-IN" sz="2000" dirty="0">
                 <a:solidFill>
                   <a:srgbClr val="D3AF86"/>
                 </a:solidFill>
@@ -20615,7 +20643,7 @@
           </a:p>
           <a:p>
             <a:r>
-              <a:rPr lang="en-IN" sz="2200" dirty="0" smtClean="0">
+              <a:rPr lang="en-IN" sz="2000" dirty="0" smtClean="0">
                 <a:solidFill>
                   <a:srgbClr val="8AB1B0"/>
                 </a:solidFill>
@@ -20624,7 +20652,7 @@
               <a:t>    fn</a:t>
             </a:r>
             <a:r>
-              <a:rPr lang="en-IN" sz="2200" dirty="0" smtClean="0">
+              <a:rPr lang="en-IN" sz="2000" dirty="0" smtClean="0">
                 <a:solidFill>
                   <a:srgbClr val="D3AF86"/>
                 </a:solidFill>
@@ -20633,7 +20661,7 @@
               <a:t>(</a:t>
             </a:r>
             <a:r>
-              <a:rPr lang="en-IN" sz="2200" dirty="0" smtClean="0">
+              <a:rPr lang="en-IN" sz="2000" dirty="0" smtClean="0">
                 <a:solidFill>
                   <a:srgbClr val="DC3958"/>
                 </a:solidFill>
@@ -20642,7 +20670,7 @@
               <a:t>p1</a:t>
             </a:r>
             <a:r>
-              <a:rPr lang="en-IN" sz="2200" dirty="0">
+              <a:rPr lang="en-IN" sz="2000" dirty="0">
                 <a:solidFill>
                   <a:srgbClr val="D3AF86"/>
                 </a:solidFill>
@@ -20651,7 +20679,7 @@
               <a:t>: number, </a:t>
             </a:r>
             <a:r>
-              <a:rPr lang="en-IN" sz="2200" dirty="0">
+              <a:rPr lang="en-IN" sz="2000" dirty="0">
                 <a:solidFill>
                   <a:srgbClr val="DC3958"/>
                 </a:solidFill>
@@ -20660,7 +20688,7 @@
               <a:t>p2</a:t>
             </a:r>
             <a:r>
-              <a:rPr lang="en-IN" sz="2200">
+              <a:rPr lang="en-IN" sz="2000" dirty="0">
                 <a:solidFill>
                   <a:srgbClr val="D3AF86"/>
                 </a:solidFill>
@@ -20669,7 +20697,7 @@
               <a:t>: </a:t>
             </a:r>
             <a:r>
-              <a:rPr lang="en-IN" sz="2200" smtClean="0">
+              <a:rPr lang="en-IN" sz="2000" dirty="0" smtClean="0">
                 <a:solidFill>
                   <a:srgbClr val="D3AF86"/>
                 </a:solidFill>
@@ -20678,7 +20706,7 @@
               <a:t>number = </a:t>
             </a:r>
             <a:r>
-              <a:rPr lang="en-IN" sz="2200" smtClean="0">
+              <a:rPr lang="en-IN" sz="2000" dirty="0" smtClean="0">
                 <a:solidFill>
                   <a:srgbClr val="F79A32"/>
                 </a:solidFill>
@@ -20687,7 +20715,7 @@
               <a:t>1</a:t>
             </a:r>
             <a:r>
-              <a:rPr lang="en-IN" sz="2200">
+              <a:rPr lang="en-IN" sz="2000" dirty="0">
                 <a:solidFill>
                   <a:srgbClr val="D3AF86"/>
                 </a:solidFill>
@@ -20696,7 +20724,7 @@
               <a:t>, </a:t>
             </a:r>
             <a:r>
-              <a:rPr lang="en-IN" sz="2200" smtClean="0">
+              <a:rPr lang="en-IN" sz="2000" dirty="0" smtClean="0">
                 <a:solidFill>
                   <a:srgbClr val="DC3958"/>
                 </a:solidFill>
@@ -20705,7 +20733,7 @@
               <a:t>p3</a:t>
             </a:r>
             <a:r>
-              <a:rPr lang="en-IN" sz="2200" smtClean="0">
+              <a:rPr lang="en-IN" sz="2000" dirty="0" smtClean="0">
                 <a:solidFill>
                   <a:srgbClr val="D3AF86"/>
                 </a:solidFill>
@@ -20714,7 +20742,7 @@
               <a:t>:number = </a:t>
             </a:r>
             <a:r>
-              <a:rPr lang="en-IN" sz="2200" smtClean="0">
+              <a:rPr lang="en-IN" sz="2000" dirty="0" smtClean="0">
                 <a:solidFill>
                   <a:srgbClr val="F79A32"/>
                 </a:solidFill>
@@ -20723,7 +20751,7 @@
               <a:t>2</a:t>
             </a:r>
             <a:r>
-              <a:rPr lang="en-IN" sz="2200" smtClean="0">
+              <a:rPr lang="en-IN" sz="2000" dirty="0" smtClean="0">
                 <a:solidFill>
                   <a:srgbClr val="D3AF86"/>
                 </a:solidFill>
@@ -20732,7 +20760,7 @@
               <a:t>):void </a:t>
             </a:r>
             <a:r>
-              <a:rPr lang="en-IN" sz="2200" dirty="0">
+              <a:rPr lang="en-IN" sz="2000" dirty="0">
                 <a:solidFill>
                   <a:srgbClr val="D3AF86"/>
                 </a:solidFill>
@@ -20743,7 +20771,7 @@
           </a:p>
           <a:p>
             <a:r>
-              <a:rPr lang="en-IN" sz="2200" dirty="0" smtClean="0">
+              <a:rPr lang="en-IN" sz="2000" dirty="0" smtClean="0">
                 <a:solidFill>
                   <a:srgbClr val="F06431"/>
                 </a:solidFill>
@@ -20752,7 +20780,7 @@
               <a:t>        console</a:t>
             </a:r>
             <a:r>
-              <a:rPr lang="en-IN" sz="2200" dirty="0" smtClean="0">
+              <a:rPr lang="en-IN" sz="2000" dirty="0" smtClean="0">
                 <a:solidFill>
                   <a:srgbClr val="D3AF86"/>
                 </a:solidFill>
@@ -20761,7 +20789,7 @@
               <a:t>.</a:t>
             </a:r>
             <a:r>
-              <a:rPr lang="en-IN" sz="2200" dirty="0" smtClean="0">
+              <a:rPr lang="en-IN" sz="2000" dirty="0" smtClean="0">
                 <a:solidFill>
                   <a:srgbClr val="7E602C"/>
                 </a:solidFill>
@@ -20770,7 +20798,7 @@
               <a:t>log</a:t>
             </a:r>
             <a:r>
-              <a:rPr lang="en-IN" sz="2200" dirty="0" smtClean="0">
+              <a:rPr lang="en-IN" sz="2000" dirty="0" smtClean="0">
                 <a:solidFill>
                   <a:srgbClr val="D3AF86"/>
                 </a:solidFill>
@@ -20779,7 +20807,7 @@
               <a:t>(</a:t>
             </a:r>
             <a:r>
-              <a:rPr lang="en-IN" sz="2200" dirty="0" smtClean="0">
+              <a:rPr lang="en-IN" sz="2000" dirty="0" smtClean="0">
                 <a:solidFill>
                   <a:srgbClr val="DC3958"/>
                 </a:solidFill>
@@ -20788,7 +20816,7 @@
               <a:t>p1</a:t>
             </a:r>
             <a:r>
-              <a:rPr lang="en-IN" sz="2200" dirty="0" smtClean="0">
+              <a:rPr lang="en-IN" sz="2000" dirty="0" smtClean="0">
                 <a:solidFill>
                   <a:srgbClr val="D3AF86"/>
                 </a:solidFill>
@@ -20797,7 +20825,7 @@
               <a:t> </a:t>
             </a:r>
             <a:r>
-              <a:rPr lang="en-IN" sz="2200" dirty="0">
+              <a:rPr lang="en-IN" sz="2000" dirty="0">
                 <a:solidFill>
                   <a:srgbClr val="D3AF86"/>
                 </a:solidFill>
@@ -20806,7 +20834,7 @@
               <a:t>+ </a:t>
             </a:r>
             <a:r>
-              <a:rPr lang="en-IN" sz="2200" dirty="0">
+              <a:rPr lang="en-IN" sz="2000" dirty="0">
                 <a:solidFill>
                   <a:srgbClr val="DC3958"/>
                 </a:solidFill>
@@ -20815,7 +20843,7 @@
               <a:t>p2</a:t>
             </a:r>
             <a:r>
-              <a:rPr lang="en-IN" sz="2200" dirty="0">
+              <a:rPr lang="en-IN" sz="2000" dirty="0">
                 <a:solidFill>
                   <a:srgbClr val="D3AF86"/>
                 </a:solidFill>
@@ -20824,7 +20852,7 @@
               <a:t> + </a:t>
             </a:r>
             <a:r>
-              <a:rPr lang="en-IN" sz="2200" dirty="0">
+              <a:rPr lang="en-IN" sz="2000" dirty="0">
                 <a:solidFill>
                   <a:srgbClr val="DC3958"/>
                 </a:solidFill>
@@ -20833,7 +20861,7 @@
               <a:t>p3</a:t>
             </a:r>
             <a:r>
-              <a:rPr lang="en-IN" sz="2200" dirty="0">
+              <a:rPr lang="en-IN" sz="2000" dirty="0">
                 <a:solidFill>
                   <a:srgbClr val="D3AF86"/>
                 </a:solidFill>
@@ -20844,7 +20872,7 @@
           </a:p>
           <a:p>
             <a:r>
-              <a:rPr lang="en-IN" sz="2200" dirty="0" smtClean="0">
+              <a:rPr lang="en-IN" sz="2000" dirty="0" smtClean="0">
                 <a:solidFill>
                   <a:srgbClr val="D3AF86"/>
                 </a:solidFill>
@@ -20852,7 +20880,7 @@
               </a:rPr>
               <a:t>    }</a:t>
             </a:r>
-            <a:endParaRPr lang="en-IN" sz="2200" dirty="0">
+            <a:endParaRPr lang="en-IN" sz="2000" dirty="0">
               <a:solidFill>
                 <a:srgbClr val="D3AF86"/>
               </a:solidFill>
@@ -20861,7 +20889,7 @@
           </a:p>
           <a:p>
             <a:r>
-              <a:rPr lang="en-IN" sz="2200" dirty="0">
+              <a:rPr lang="en-IN" sz="2000" dirty="0">
                 <a:solidFill>
                   <a:srgbClr val="D3AF86"/>
                 </a:solidFill>
@@ -20869,7 +20897,7 @@
               </a:rPr>
               <a:t>} </a:t>
             </a:r>
-            <a:endParaRPr lang="en-IN" sz="2200" b="0" dirty="0">
+            <a:endParaRPr lang="en-IN" sz="2000" b="0" dirty="0">
               <a:solidFill>
                 <a:srgbClr val="D3AF86"/>
               </a:solidFill>
@@ -21156,8 +21184,8 @@
         </p:nvSpPr>
         <p:spPr>
           <a:xfrm>
-            <a:off x="114300" y="1981200"/>
-            <a:ext cx="8915400" cy="2123658"/>
+            <a:off x="114300" y="1905000"/>
+            <a:ext cx="8915400" cy="1615827"/>
           </a:xfrm>
           <a:prstGeom prst="rect">
             <a:avLst/>
@@ -21171,7 +21199,7 @@
           <a:p>
             <a:pPr marL="342900" indent="-342900">
               <a:lnSpc>
-                <a:spcPct val="200000"/>
+                <a:spcPct val="150000"/>
               </a:lnSpc>
               <a:buFont typeface="Arial" panose="020B0604020202020204" pitchFamily="34" charset="0"/>
               <a:buChar char="•"/>
@@ -21210,7 +21238,7 @@
           <a:p>
             <a:pPr marL="342900" indent="-342900">
               <a:lnSpc>
-                <a:spcPct val="200000"/>
+                <a:spcPct val="150000"/>
               </a:lnSpc>
               <a:buFont typeface="Arial" panose="020B0604020202020204" pitchFamily="34" charset="0"/>
               <a:buChar char="•"/>
@@ -21264,7 +21292,7 @@
           <a:p>
             <a:pPr marL="342900" indent="-342900">
               <a:lnSpc>
-                <a:spcPct val="200000"/>
+                <a:spcPct val="150000"/>
               </a:lnSpc>
               <a:buFont typeface="Arial" panose="020B0604020202020204" pitchFamily="34" charset="0"/>
               <a:buChar char="•"/>
@@ -21302,6 +21330,442 @@
               </a:rPr>
               <a:t>if the variable is block-scoped.</a:t>
             </a:r>
+          </a:p>
+        </p:txBody>
+      </p:sp>
+      <p:sp>
+        <p:nvSpPr>
+          <p:cNvPr id="2" name="Rectangle 1"/>
+          <p:cNvSpPr/>
+          <p:nvPr/>
+        </p:nvSpPr>
+        <p:spPr>
+          <a:xfrm>
+            <a:off x="132229" y="3657600"/>
+            <a:ext cx="8879541" cy="830997"/>
+          </a:xfrm>
+          <a:prstGeom prst="rect">
+            <a:avLst/>
+          </a:prstGeom>
+        </p:spPr>
+        <p:txBody>
+          <a:bodyPr wrap="square">
+            <a:spAutoFit/>
+          </a:bodyPr>
+          <a:lstStyle/>
+          <a:p>
+            <a:r>
+              <a:rPr lang="en-IN" dirty="0"/>
+              <a:t>The compiler will give an error if we declare a variable that was already passed in as an argument to the function.</a:t>
+            </a:r>
+          </a:p>
+        </p:txBody>
+      </p:sp>
+      <p:sp>
+        <p:nvSpPr>
+          <p:cNvPr id="7" name="Rectangle 6"/>
+          <p:cNvSpPr/>
+          <p:nvPr/>
+        </p:nvSpPr>
+        <p:spPr>
+          <a:xfrm>
+            <a:off x="132229" y="4528024"/>
+            <a:ext cx="8748215" cy="1692771"/>
+          </a:xfrm>
+          <a:prstGeom prst="rect">
+            <a:avLst/>
+          </a:prstGeom>
+        </p:spPr>
+        <p:txBody>
+          <a:bodyPr wrap="square">
+            <a:spAutoFit/>
+          </a:bodyPr>
+          <a:lstStyle/>
+          <a:p>
+            <a:r>
+              <a:rPr lang="en-IN" sz="2000" dirty="0">
+                <a:solidFill>
+                  <a:srgbClr val="EBBBFF"/>
+                </a:solidFill>
+                <a:latin typeface="Consolas" panose="020B0609020204030204" pitchFamily="49" charset="0"/>
+              </a:rPr>
+              <a:t>let</a:t>
+            </a:r>
+            <a:r>
+              <a:rPr lang="en-IN" sz="2000" dirty="0">
+                <a:solidFill>
+                  <a:srgbClr val="FFFFFF"/>
+                </a:solidFill>
+                <a:latin typeface="Consolas" panose="020B0609020204030204" pitchFamily="49" charset="0"/>
+              </a:rPr>
+              <a:t> </a:t>
+            </a:r>
+            <a:r>
+              <a:rPr lang="en-IN" sz="2000" dirty="0">
+                <a:solidFill>
+                  <a:srgbClr val="BBDAFF"/>
+                </a:solidFill>
+                <a:latin typeface="Consolas" panose="020B0609020204030204" pitchFamily="49" charset="0"/>
+              </a:rPr>
+              <a:t>fn</a:t>
+            </a:r>
+            <a:r>
+              <a:rPr lang="en-IN" sz="2000" dirty="0">
+                <a:solidFill>
+                  <a:srgbClr val="FFFFFF"/>
+                </a:solidFill>
+                <a:latin typeface="Consolas" panose="020B0609020204030204" pitchFamily="49" charset="0"/>
+              </a:rPr>
+              <a:t> </a:t>
+            </a:r>
+            <a:r>
+              <a:rPr lang="en-IN" sz="2000" dirty="0">
+                <a:solidFill>
+                  <a:srgbClr val="99FFFF"/>
+                </a:solidFill>
+                <a:latin typeface="Consolas" panose="020B0609020204030204" pitchFamily="49" charset="0"/>
+              </a:rPr>
+              <a:t>=</a:t>
+            </a:r>
+            <a:r>
+              <a:rPr lang="en-IN" sz="2000" dirty="0">
+                <a:solidFill>
+                  <a:srgbClr val="FFFFFF"/>
+                </a:solidFill>
+                <a:latin typeface="Consolas" panose="020B0609020204030204" pitchFamily="49" charset="0"/>
+              </a:rPr>
+              <a:t> (</a:t>
+            </a:r>
+            <a:r>
+              <a:rPr lang="en-IN" sz="2000" dirty="0">
+                <a:solidFill>
+                  <a:srgbClr val="FFC58F"/>
+                </a:solidFill>
+                <a:latin typeface="Consolas" panose="020B0609020204030204" pitchFamily="49" charset="0"/>
+              </a:rPr>
+              <a:t>a</a:t>
+            </a:r>
+            <a:r>
+              <a:rPr lang="en-IN" sz="2000" dirty="0">
+                <a:solidFill>
+                  <a:srgbClr val="FFFFFF"/>
+                </a:solidFill>
+                <a:latin typeface="Consolas" panose="020B0609020204030204" pitchFamily="49" charset="0"/>
+              </a:rPr>
+              <a:t> </a:t>
+            </a:r>
+            <a:r>
+              <a:rPr lang="en-IN" sz="2000" dirty="0">
+                <a:solidFill>
+                  <a:srgbClr val="99FFFF"/>
+                </a:solidFill>
+                <a:latin typeface="Consolas" panose="020B0609020204030204" pitchFamily="49" charset="0"/>
+              </a:rPr>
+              <a:t>:</a:t>
+            </a:r>
+            <a:r>
+              <a:rPr lang="en-IN" sz="2000" dirty="0">
+                <a:solidFill>
+                  <a:srgbClr val="FFFFFF"/>
+                </a:solidFill>
+                <a:latin typeface="Consolas" panose="020B0609020204030204" pitchFamily="49" charset="0"/>
+              </a:rPr>
+              <a:t> </a:t>
+            </a:r>
+            <a:r>
+              <a:rPr lang="en-IN" sz="2000" dirty="0">
+                <a:solidFill>
+                  <a:srgbClr val="FFEEAD"/>
+                </a:solidFill>
+                <a:latin typeface="Consolas" panose="020B0609020204030204" pitchFamily="49" charset="0"/>
+              </a:rPr>
+              <a:t>number</a:t>
+            </a:r>
+            <a:r>
+              <a:rPr lang="en-IN" sz="2000" dirty="0">
+                <a:solidFill>
+                  <a:srgbClr val="FFFFFF"/>
+                </a:solidFill>
+                <a:latin typeface="Consolas" panose="020B0609020204030204" pitchFamily="49" charset="0"/>
+              </a:rPr>
+              <a:t>, </a:t>
+            </a:r>
+            <a:r>
+              <a:rPr lang="en-IN" sz="2000" dirty="0">
+                <a:solidFill>
+                  <a:srgbClr val="FFC58F"/>
+                </a:solidFill>
+                <a:latin typeface="Consolas" panose="020B0609020204030204" pitchFamily="49" charset="0"/>
+              </a:rPr>
+              <a:t>b</a:t>
+            </a:r>
+            <a:r>
+              <a:rPr lang="en-IN" sz="2000" dirty="0">
+                <a:solidFill>
+                  <a:srgbClr val="FFFFFF"/>
+                </a:solidFill>
+                <a:latin typeface="Consolas" panose="020B0609020204030204" pitchFamily="49" charset="0"/>
+              </a:rPr>
+              <a:t> </a:t>
+            </a:r>
+            <a:r>
+              <a:rPr lang="en-IN" sz="2000" dirty="0">
+                <a:solidFill>
+                  <a:srgbClr val="99FFFF"/>
+                </a:solidFill>
+                <a:latin typeface="Consolas" panose="020B0609020204030204" pitchFamily="49" charset="0"/>
+              </a:rPr>
+              <a:t>:</a:t>
+            </a:r>
+            <a:r>
+              <a:rPr lang="en-IN" sz="2000" dirty="0">
+                <a:solidFill>
+                  <a:srgbClr val="FFFFFF"/>
+                </a:solidFill>
+                <a:latin typeface="Consolas" panose="020B0609020204030204" pitchFamily="49" charset="0"/>
+              </a:rPr>
+              <a:t> </a:t>
+            </a:r>
+            <a:r>
+              <a:rPr lang="en-IN" sz="2000" dirty="0">
+                <a:solidFill>
+                  <a:srgbClr val="FFEEAD"/>
+                </a:solidFill>
+                <a:latin typeface="Consolas" panose="020B0609020204030204" pitchFamily="49" charset="0"/>
+              </a:rPr>
+              <a:t>number</a:t>
+            </a:r>
+            <a:r>
+              <a:rPr lang="en-IN" sz="2000" dirty="0">
+                <a:solidFill>
+                  <a:srgbClr val="FFFFFF"/>
+                </a:solidFill>
+                <a:latin typeface="Consolas" panose="020B0609020204030204" pitchFamily="49" charset="0"/>
+              </a:rPr>
+              <a:t>) </a:t>
+            </a:r>
+            <a:r>
+              <a:rPr lang="en-IN" sz="2000" dirty="0">
+                <a:solidFill>
+                  <a:srgbClr val="EBBBFF"/>
+                </a:solidFill>
+                <a:latin typeface="Consolas" panose="020B0609020204030204" pitchFamily="49" charset="0"/>
+              </a:rPr>
+              <a:t>=&gt;</a:t>
+            </a:r>
+            <a:r>
+              <a:rPr lang="en-IN" sz="2000" dirty="0">
+                <a:solidFill>
+                  <a:srgbClr val="FFFFFF"/>
+                </a:solidFill>
+                <a:latin typeface="Consolas" panose="020B0609020204030204" pitchFamily="49" charset="0"/>
+              </a:rPr>
+              <a:t> {</a:t>
+            </a:r>
+          </a:p>
+          <a:p>
+            <a:r>
+              <a:rPr lang="en-IN" sz="2000" dirty="0" smtClean="0">
+                <a:solidFill>
+                  <a:srgbClr val="EBBBFF"/>
+                </a:solidFill>
+                <a:latin typeface="Consolas" panose="020B0609020204030204" pitchFamily="49" charset="0"/>
+              </a:rPr>
+              <a:t>    let</a:t>
+            </a:r>
+            <a:r>
+              <a:rPr lang="en-IN" sz="2000" dirty="0" smtClean="0">
+                <a:solidFill>
+                  <a:srgbClr val="FFFFFF"/>
+                </a:solidFill>
+                <a:latin typeface="Consolas" panose="020B0609020204030204" pitchFamily="49" charset="0"/>
+              </a:rPr>
+              <a:t> </a:t>
+            </a:r>
+            <a:r>
+              <a:rPr lang="en-IN" sz="2000" dirty="0">
+                <a:solidFill>
+                  <a:srgbClr val="FF9DA4"/>
+                </a:solidFill>
+                <a:latin typeface="Consolas" panose="020B0609020204030204" pitchFamily="49" charset="0"/>
+              </a:rPr>
+              <a:t>a</a:t>
+            </a:r>
+            <a:r>
+              <a:rPr lang="en-IN" sz="2000" dirty="0">
+                <a:solidFill>
+                  <a:srgbClr val="FFFFFF"/>
+                </a:solidFill>
+                <a:latin typeface="Consolas" panose="020B0609020204030204" pitchFamily="49" charset="0"/>
+              </a:rPr>
+              <a:t> </a:t>
+            </a:r>
+            <a:r>
+              <a:rPr lang="en-IN" sz="2000" dirty="0">
+                <a:solidFill>
+                  <a:srgbClr val="99FFFF"/>
+                </a:solidFill>
+                <a:latin typeface="Consolas" panose="020B0609020204030204" pitchFamily="49" charset="0"/>
+              </a:rPr>
+              <a:t>=</a:t>
+            </a:r>
+            <a:r>
+              <a:rPr lang="en-IN" sz="2000" dirty="0">
+                <a:solidFill>
+                  <a:srgbClr val="FFFFFF"/>
+                </a:solidFill>
+                <a:latin typeface="Consolas" panose="020B0609020204030204" pitchFamily="49" charset="0"/>
+              </a:rPr>
+              <a:t> </a:t>
+            </a:r>
+            <a:r>
+              <a:rPr lang="en-IN" sz="2000" dirty="0">
+                <a:solidFill>
+                  <a:srgbClr val="FFC58F"/>
+                </a:solidFill>
+                <a:latin typeface="Consolas" panose="020B0609020204030204" pitchFamily="49" charset="0"/>
+              </a:rPr>
+              <a:t>10</a:t>
+            </a:r>
+            <a:r>
+              <a:rPr lang="en-IN" sz="2000" dirty="0">
+                <a:solidFill>
+                  <a:srgbClr val="FFFFFF"/>
+                </a:solidFill>
+                <a:latin typeface="Consolas" panose="020B0609020204030204" pitchFamily="49" charset="0"/>
+              </a:rPr>
+              <a:t>;</a:t>
+            </a:r>
+          </a:p>
+          <a:p>
+            <a:r>
+              <a:rPr lang="en-IN" sz="2000" dirty="0" smtClean="0">
+                <a:solidFill>
+                  <a:srgbClr val="EBBBFF"/>
+                </a:solidFill>
+                <a:latin typeface="Consolas" panose="020B0609020204030204" pitchFamily="49" charset="0"/>
+              </a:rPr>
+              <a:t>    const</a:t>
+            </a:r>
+            <a:r>
+              <a:rPr lang="en-IN" sz="2000" dirty="0" smtClean="0">
+                <a:solidFill>
+                  <a:srgbClr val="FFFFFF"/>
+                </a:solidFill>
+                <a:latin typeface="Consolas" panose="020B0609020204030204" pitchFamily="49" charset="0"/>
+              </a:rPr>
+              <a:t> </a:t>
+            </a:r>
+            <a:r>
+              <a:rPr lang="en-IN" sz="2000" dirty="0">
+                <a:solidFill>
+                  <a:srgbClr val="FF9DA4"/>
+                </a:solidFill>
+                <a:latin typeface="Consolas" panose="020B0609020204030204" pitchFamily="49" charset="0"/>
+              </a:rPr>
+              <a:t>b</a:t>
+            </a:r>
+            <a:r>
+              <a:rPr lang="en-IN" sz="2000" dirty="0">
+                <a:solidFill>
+                  <a:srgbClr val="FFFFFF"/>
+                </a:solidFill>
+                <a:latin typeface="Consolas" panose="020B0609020204030204" pitchFamily="49" charset="0"/>
+              </a:rPr>
+              <a:t> </a:t>
+            </a:r>
+            <a:r>
+              <a:rPr lang="en-IN" sz="2000" dirty="0">
+                <a:solidFill>
+                  <a:srgbClr val="99FFFF"/>
+                </a:solidFill>
+                <a:latin typeface="Consolas" panose="020B0609020204030204" pitchFamily="49" charset="0"/>
+              </a:rPr>
+              <a:t>=</a:t>
+            </a:r>
+            <a:r>
+              <a:rPr lang="en-IN" sz="2000" dirty="0">
+                <a:solidFill>
+                  <a:srgbClr val="FFFFFF"/>
+                </a:solidFill>
+                <a:latin typeface="Consolas" panose="020B0609020204030204" pitchFamily="49" charset="0"/>
+              </a:rPr>
+              <a:t> </a:t>
+            </a:r>
+            <a:r>
+              <a:rPr lang="en-IN" sz="2000" dirty="0">
+                <a:solidFill>
+                  <a:srgbClr val="FFC58F"/>
+                </a:solidFill>
+                <a:latin typeface="Consolas" panose="020B0609020204030204" pitchFamily="49" charset="0"/>
+              </a:rPr>
+              <a:t>20</a:t>
+            </a:r>
+            <a:r>
+              <a:rPr lang="en-IN" sz="2000" dirty="0">
+                <a:solidFill>
+                  <a:srgbClr val="FFFFFF"/>
+                </a:solidFill>
+                <a:latin typeface="Consolas" panose="020B0609020204030204" pitchFamily="49" charset="0"/>
+              </a:rPr>
+              <a:t>;</a:t>
+            </a:r>
+          </a:p>
+          <a:p>
+            <a:r>
+              <a:rPr lang="en-IN" sz="2000" dirty="0" smtClean="0">
+                <a:solidFill>
+                  <a:srgbClr val="EBBBFF"/>
+                </a:solidFill>
+                <a:latin typeface="Consolas" panose="020B0609020204030204" pitchFamily="49" charset="0"/>
+              </a:rPr>
+              <a:t>    return</a:t>
+            </a:r>
+            <a:r>
+              <a:rPr lang="en-IN" sz="2000" dirty="0" smtClean="0">
+                <a:solidFill>
+                  <a:srgbClr val="FFFFFF"/>
+                </a:solidFill>
+                <a:latin typeface="Consolas" panose="020B0609020204030204" pitchFamily="49" charset="0"/>
+              </a:rPr>
+              <a:t> </a:t>
+            </a:r>
+            <a:r>
+              <a:rPr lang="en-IN" sz="2000" dirty="0">
+                <a:solidFill>
+                  <a:srgbClr val="FF9DA4"/>
+                </a:solidFill>
+                <a:latin typeface="Consolas" panose="020B0609020204030204" pitchFamily="49" charset="0"/>
+              </a:rPr>
+              <a:t>a</a:t>
+            </a:r>
+            <a:r>
+              <a:rPr lang="en-IN" sz="2000" dirty="0">
+                <a:solidFill>
+                  <a:srgbClr val="FFFFFF"/>
+                </a:solidFill>
+                <a:latin typeface="Consolas" panose="020B0609020204030204" pitchFamily="49" charset="0"/>
+              </a:rPr>
+              <a:t>;</a:t>
+            </a:r>
+          </a:p>
+          <a:p>
+            <a:r>
+              <a:rPr lang="en-IN" sz="2000" dirty="0">
+                <a:solidFill>
+                  <a:srgbClr val="FFFFFF"/>
+                </a:solidFill>
+                <a:latin typeface="Consolas" panose="020B0609020204030204" pitchFamily="49" charset="0"/>
+              </a:rPr>
+              <a:t>} </a:t>
+            </a:r>
+            <a:endParaRPr lang="en-IN" sz="2000" b="0" dirty="0">
+              <a:solidFill>
+                <a:srgbClr val="FFFFFF"/>
+              </a:solidFill>
+              <a:effectLst/>
+              <a:latin typeface="Consolas" panose="020B0609020204030204" pitchFamily="49" charset="0"/>
+            </a:endParaRPr>
           </a:p>
         </p:txBody>
       </p:sp>
@@ -21649,7 +22113,7 @@
         <p:spPr>
           <a:xfrm>
             <a:off x="114300" y="2968485"/>
-            <a:ext cx="8915400" cy="769441"/>
+            <a:ext cx="8915400" cy="707886"/>
           </a:xfrm>
           <a:prstGeom prst="rect">
             <a:avLst/>
@@ -21662,7 +22126,7 @@
           <a:lstStyle/>
           <a:p>
             <a:r>
-              <a:rPr lang="en-IN" sz="2200" dirty="0">
+              <a:rPr lang="en-IN" sz="2000" dirty="0">
                 <a:solidFill>
                   <a:srgbClr val="98676A"/>
                 </a:solidFill>
@@ -21671,7 +22135,7 @@
               <a:t>const</a:t>
             </a:r>
             <a:r>
-              <a:rPr lang="en-IN" sz="2200" dirty="0">
+              <a:rPr lang="en-IN" sz="2000" dirty="0">
                 <a:solidFill>
                   <a:srgbClr val="D3AF86"/>
                 </a:solidFill>
@@ -21680,7 +22144,7 @@
               <a:t> </a:t>
             </a:r>
             <a:r>
-              <a:rPr lang="en-IN" sz="2200" dirty="0">
+              <a:rPr lang="en-IN" sz="2000" dirty="0">
                 <a:solidFill>
                   <a:srgbClr val="DC3958"/>
                 </a:solidFill>
@@ -21689,7 +22153,7 @@
               <a:t>done</a:t>
             </a:r>
             <a:r>
-              <a:rPr lang="en-IN" sz="2200" dirty="0">
+              <a:rPr lang="en-IN" sz="2000" dirty="0">
                 <a:solidFill>
                   <a:srgbClr val="D3AF86"/>
                 </a:solidFill>
@@ -21698,7 +22162,7 @@
               <a:t>: boolean = </a:t>
             </a:r>
             <a:r>
-              <a:rPr lang="en-IN" sz="2200" dirty="0">
+              <a:rPr lang="en-IN" sz="2000" dirty="0">
                 <a:solidFill>
                   <a:srgbClr val="F79A32"/>
                 </a:solidFill>
@@ -21707,7 +22171,7 @@
               <a:t>true</a:t>
             </a:r>
             <a:r>
-              <a:rPr lang="en-IN" sz="2200" dirty="0">
+              <a:rPr lang="en-IN" sz="2000" dirty="0">
                 <a:solidFill>
                   <a:srgbClr val="D3AF86"/>
                 </a:solidFill>
@@ -21718,7 +22182,7 @@
           </a:p>
           <a:p>
             <a:r>
-              <a:rPr lang="en-IN" sz="2200" dirty="0">
+              <a:rPr lang="en-IN" sz="2000" dirty="0">
                 <a:solidFill>
                   <a:srgbClr val="98676A"/>
                 </a:solidFill>
@@ -21727,7 +22191,7 @@
               <a:t>const</a:t>
             </a:r>
             <a:r>
-              <a:rPr lang="en-IN" sz="2200" dirty="0">
+              <a:rPr lang="en-IN" sz="2000" dirty="0">
                 <a:solidFill>
                   <a:srgbClr val="D3AF86"/>
                 </a:solidFill>
@@ -21736,7 +22200,7 @@
               <a:t> </a:t>
             </a:r>
             <a:r>
-              <a:rPr lang="en-IN" sz="2200" dirty="0">
+              <a:rPr lang="en-IN" sz="2000" dirty="0">
                 <a:solidFill>
                   <a:srgbClr val="DC3958"/>
                 </a:solidFill>
@@ -21745,7 +22209,7 @@
               <a:t>notDone</a:t>
             </a:r>
             <a:r>
-              <a:rPr lang="en-IN" sz="2200" dirty="0">
+              <a:rPr lang="en-IN" sz="2000" dirty="0">
                 <a:solidFill>
                   <a:srgbClr val="D3AF86"/>
                 </a:solidFill>
@@ -21754,7 +22218,7 @@
               <a:t>: boolean = </a:t>
             </a:r>
             <a:r>
-              <a:rPr lang="en-IN" sz="2200" dirty="0">
+              <a:rPr lang="en-IN" sz="2000" dirty="0">
                 <a:solidFill>
                   <a:srgbClr val="F79A32"/>
                 </a:solidFill>
@@ -21763,7 +22227,7 @@
               <a:t>false</a:t>
             </a:r>
             <a:r>
-              <a:rPr lang="en-IN" sz="2200" dirty="0">
+              <a:rPr lang="en-IN" sz="2000" dirty="0">
                 <a:solidFill>
                   <a:srgbClr val="D3AF86"/>
                 </a:solidFill>
@@ -21771,7 +22235,7 @@
               </a:rPr>
               <a:t>;</a:t>
             </a:r>
-            <a:endParaRPr lang="en-IN" sz="2200" b="0" dirty="0">
+            <a:endParaRPr lang="en-IN" sz="2000" b="0" dirty="0">
               <a:solidFill>
                 <a:srgbClr val="D3AF86"/>
               </a:solidFill>
@@ -22069,7 +22533,7 @@
         <p:spPr>
           <a:xfrm>
             <a:off x="127000" y="2895600"/>
-            <a:ext cx="8902700" cy="1107996"/>
+            <a:ext cx="8902700" cy="1015663"/>
           </a:xfrm>
           <a:prstGeom prst="rect">
             <a:avLst/>
@@ -22082,7 +22546,7 @@
           <a:lstStyle/>
           <a:p>
             <a:r>
-              <a:rPr lang="en-IN" sz="2200" dirty="0">
+              <a:rPr lang="en-IN" sz="2000" dirty="0">
                 <a:solidFill>
                   <a:srgbClr val="98676A"/>
                 </a:solidFill>
@@ -22091,7 +22555,7 @@
               <a:t>const</a:t>
             </a:r>
             <a:r>
-              <a:rPr lang="en-IN" sz="2200" dirty="0">
+              <a:rPr lang="en-IN" sz="2000" dirty="0">
                 <a:solidFill>
                   <a:srgbClr val="D3AF86"/>
                 </a:solidFill>
@@ -22100,7 +22564,7 @@
               <a:t> </a:t>
             </a:r>
             <a:r>
-              <a:rPr lang="en-IN" sz="2200" dirty="0">
+              <a:rPr lang="en-IN" sz="2000" dirty="0">
                 <a:solidFill>
                   <a:srgbClr val="DC3958"/>
                 </a:solidFill>
@@ -22109,7 +22573,7 @@
               <a:t>x</a:t>
             </a:r>
             <a:r>
-              <a:rPr lang="en-IN" sz="2200" dirty="0">
+              <a:rPr lang="en-IN" sz="2000" dirty="0">
                 <a:solidFill>
                   <a:srgbClr val="D3AF86"/>
                 </a:solidFill>
@@ -22118,7 +22582,7 @@
               <a:t>: number = </a:t>
             </a:r>
             <a:r>
-              <a:rPr lang="en-IN" sz="2200" dirty="0">
+              <a:rPr lang="en-IN" sz="2000" dirty="0">
                 <a:solidFill>
                   <a:srgbClr val="F79A32"/>
                 </a:solidFill>
@@ -22127,7 +22591,7 @@
               <a:t>1</a:t>
             </a:r>
             <a:r>
-              <a:rPr lang="en-IN" sz="2200" dirty="0">
+              <a:rPr lang="en-IN" sz="2000" dirty="0">
                 <a:solidFill>
                   <a:srgbClr val="D3AF86"/>
                 </a:solidFill>
@@ -22138,7 +22602,7 @@
           </a:p>
           <a:p>
             <a:r>
-              <a:rPr lang="en-IN" sz="2200" dirty="0">
+              <a:rPr lang="en-IN" sz="2000" dirty="0">
                 <a:solidFill>
                   <a:srgbClr val="98676A"/>
                 </a:solidFill>
@@ -22147,7 +22611,7 @@
               <a:t>const</a:t>
             </a:r>
             <a:r>
-              <a:rPr lang="en-IN" sz="2200" dirty="0">
+              <a:rPr lang="en-IN" sz="2000" dirty="0">
                 <a:solidFill>
                   <a:srgbClr val="D3AF86"/>
                 </a:solidFill>
@@ -22156,7 +22620,7 @@
               <a:t> </a:t>
             </a:r>
             <a:r>
-              <a:rPr lang="en-IN" sz="2200" dirty="0">
+              <a:rPr lang="en-IN" sz="2000" dirty="0">
                 <a:solidFill>
                   <a:srgbClr val="DC3958"/>
                 </a:solidFill>
@@ -22165,7 +22629,7 @@
               <a:t>y</a:t>
             </a:r>
             <a:r>
-              <a:rPr lang="en-IN" sz="2200" dirty="0">
+              <a:rPr lang="en-IN" sz="2000" dirty="0">
                 <a:solidFill>
                   <a:srgbClr val="D3AF86"/>
                 </a:solidFill>
@@ -22174,7 +22638,7 @@
               <a:t>: number = </a:t>
             </a:r>
             <a:r>
-              <a:rPr lang="en-IN" sz="2200" dirty="0">
+              <a:rPr lang="en-IN" sz="2000" dirty="0">
                 <a:solidFill>
                   <a:srgbClr val="F79A32"/>
                 </a:solidFill>
@@ -22183,7 +22647,7 @@
               <a:t>1.2</a:t>
             </a:r>
             <a:r>
-              <a:rPr lang="en-IN" sz="2200" dirty="0">
+              <a:rPr lang="en-IN" sz="2000" dirty="0">
                 <a:solidFill>
                   <a:srgbClr val="D3AF86"/>
                 </a:solidFill>
@@ -22194,7 +22658,7 @@
           </a:p>
           <a:p>
             <a:r>
-              <a:rPr lang="en-IN" sz="2200" dirty="0">
+              <a:rPr lang="en-IN" sz="2000" dirty="0">
                 <a:solidFill>
                   <a:srgbClr val="98676A"/>
                 </a:solidFill>
@@ -22203,7 +22667,7 @@
               <a:t>const</a:t>
             </a:r>
             <a:r>
-              <a:rPr lang="en-IN" sz="2200" dirty="0">
+              <a:rPr lang="en-IN" sz="2000" dirty="0">
                 <a:solidFill>
                   <a:srgbClr val="D3AF86"/>
                 </a:solidFill>
@@ -22212,7 +22676,7 @@
               <a:t> </a:t>
             </a:r>
             <a:r>
-              <a:rPr lang="en-IN" sz="2200" dirty="0">
+              <a:rPr lang="en-IN" sz="2000" dirty="0">
                 <a:solidFill>
                   <a:srgbClr val="DC3958"/>
                 </a:solidFill>
@@ -22221,7 +22685,7 @@
               <a:t>z</a:t>
             </a:r>
             <a:r>
-              <a:rPr lang="en-IN" sz="2200" dirty="0">
+              <a:rPr lang="en-IN" sz="2000" dirty="0">
                 <a:solidFill>
                   <a:srgbClr val="D3AF86"/>
                 </a:solidFill>
@@ -22230,7 +22694,7 @@
               <a:t>: number = -</a:t>
             </a:r>
             <a:r>
-              <a:rPr lang="en-IN" sz="2200" dirty="0">
+              <a:rPr lang="en-IN" sz="2000" dirty="0">
                 <a:solidFill>
                   <a:srgbClr val="F79A32"/>
                 </a:solidFill>
@@ -22239,7 +22703,7 @@
               <a:t>1</a:t>
             </a:r>
             <a:r>
-              <a:rPr lang="en-IN" sz="2200" dirty="0">
+              <a:rPr lang="en-IN" sz="2000" dirty="0">
                 <a:solidFill>
                   <a:srgbClr val="D3AF86"/>
                 </a:solidFill>
@@ -22247,7 +22711,7 @@
               </a:rPr>
               <a:t>;</a:t>
             </a:r>
-            <a:endParaRPr lang="en-IN" sz="2200" b="0" dirty="0">
+            <a:endParaRPr lang="en-IN" sz="2000" b="0" dirty="0">
               <a:solidFill>
                 <a:srgbClr val="D3AF86"/>
               </a:solidFill>
@@ -22622,7 +23086,7 @@
         <p:spPr>
           <a:xfrm>
             <a:off x="127000" y="2964359"/>
-            <a:ext cx="8686800" cy="769441"/>
+            <a:ext cx="8686800" cy="707886"/>
           </a:xfrm>
           <a:prstGeom prst="rect">
             <a:avLst/>
@@ -22635,7 +23099,7 @@
           <a:lstStyle/>
           <a:p>
             <a:r>
-              <a:rPr lang="en-IN" sz="2200" dirty="0" smtClean="0">
+              <a:rPr lang="en-IN" sz="2000" dirty="0" smtClean="0">
                 <a:solidFill>
                   <a:srgbClr val="98676A"/>
                 </a:solidFill>
@@ -22644,7 +23108,7 @@
               <a:t>const</a:t>
             </a:r>
             <a:r>
-              <a:rPr lang="en-IN" sz="2200" dirty="0" smtClean="0">
+              <a:rPr lang="en-IN" sz="2000" dirty="0" smtClean="0">
                 <a:solidFill>
                   <a:srgbClr val="D3AF86"/>
                 </a:solidFill>
@@ -22653,7 +23117,7 @@
               <a:t> </a:t>
             </a:r>
             <a:r>
-              <a:rPr lang="en-IN" sz="2200" dirty="0" smtClean="0">
+              <a:rPr lang="en-IN" sz="2000" dirty="0" smtClean="0">
                 <a:solidFill>
                   <a:srgbClr val="DC3958"/>
                 </a:solidFill>
@@ -22662,7 +23126,7 @@
               <a:t>firstName</a:t>
             </a:r>
             <a:r>
-              <a:rPr lang="en-IN" sz="2200" dirty="0" smtClean="0">
+              <a:rPr lang="en-IN" sz="2000" dirty="0" smtClean="0">
                 <a:solidFill>
                   <a:srgbClr val="D3AF86"/>
                 </a:solidFill>
@@ -22671,7 +23135,7 @@
               <a:t>: string = "</a:t>
             </a:r>
             <a:r>
-              <a:rPr lang="en-IN" sz="2200" dirty="0" smtClean="0">
+              <a:rPr lang="en-IN" sz="2000" dirty="0" smtClean="0">
                 <a:solidFill>
                   <a:srgbClr val="889B4A"/>
                 </a:solidFill>
@@ -22680,7 +23144,7 @@
               <a:t>Saleel</a:t>
             </a:r>
             <a:r>
-              <a:rPr lang="en-IN" sz="2200" dirty="0" smtClean="0">
+              <a:rPr lang="en-IN" sz="2000" dirty="0" smtClean="0">
                 <a:solidFill>
                   <a:srgbClr val="D3AF86"/>
                 </a:solidFill>
@@ -22691,7 +23155,7 @@
           </a:p>
           <a:p>
             <a:r>
-              <a:rPr lang="en-IN" sz="2200" dirty="0">
+              <a:rPr lang="en-IN" sz="2000" dirty="0">
                 <a:solidFill>
                   <a:srgbClr val="98676A"/>
                 </a:solidFill>
@@ -22700,7 +23164,7 @@
               <a:t>const</a:t>
             </a:r>
             <a:r>
-              <a:rPr lang="en-IN" sz="2200" dirty="0" smtClean="0">
+              <a:rPr lang="en-IN" sz="2000" dirty="0" smtClean="0">
                 <a:solidFill>
                   <a:srgbClr val="D3AF86"/>
                 </a:solidFill>
@@ -22709,7 +23173,7 @@
               <a:t> </a:t>
             </a:r>
             <a:r>
-              <a:rPr lang="en-IN" sz="2200" dirty="0">
+              <a:rPr lang="en-IN" sz="2000" dirty="0">
                 <a:solidFill>
                   <a:srgbClr val="DC3958"/>
                 </a:solidFill>
@@ -22718,7 +23182,7 @@
               <a:t>lastName</a:t>
             </a:r>
             <a:r>
-              <a:rPr lang="en-IN" sz="2200" dirty="0">
+              <a:rPr lang="en-IN" sz="2000" dirty="0">
                 <a:solidFill>
                   <a:srgbClr val="D3AF86"/>
                 </a:solidFill>
@@ -22727,7 +23191,7 @@
               <a:t>: string = '</a:t>
             </a:r>
             <a:r>
-              <a:rPr lang="en-IN" sz="2200" dirty="0">
+              <a:rPr lang="en-IN" sz="2000" dirty="0">
                 <a:solidFill>
                   <a:srgbClr val="889B4A"/>
                 </a:solidFill>
@@ -22736,7 +23200,7 @@
               <a:t>Bagde</a:t>
             </a:r>
             <a:r>
-              <a:rPr lang="en-IN" sz="2200" dirty="0">
+              <a:rPr lang="en-IN" sz="2000" dirty="0">
                 <a:solidFill>
                   <a:srgbClr val="D3AF86"/>
                 </a:solidFill>
@@ -22744,7 +23208,7 @@
               </a:rPr>
               <a:t>';</a:t>
             </a:r>
-            <a:endParaRPr lang="en-IN" sz="2200" b="0" dirty="0">
+            <a:endParaRPr lang="en-IN" sz="2000" b="0" dirty="0">
               <a:solidFill>
                 <a:srgbClr val="D3AF86"/>
               </a:solidFill>
@@ -22763,7 +23227,7 @@
         <p:spPr>
           <a:xfrm>
             <a:off x="127000" y="5097959"/>
-            <a:ext cx="8902700" cy="769441"/>
+            <a:ext cx="8902700" cy="707886"/>
           </a:xfrm>
           <a:prstGeom prst="rect">
             <a:avLst/>
@@ -22776,7 +23240,7 @@
           <a:lstStyle/>
           <a:p>
             <a:r>
-              <a:rPr lang="en-IN" sz="2200" dirty="0">
+              <a:rPr lang="en-IN" sz="2000" dirty="0">
                 <a:solidFill>
                   <a:srgbClr val="98676A"/>
                 </a:solidFill>
@@ -22785,7 +23249,7 @@
               <a:t>const</a:t>
             </a:r>
             <a:r>
-              <a:rPr lang="en-IN" sz="2200" dirty="0" smtClean="0">
+              <a:rPr lang="en-IN" sz="2000" dirty="0" smtClean="0">
                 <a:solidFill>
                   <a:srgbClr val="D3AF86"/>
                 </a:solidFill>
@@ -22794,7 +23258,7 @@
               <a:t> </a:t>
             </a:r>
             <a:r>
-              <a:rPr lang="en-IN" sz="2200" dirty="0">
+              <a:rPr lang="en-IN" sz="2000" dirty="0">
                 <a:solidFill>
                   <a:srgbClr val="DC3958"/>
                 </a:solidFill>
@@ -22803,7 +23267,7 @@
               <a:t>firstName</a:t>
             </a:r>
             <a:r>
-              <a:rPr lang="en-IN" sz="2200" dirty="0">
+              <a:rPr lang="en-IN" sz="2000" dirty="0">
                 <a:solidFill>
                   <a:srgbClr val="D3AF86"/>
                 </a:solidFill>
@@ -22812,7 +23276,7 @@
               <a:t>: string = '</a:t>
             </a:r>
             <a:r>
-              <a:rPr lang="en-IN" sz="2200" dirty="0">
+              <a:rPr lang="en-IN" sz="2000" dirty="0">
                 <a:solidFill>
                   <a:srgbClr val="889B4A"/>
                 </a:solidFill>
@@ -22821,7 +23285,7 @@
               <a:t>Saleel</a:t>
             </a:r>
             <a:r>
-              <a:rPr lang="en-IN" sz="2200" dirty="0">
+              <a:rPr lang="en-IN" sz="2000" dirty="0">
                 <a:solidFill>
                   <a:srgbClr val="D3AF86"/>
                 </a:solidFill>
@@ -22832,7 +23296,7 @@
           </a:p>
           <a:p>
             <a:r>
-              <a:rPr lang="en-IN" sz="2200" dirty="0">
+              <a:rPr lang="en-IN" sz="2000" dirty="0">
                 <a:solidFill>
                   <a:srgbClr val="F06431"/>
                 </a:solidFill>
@@ -22841,7 +23305,7 @@
               <a:t>console</a:t>
             </a:r>
             <a:r>
-              <a:rPr lang="en-IN" sz="2200" dirty="0">
+              <a:rPr lang="en-IN" sz="2000" dirty="0">
                 <a:solidFill>
                   <a:srgbClr val="D3AF86"/>
                 </a:solidFill>
@@ -22850,7 +23314,7 @@
               <a:t>.</a:t>
             </a:r>
             <a:r>
-              <a:rPr lang="en-IN" sz="2200" dirty="0">
+              <a:rPr lang="en-IN" sz="2000" dirty="0">
                 <a:solidFill>
                   <a:srgbClr val="7E602C"/>
                 </a:solidFill>
@@ -22859,7 +23323,7 @@
               <a:t>log</a:t>
             </a:r>
             <a:r>
-              <a:rPr lang="en-IN" sz="2200" dirty="0">
+              <a:rPr lang="en-IN" sz="2000" dirty="0">
                 <a:solidFill>
                   <a:srgbClr val="D3AF86"/>
                 </a:solidFill>
@@ -22868,7 +23332,7 @@
               <a:t>(`</a:t>
             </a:r>
             <a:r>
-              <a:rPr lang="en-IN" sz="2200" dirty="0">
+              <a:rPr lang="en-IN" sz="2000" dirty="0">
                 <a:solidFill>
                   <a:srgbClr val="889B4A"/>
                 </a:solidFill>
@@ -22877,7 +23341,7 @@
               <a:t>My name is ${</a:t>
             </a:r>
             <a:r>
-              <a:rPr lang="en-IN" sz="2200" dirty="0">
+              <a:rPr lang="en-IN" sz="2000" dirty="0">
                 <a:solidFill>
                   <a:srgbClr val="D3AF86"/>
                 </a:solidFill>
@@ -22886,7 +23350,7 @@
               <a:t> </a:t>
             </a:r>
             <a:r>
-              <a:rPr lang="en-IN" sz="2200" dirty="0">
+              <a:rPr lang="en-IN" sz="2000" dirty="0">
                 <a:solidFill>
                   <a:srgbClr val="DC3958"/>
                 </a:solidFill>
@@ -22895,7 +23359,7 @@
               <a:t>firstName</a:t>
             </a:r>
             <a:r>
-              <a:rPr lang="en-IN" sz="2200" dirty="0">
+              <a:rPr lang="en-IN" sz="2000" dirty="0">
                 <a:solidFill>
                   <a:srgbClr val="D3AF86"/>
                 </a:solidFill>
@@ -22904,7 +23368,7 @@
               <a:t> </a:t>
             </a:r>
             <a:r>
-              <a:rPr lang="en-IN" sz="2200" dirty="0" smtClean="0">
+              <a:rPr lang="en-IN" sz="2000" dirty="0" smtClean="0">
                 <a:solidFill>
                   <a:srgbClr val="889B4A"/>
                 </a:solidFill>
@@ -22913,7 +23377,7 @@
               <a:t>}</a:t>
             </a:r>
             <a:r>
-              <a:rPr lang="en-IN" sz="2200" dirty="0" smtClean="0">
+              <a:rPr lang="en-IN" sz="2000" dirty="0" smtClean="0">
                 <a:solidFill>
                   <a:srgbClr val="D3AF86"/>
                 </a:solidFill>
@@ -22921,7 +23385,7 @@
               </a:rPr>
               <a:t>`);</a:t>
             </a:r>
-            <a:endParaRPr lang="en-IN" sz="2200" b="0" dirty="0">
+            <a:endParaRPr lang="en-IN" sz="2000" b="0" dirty="0">
               <a:solidFill>
                 <a:srgbClr val="D3AF86"/>
               </a:solidFill>
